--- a/presentation/25_CRA_5차_JAVA_A조.pptx
+++ b/presentation/25_CRA_5차_JAVA_A조.pptx
@@ -5,7 +5,7 @@
     <p:sldMasterId id="2147483666" r:id="rId1"/>
   </p:sldMasterIdLst>
   <p:notesMasterIdLst>
-    <p:notesMasterId r:id="rId34"/>
+    <p:notesMasterId r:id="rId35"/>
   </p:notesMasterIdLst>
   <p:sldIdLst>
     <p:sldId id="256" r:id="rId2"/>
@@ -18,28 +18,29 @@
     <p:sldId id="263" r:id="rId9"/>
     <p:sldId id="264" r:id="rId10"/>
     <p:sldId id="265" r:id="rId11"/>
-    <p:sldId id="266" r:id="rId12"/>
-    <p:sldId id="267" r:id="rId13"/>
-    <p:sldId id="268" r:id="rId14"/>
-    <p:sldId id="269" r:id="rId15"/>
-    <p:sldId id="270" r:id="rId16"/>
-    <p:sldId id="271" r:id="rId17"/>
-    <p:sldId id="272" r:id="rId18"/>
-    <p:sldId id="273" r:id="rId19"/>
-    <p:sldId id="274" r:id="rId20"/>
-    <p:sldId id="275" r:id="rId21"/>
-    <p:sldId id="276" r:id="rId22"/>
-    <p:sldId id="277" r:id="rId23"/>
-    <p:sldId id="278" r:id="rId24"/>
-    <p:sldId id="279" r:id="rId25"/>
-    <p:sldId id="280" r:id="rId26"/>
-    <p:sldId id="290" r:id="rId27"/>
-    <p:sldId id="281" r:id="rId28"/>
-    <p:sldId id="288" r:id="rId29"/>
-    <p:sldId id="289" r:id="rId30"/>
-    <p:sldId id="285" r:id="rId31"/>
-    <p:sldId id="286" r:id="rId32"/>
-    <p:sldId id="287" r:id="rId33"/>
+    <p:sldId id="291" r:id="rId12"/>
+    <p:sldId id="266" r:id="rId13"/>
+    <p:sldId id="267" r:id="rId14"/>
+    <p:sldId id="268" r:id="rId15"/>
+    <p:sldId id="269" r:id="rId16"/>
+    <p:sldId id="270" r:id="rId17"/>
+    <p:sldId id="271" r:id="rId18"/>
+    <p:sldId id="272" r:id="rId19"/>
+    <p:sldId id="273" r:id="rId20"/>
+    <p:sldId id="274" r:id="rId21"/>
+    <p:sldId id="275" r:id="rId22"/>
+    <p:sldId id="276" r:id="rId23"/>
+    <p:sldId id="277" r:id="rId24"/>
+    <p:sldId id="278" r:id="rId25"/>
+    <p:sldId id="279" r:id="rId26"/>
+    <p:sldId id="280" r:id="rId27"/>
+    <p:sldId id="290" r:id="rId28"/>
+    <p:sldId id="281" r:id="rId29"/>
+    <p:sldId id="288" r:id="rId30"/>
+    <p:sldId id="289" r:id="rId31"/>
+    <p:sldId id="285" r:id="rId32"/>
+    <p:sldId id="286" r:id="rId33"/>
+    <p:sldId id="287" r:id="rId34"/>
   </p:sldIdLst>
   <p:sldSz cx="12192000" cy="6858000"/>
   <p:notesSz cx="6858000" cy="9144000"/>
@@ -1087,6 +1088,115 @@
   <p:cSld>
     <p:spTree>
       <p:nvGrpSpPr>
+        <p:cNvPr id="1" name="Shape 279"/>
+        <p:cNvGrpSpPr/>
+        <p:nvPr/>
+      </p:nvGrpSpPr>
+      <p:grpSpPr>
+        <a:xfrm>
+          <a:off x="0" y="0"/>
+          <a:ext cx="0" cy="0"/>
+          <a:chOff x="0" y="0"/>
+          <a:chExt cx="0" cy="0"/>
+        </a:xfrm>
+      </p:grpSpPr>
+      <p:sp>
+        <p:nvSpPr>
+          <p:cNvPr id="280" name="Google Shape;280;g3685adf15ab_9_5:notes"/>
+          <p:cNvSpPr>
+            <a:spLocks noGrp="1" noRot="1" noChangeAspect="1"/>
+          </p:cNvSpPr>
+          <p:nvPr>
+            <p:ph type="sldImg" idx="2"/>
+          </p:nvPr>
+        </p:nvSpPr>
+        <p:spPr>
+          <a:xfrm>
+            <a:off x="381000" y="685800"/>
+            <a:ext cx="6096000" cy="3429000"/>
+          </a:xfrm>
+          <a:custGeom>
+            <a:avLst/>
+            <a:gdLst/>
+            <a:ahLst/>
+            <a:cxnLst/>
+            <a:rect l="l" t="t" r="r" b="b"/>
+            <a:pathLst>
+              <a:path w="120000" h="120000" extrusionOk="0">
+                <a:moveTo>
+                  <a:pt x="0" y="0"/>
+                </a:moveTo>
+                <a:lnTo>
+                  <a:pt x="120000" y="0"/>
+                </a:lnTo>
+                <a:lnTo>
+                  <a:pt x="120000" y="120000"/>
+                </a:lnTo>
+                <a:lnTo>
+                  <a:pt x="0" y="120000"/>
+                </a:lnTo>
+                <a:close/>
+              </a:path>
+            </a:pathLst>
+          </a:custGeom>
+        </p:spPr>
+      </p:sp>
+      <p:sp>
+        <p:nvSpPr>
+          <p:cNvPr id="281" name="Google Shape;281;g3685adf15ab_9_5:notes"/>
+          <p:cNvSpPr txBox="1">
+            <a:spLocks noGrp="1"/>
+          </p:cNvSpPr>
+          <p:nvPr>
+            <p:ph type="body" idx="1"/>
+          </p:nvPr>
+        </p:nvSpPr>
+        <p:spPr>
+          <a:xfrm>
+            <a:off x="685800" y="4343400"/>
+            <a:ext cx="5486400" cy="4114800"/>
+          </a:xfrm>
+          <a:prstGeom prst="rect">
+            <a:avLst/>
+          </a:prstGeom>
+        </p:spPr>
+        <p:txBody>
+          <a:bodyPr spcFirstLastPara="1" wrap="square" lIns="91425" tIns="91425" rIns="91425" bIns="91425" anchor="t" anchorCtr="0">
+            <a:noAutofit/>
+          </a:bodyPr>
+          <a:lstStyle/>
+          <a:p>
+            <a:pPr marL="0" lvl="0" indent="0" algn="l" rtl="0">
+              <a:spcBef>
+                <a:spcPts val="0"/>
+              </a:spcBef>
+              <a:spcAft>
+                <a:spcPts val="0"/>
+              </a:spcAft>
+              <a:buNone/>
+            </a:pPr>
+            <a:endParaRPr/>
+          </a:p>
+        </p:txBody>
+      </p:sp>
+    </p:spTree>
+    <p:extLst>
+      <p:ext uri="{BB962C8B-B14F-4D97-AF65-F5344CB8AC3E}">
+        <p14:creationId xmlns:p14="http://schemas.microsoft.com/office/powerpoint/2010/main" val="1662306346"/>
+      </p:ext>
+    </p:extLst>
+  </p:cSld>
+  <p:clrMapOvr>
+    <a:masterClrMapping/>
+  </p:clrMapOvr>
+</p:notes>
+</file>
+
+<file path=ppt/notesSlides/notesSlide12.xml><?xml version="1.0" encoding="utf-8"?>
+<p:notes xmlns:a="http://schemas.openxmlformats.org/drawingml/2006/main" xmlns:r="http://schemas.openxmlformats.org/officeDocument/2006/relationships" xmlns:p="http://schemas.openxmlformats.org/presentationml/2006/main" showMasterSp="0" showMasterPhAnim="0">
+  <p:cSld>
+    <p:spTree>
+      <p:nvGrpSpPr>
         <p:cNvPr id="1" name="Shape 284"/>
         <p:cNvGrpSpPr/>
         <p:nvPr/>
@@ -1204,7 +1314,7 @@
 </p:notes>
 </file>
 
-<file path=ppt/notesSlides/notesSlide12.xml><?xml version="1.0" encoding="utf-8"?>
+<file path=ppt/notesSlides/notesSlide13.xml><?xml version="1.0" encoding="utf-8"?>
 <p:notes xmlns:a="http://schemas.openxmlformats.org/drawingml/2006/main" xmlns:r="http://schemas.openxmlformats.org/officeDocument/2006/relationships" xmlns:p="http://schemas.openxmlformats.org/presentationml/2006/main" showMasterSp="0" showMasterPhAnim="0">
   <p:cSld>
     <p:spTree>
@@ -1308,7 +1418,7 @@
 </p:notes>
 </file>
 
-<file path=ppt/notesSlides/notesSlide13.xml><?xml version="1.0" encoding="utf-8"?>
+<file path=ppt/notesSlides/notesSlide14.xml><?xml version="1.0" encoding="utf-8"?>
 <p:notes xmlns:a="http://schemas.openxmlformats.org/drawingml/2006/main" xmlns:r="http://schemas.openxmlformats.org/officeDocument/2006/relationships" xmlns:p="http://schemas.openxmlformats.org/presentationml/2006/main" showMasterSp="0" showMasterPhAnim="0">
   <p:cSld>
     <p:spTree>
@@ -1412,7 +1522,7 @@
 </p:notes>
 </file>
 
-<file path=ppt/notesSlides/notesSlide14.xml><?xml version="1.0" encoding="utf-8"?>
+<file path=ppt/notesSlides/notesSlide15.xml><?xml version="1.0" encoding="utf-8"?>
 <p:notes xmlns:a="http://schemas.openxmlformats.org/drawingml/2006/main" xmlns:r="http://schemas.openxmlformats.org/officeDocument/2006/relationships" xmlns:p="http://schemas.openxmlformats.org/presentationml/2006/main" showMasterSp="0" showMasterPhAnim="0">
   <p:cSld>
     <p:spTree>
@@ -1516,7 +1626,7 @@
 </p:notes>
 </file>
 
-<file path=ppt/notesSlides/notesSlide15.xml><?xml version="1.0" encoding="utf-8"?>
+<file path=ppt/notesSlides/notesSlide16.xml><?xml version="1.0" encoding="utf-8"?>
 <p:notes xmlns:a="http://schemas.openxmlformats.org/drawingml/2006/main" xmlns:r="http://schemas.openxmlformats.org/officeDocument/2006/relationships" xmlns:p="http://schemas.openxmlformats.org/presentationml/2006/main" showMasterSp="0" showMasterPhAnim="0">
   <p:cSld>
     <p:spTree>
@@ -1638,7 +1748,7 @@
 </p:notes>
 </file>
 
-<file path=ppt/notesSlides/notesSlide16.xml><?xml version="1.0" encoding="utf-8"?>
+<file path=ppt/notesSlides/notesSlide17.xml><?xml version="1.0" encoding="utf-8"?>
 <p:notes xmlns:a="http://schemas.openxmlformats.org/drawingml/2006/main" xmlns:r="http://schemas.openxmlformats.org/officeDocument/2006/relationships" xmlns:p="http://schemas.openxmlformats.org/presentationml/2006/main" showMasterSp="0" showMasterPhAnim="0">
   <p:cSld>
     <p:spTree>
@@ -1760,7 +1870,7 @@
 </p:notes>
 </file>
 
-<file path=ppt/notesSlides/notesSlide17.xml><?xml version="1.0" encoding="utf-8"?>
+<file path=ppt/notesSlides/notesSlide18.xml><?xml version="1.0" encoding="utf-8"?>
 <p:notes xmlns:a="http://schemas.openxmlformats.org/drawingml/2006/main" xmlns:r="http://schemas.openxmlformats.org/officeDocument/2006/relationships" xmlns:p="http://schemas.openxmlformats.org/presentationml/2006/main" showMasterSp="0" showMasterPhAnim="0">
   <p:cSld>
     <p:spTree>
@@ -1882,7 +1992,7 @@
 </p:notes>
 </file>
 
-<file path=ppt/notesSlides/notesSlide18.xml><?xml version="1.0" encoding="utf-8"?>
+<file path=ppt/notesSlides/notesSlide19.xml><?xml version="1.0" encoding="utf-8"?>
 <p:notes xmlns:a="http://schemas.openxmlformats.org/drawingml/2006/main" xmlns:r="http://schemas.openxmlformats.org/officeDocument/2006/relationships" xmlns:p="http://schemas.openxmlformats.org/presentationml/2006/main" showMasterSp="0" showMasterPhAnim="0">
   <p:cSld>
     <p:spTree>
@@ -1994,110 +2104,6 @@
             <a:headEnd type="none" w="sm" len="sm"/>
             <a:tailEnd type="none" w="sm" len="sm"/>
           </a:ln>
-        </p:spPr>
-      </p:sp>
-    </p:spTree>
-  </p:cSld>
-  <p:clrMapOvr>
-    <a:masterClrMapping/>
-  </p:clrMapOvr>
-</p:notes>
-</file>
-
-<file path=ppt/notesSlides/notesSlide19.xml><?xml version="1.0" encoding="utf-8"?>
-<p:notes xmlns:a="http://schemas.openxmlformats.org/drawingml/2006/main" xmlns:r="http://schemas.openxmlformats.org/officeDocument/2006/relationships" xmlns:p="http://schemas.openxmlformats.org/presentationml/2006/main" showMasterSp="0" showMasterPhAnim="0">
-  <p:cSld>
-    <p:spTree>
-      <p:nvGrpSpPr>
-        <p:cNvPr id="1" name="Shape 375"/>
-        <p:cNvGrpSpPr/>
-        <p:nvPr/>
-      </p:nvGrpSpPr>
-      <p:grpSpPr>
-        <a:xfrm>
-          <a:off x="0" y="0"/>
-          <a:ext cx="0" cy="0"/>
-          <a:chOff x="0" y="0"/>
-          <a:chExt cx="0" cy="0"/>
-        </a:xfrm>
-      </p:grpSpPr>
-      <p:sp>
-        <p:nvSpPr>
-          <p:cNvPr id="376" name="Google Shape;376;g3685adf15ab_11_38:notes"/>
-          <p:cNvSpPr txBox="1">
-            <a:spLocks noGrp="1"/>
-          </p:cNvSpPr>
-          <p:nvPr>
-            <p:ph type="body" idx="1"/>
-          </p:nvPr>
-        </p:nvSpPr>
-        <p:spPr>
-          <a:xfrm>
-            <a:off x="685800" y="4343400"/>
-            <a:ext cx="5486400" cy="4114800"/>
-          </a:xfrm>
-          <a:prstGeom prst="rect">
-            <a:avLst/>
-          </a:prstGeom>
-        </p:spPr>
-        <p:txBody>
-          <a:bodyPr spcFirstLastPara="1" wrap="square" lIns="91425" tIns="91425" rIns="91425" bIns="91425" anchor="t" anchorCtr="0">
-            <a:noAutofit/>
-          </a:bodyPr>
-          <a:lstStyle/>
-          <a:p>
-            <a:pPr marL="0" lvl="0" indent="0" algn="l" rtl="0">
-              <a:spcBef>
-                <a:spcPts val="0"/>
-              </a:spcBef>
-              <a:spcAft>
-                <a:spcPts val="0"/>
-              </a:spcAft>
-              <a:buNone/>
-            </a:pPr>
-            <a:endParaRPr/>
-          </a:p>
-        </p:txBody>
-      </p:sp>
-      <p:sp>
-        <p:nvSpPr>
-          <p:cNvPr id="377" name="Google Shape;377;g3685adf15ab_11_38:notes"/>
-          <p:cNvSpPr>
-            <a:spLocks noGrp="1" noRot="1" noChangeAspect="1"/>
-          </p:cNvSpPr>
-          <p:nvPr>
-            <p:ph type="sldImg" idx="2"/>
-          </p:nvPr>
-        </p:nvSpPr>
-        <p:spPr>
-          <a:xfrm>
-            <a:off x="381000" y="685800"/>
-            <a:ext cx="6096000" cy="3429000"/>
-          </a:xfrm>
-          <a:custGeom>
-            <a:avLst/>
-            <a:gdLst/>
-            <a:ahLst/>
-            <a:cxnLst/>
-            <a:rect l="l" t="t" r="r" b="b"/>
-            <a:pathLst>
-              <a:path w="120000" h="120000" extrusionOk="0">
-                <a:moveTo>
-                  <a:pt x="0" y="0"/>
-                </a:moveTo>
-                <a:lnTo>
-                  <a:pt x="120000" y="0"/>
-                </a:lnTo>
-                <a:lnTo>
-                  <a:pt x="120000" y="120000"/>
-                </a:lnTo>
-                <a:lnTo>
-                  <a:pt x="0" y="120000"/>
-                </a:lnTo>
-                <a:close/>
-              </a:path>
-            </a:pathLst>
-          </a:custGeom>
         </p:spPr>
       </p:sp>
     </p:spTree>
@@ -2235,6 +2241,110 @@
   <p:cSld>
     <p:spTree>
       <p:nvGrpSpPr>
+        <p:cNvPr id="1" name="Shape 375"/>
+        <p:cNvGrpSpPr/>
+        <p:nvPr/>
+      </p:nvGrpSpPr>
+      <p:grpSpPr>
+        <a:xfrm>
+          <a:off x="0" y="0"/>
+          <a:ext cx="0" cy="0"/>
+          <a:chOff x="0" y="0"/>
+          <a:chExt cx="0" cy="0"/>
+        </a:xfrm>
+      </p:grpSpPr>
+      <p:sp>
+        <p:nvSpPr>
+          <p:cNvPr id="376" name="Google Shape;376;g3685adf15ab_11_38:notes"/>
+          <p:cNvSpPr txBox="1">
+            <a:spLocks noGrp="1"/>
+          </p:cNvSpPr>
+          <p:nvPr>
+            <p:ph type="body" idx="1"/>
+          </p:nvPr>
+        </p:nvSpPr>
+        <p:spPr>
+          <a:xfrm>
+            <a:off x="685800" y="4343400"/>
+            <a:ext cx="5486400" cy="4114800"/>
+          </a:xfrm>
+          <a:prstGeom prst="rect">
+            <a:avLst/>
+          </a:prstGeom>
+        </p:spPr>
+        <p:txBody>
+          <a:bodyPr spcFirstLastPara="1" wrap="square" lIns="91425" tIns="91425" rIns="91425" bIns="91425" anchor="t" anchorCtr="0">
+            <a:noAutofit/>
+          </a:bodyPr>
+          <a:lstStyle/>
+          <a:p>
+            <a:pPr marL="0" lvl="0" indent="0" algn="l" rtl="0">
+              <a:spcBef>
+                <a:spcPts val="0"/>
+              </a:spcBef>
+              <a:spcAft>
+                <a:spcPts val="0"/>
+              </a:spcAft>
+              <a:buNone/>
+            </a:pPr>
+            <a:endParaRPr/>
+          </a:p>
+        </p:txBody>
+      </p:sp>
+      <p:sp>
+        <p:nvSpPr>
+          <p:cNvPr id="377" name="Google Shape;377;g3685adf15ab_11_38:notes"/>
+          <p:cNvSpPr>
+            <a:spLocks noGrp="1" noRot="1" noChangeAspect="1"/>
+          </p:cNvSpPr>
+          <p:nvPr>
+            <p:ph type="sldImg" idx="2"/>
+          </p:nvPr>
+        </p:nvSpPr>
+        <p:spPr>
+          <a:xfrm>
+            <a:off x="381000" y="685800"/>
+            <a:ext cx="6096000" cy="3429000"/>
+          </a:xfrm>
+          <a:custGeom>
+            <a:avLst/>
+            <a:gdLst/>
+            <a:ahLst/>
+            <a:cxnLst/>
+            <a:rect l="l" t="t" r="r" b="b"/>
+            <a:pathLst>
+              <a:path w="120000" h="120000" extrusionOk="0">
+                <a:moveTo>
+                  <a:pt x="0" y="0"/>
+                </a:moveTo>
+                <a:lnTo>
+                  <a:pt x="120000" y="0"/>
+                </a:lnTo>
+                <a:lnTo>
+                  <a:pt x="120000" y="120000"/>
+                </a:lnTo>
+                <a:lnTo>
+                  <a:pt x="0" y="120000"/>
+                </a:lnTo>
+                <a:close/>
+              </a:path>
+            </a:pathLst>
+          </a:custGeom>
+        </p:spPr>
+      </p:sp>
+    </p:spTree>
+  </p:cSld>
+  <p:clrMapOvr>
+    <a:masterClrMapping/>
+  </p:clrMapOvr>
+</p:notes>
+</file>
+
+<file path=ppt/notesSlides/notesSlide21.xml><?xml version="1.0" encoding="utf-8"?>
+<p:notes xmlns:a="http://schemas.openxmlformats.org/drawingml/2006/main" xmlns:r="http://schemas.openxmlformats.org/officeDocument/2006/relationships" xmlns:p="http://schemas.openxmlformats.org/presentationml/2006/main" showMasterSp="0" showMasterPhAnim="0">
+  <p:cSld>
+    <p:spTree>
+      <p:nvGrpSpPr>
         <p:cNvPr id="1" name="Shape 383"/>
         <p:cNvGrpSpPr/>
         <p:nvPr/>
@@ -2352,7 +2462,7 @@
 </p:notes>
 </file>
 
-<file path=ppt/notesSlides/notesSlide21.xml><?xml version="1.0" encoding="utf-8"?>
+<file path=ppt/notesSlides/notesSlide22.xml><?xml version="1.0" encoding="utf-8"?>
 <p:notes xmlns:a="http://schemas.openxmlformats.org/drawingml/2006/main" xmlns:r="http://schemas.openxmlformats.org/officeDocument/2006/relationships" xmlns:p="http://schemas.openxmlformats.org/presentationml/2006/main" showMasterSp="0" showMasterPhAnim="0">
   <p:cSld>
     <p:spTree>
@@ -2456,7 +2566,7 @@
 </p:notes>
 </file>
 
-<file path=ppt/notesSlides/notesSlide22.xml><?xml version="1.0" encoding="utf-8"?>
+<file path=ppt/notesSlides/notesSlide23.xml><?xml version="1.0" encoding="utf-8"?>
 <p:notes xmlns:a="http://schemas.openxmlformats.org/drawingml/2006/main" xmlns:r="http://schemas.openxmlformats.org/officeDocument/2006/relationships" xmlns:p="http://schemas.openxmlformats.org/presentationml/2006/main" showMasterSp="0" showMasterPhAnim="0">
   <p:cSld>
     <p:spTree>
@@ -2560,7 +2670,7 @@
 </p:notes>
 </file>
 
-<file path=ppt/notesSlides/notesSlide23.xml><?xml version="1.0" encoding="utf-8"?>
+<file path=ppt/notesSlides/notesSlide24.xml><?xml version="1.0" encoding="utf-8"?>
 <p:notes xmlns:a="http://schemas.openxmlformats.org/drawingml/2006/main" xmlns:r="http://schemas.openxmlformats.org/officeDocument/2006/relationships" xmlns:p="http://schemas.openxmlformats.org/presentationml/2006/main" showMasterSp="0" showMasterPhAnim="0">
   <p:cSld>
     <p:spTree>
@@ -2682,7 +2792,7 @@
 </p:notes>
 </file>
 
-<file path=ppt/notesSlides/notesSlide24.xml><?xml version="1.0" encoding="utf-8"?>
+<file path=ppt/notesSlides/notesSlide25.xml><?xml version="1.0" encoding="utf-8"?>
 <p:notes xmlns:a="http://schemas.openxmlformats.org/drawingml/2006/main" xmlns:r="http://schemas.openxmlformats.org/officeDocument/2006/relationships" xmlns:p="http://schemas.openxmlformats.org/presentationml/2006/main" showMasterSp="0" showMasterPhAnim="0">
   <p:cSld>
     <p:spTree>
@@ -2804,7 +2914,7 @@
 </p:notes>
 </file>
 
-<file path=ppt/notesSlides/notesSlide25.xml><?xml version="1.0" encoding="utf-8"?>
+<file path=ppt/notesSlides/notesSlide26.xml><?xml version="1.0" encoding="utf-8"?>
 <p:notes xmlns:a="http://schemas.openxmlformats.org/drawingml/2006/main" xmlns:r="http://schemas.openxmlformats.org/officeDocument/2006/relationships" xmlns:p="http://schemas.openxmlformats.org/presentationml/2006/main" showMasterSp="0" showMasterPhAnim="0">
   <p:cSld>
     <p:spTree>
@@ -2870,128 +2980,6 @@
       <p:sp>
         <p:nvSpPr>
           <p:cNvPr id="434" name="Google Shape;434;g3685adf15ab_5_57:notes"/>
-          <p:cNvSpPr>
-            <a:spLocks noGrp="1" noRot="1" noChangeAspect="1"/>
-          </p:cNvSpPr>
-          <p:nvPr>
-            <p:ph type="sldImg" idx="2"/>
-          </p:nvPr>
-        </p:nvSpPr>
-        <p:spPr>
-          <a:xfrm>
-            <a:off x="381000" y="685800"/>
-            <a:ext cx="6096000" cy="3429000"/>
-          </a:xfrm>
-          <a:custGeom>
-            <a:avLst/>
-            <a:gdLst/>
-            <a:ahLst/>
-            <a:cxnLst/>
-            <a:rect l="l" t="t" r="r" b="b"/>
-            <a:pathLst>
-              <a:path w="120000" h="120000" extrusionOk="0">
-                <a:moveTo>
-                  <a:pt x="0" y="0"/>
-                </a:moveTo>
-                <a:lnTo>
-                  <a:pt x="120000" y="0"/>
-                </a:lnTo>
-                <a:lnTo>
-                  <a:pt x="120000" y="120000"/>
-                </a:lnTo>
-                <a:lnTo>
-                  <a:pt x="0" y="120000"/>
-                </a:lnTo>
-                <a:close/>
-              </a:path>
-            </a:pathLst>
-          </a:custGeom>
-          <a:noFill/>
-          <a:ln w="9525" cap="flat" cmpd="sng">
-            <a:solidFill>
-              <a:srgbClr val="000000"/>
-            </a:solidFill>
-            <a:prstDash val="solid"/>
-            <a:round/>
-            <a:headEnd type="none" w="sm" len="sm"/>
-            <a:tailEnd type="none" w="sm" len="sm"/>
-          </a:ln>
-        </p:spPr>
-      </p:sp>
-    </p:spTree>
-  </p:cSld>
-  <p:clrMapOvr>
-    <a:masterClrMapping/>
-  </p:clrMapOvr>
-</p:notes>
-</file>
-
-<file path=ppt/notesSlides/notesSlide26.xml><?xml version="1.0" encoding="utf-8"?>
-<p:notes xmlns:a="http://schemas.openxmlformats.org/drawingml/2006/main" xmlns:r="http://schemas.openxmlformats.org/officeDocument/2006/relationships" xmlns:p="http://schemas.openxmlformats.org/presentationml/2006/main" showMasterSp="0" showMasterPhAnim="0">
-  <p:cSld>
-    <p:spTree>
-      <p:nvGrpSpPr>
-        <p:cNvPr id="1" name="Shape 445"/>
-        <p:cNvGrpSpPr/>
-        <p:nvPr/>
-      </p:nvGrpSpPr>
-      <p:grpSpPr>
-        <a:xfrm>
-          <a:off x="0" y="0"/>
-          <a:ext cx="0" cy="0"/>
-          <a:chOff x="0" y="0"/>
-          <a:chExt cx="0" cy="0"/>
-        </a:xfrm>
-      </p:grpSpPr>
-      <p:sp>
-        <p:nvSpPr>
-          <p:cNvPr id="446" name="Google Shape;446;g3685adf15ab_2_30:notes"/>
-          <p:cNvSpPr txBox="1">
-            <a:spLocks noGrp="1"/>
-          </p:cNvSpPr>
-          <p:nvPr>
-            <p:ph type="body" idx="1"/>
-          </p:nvPr>
-        </p:nvSpPr>
-        <p:spPr>
-          <a:xfrm>
-            <a:off x="685800" y="4343400"/>
-            <a:ext cx="5486400" cy="4114800"/>
-          </a:xfrm>
-          <a:prstGeom prst="rect">
-            <a:avLst/>
-          </a:prstGeom>
-          <a:noFill/>
-          <a:ln>
-            <a:noFill/>
-          </a:ln>
-        </p:spPr>
-        <p:txBody>
-          <a:bodyPr spcFirstLastPara="1" wrap="square" lIns="91425" tIns="91425" rIns="91425" bIns="91425" anchor="t" anchorCtr="0">
-            <a:noAutofit/>
-          </a:bodyPr>
-          <a:lstStyle/>
-          <a:p>
-            <a:pPr marL="0" lvl="0" indent="0" algn="l" rtl="0">
-              <a:lnSpc>
-                <a:spcPct val="100000"/>
-              </a:lnSpc>
-              <a:spcBef>
-                <a:spcPts val="0"/>
-              </a:spcBef>
-              <a:spcAft>
-                <a:spcPts val="0"/>
-              </a:spcAft>
-              <a:buSzPts val="1100"/>
-              <a:buNone/>
-            </a:pPr>
-            <a:endParaRPr/>
-          </a:p>
-        </p:txBody>
-      </p:sp>
-      <p:sp>
-        <p:nvSpPr>
-          <p:cNvPr id="447" name="Google Shape;447;g3685adf15ab_2_30:notes"/>
           <p:cNvSpPr>
             <a:spLocks noGrp="1" noRot="1" noChangeAspect="1"/>
           </p:cNvSpPr>
@@ -3285,11 +3273,6 @@
         </p:spPr>
       </p:sp>
     </p:spTree>
-    <p:extLst>
-      <p:ext uri="{BB962C8B-B14F-4D97-AF65-F5344CB8AC3E}">
-        <p14:creationId xmlns:p14="http://schemas.microsoft.com/office/powerpoint/2010/main" val="292921484"/>
-      </p:ext>
-    </p:extLst>
   </p:cSld>
   <p:clrMapOvr>
     <a:masterClrMapping/>
@@ -3414,7 +3397,7 @@
     </p:spTree>
     <p:extLst>
       <p:ext uri="{BB962C8B-B14F-4D97-AF65-F5344CB8AC3E}">
-        <p14:creationId xmlns:p14="http://schemas.microsoft.com/office/powerpoint/2010/main" val="1321474619"/>
+        <p14:creationId xmlns:p14="http://schemas.microsoft.com/office/powerpoint/2010/main" val="292921484"/>
       </p:ext>
     </p:extLst>
   </p:cSld>
@@ -3551,7 +3534,7 @@
   <p:cSld>
     <p:spTree>
       <p:nvGrpSpPr>
-        <p:cNvPr id="1" name="Shape 494"/>
+        <p:cNvPr id="1" name="Shape 445"/>
         <p:cNvGrpSpPr/>
         <p:nvPr/>
       </p:nvGrpSpPr>
@@ -3565,7 +3548,7 @@
       </p:grpSpPr>
       <p:sp>
         <p:nvSpPr>
-          <p:cNvPr id="495" name="Google Shape;495;g3685adf15ab_0_35:notes"/>
+          <p:cNvPr id="446" name="Google Shape;446;g3685adf15ab_2_30:notes"/>
           <p:cNvSpPr txBox="1">
             <a:spLocks noGrp="1"/>
           </p:cNvSpPr>
@@ -3611,7 +3594,7 @@
       </p:sp>
       <p:sp>
         <p:nvSpPr>
-          <p:cNvPr id="496" name="Google Shape;496;g3685adf15ab_0_35:notes"/>
+          <p:cNvPr id="447" name="Google Shape;447;g3685adf15ab_2_30:notes"/>
           <p:cNvSpPr>
             <a:spLocks noGrp="1" noRot="1" noChangeAspect="1"/>
           </p:cNvSpPr>
@@ -3661,6 +3644,11 @@
         </p:spPr>
       </p:sp>
     </p:spTree>
+    <p:extLst>
+      <p:ext uri="{BB962C8B-B14F-4D97-AF65-F5344CB8AC3E}">
+        <p14:creationId xmlns:p14="http://schemas.microsoft.com/office/powerpoint/2010/main" val="1321474619"/>
+      </p:ext>
+    </p:extLst>
   </p:cSld>
   <p:clrMapOvr>
     <a:masterClrMapping/>
@@ -3669,6 +3657,128 @@
 </file>
 
 <file path=ppt/notesSlides/notesSlide31.xml><?xml version="1.0" encoding="utf-8"?>
+<p:notes xmlns:a="http://schemas.openxmlformats.org/drawingml/2006/main" xmlns:r="http://schemas.openxmlformats.org/officeDocument/2006/relationships" xmlns:p="http://schemas.openxmlformats.org/presentationml/2006/main" showMasterSp="0" showMasterPhAnim="0">
+  <p:cSld>
+    <p:spTree>
+      <p:nvGrpSpPr>
+        <p:cNvPr id="1" name="Shape 494"/>
+        <p:cNvGrpSpPr/>
+        <p:nvPr/>
+      </p:nvGrpSpPr>
+      <p:grpSpPr>
+        <a:xfrm>
+          <a:off x="0" y="0"/>
+          <a:ext cx="0" cy="0"/>
+          <a:chOff x="0" y="0"/>
+          <a:chExt cx="0" cy="0"/>
+        </a:xfrm>
+      </p:grpSpPr>
+      <p:sp>
+        <p:nvSpPr>
+          <p:cNvPr id="495" name="Google Shape;495;g3685adf15ab_0_35:notes"/>
+          <p:cNvSpPr txBox="1">
+            <a:spLocks noGrp="1"/>
+          </p:cNvSpPr>
+          <p:nvPr>
+            <p:ph type="body" idx="1"/>
+          </p:nvPr>
+        </p:nvSpPr>
+        <p:spPr>
+          <a:xfrm>
+            <a:off x="685800" y="4343400"/>
+            <a:ext cx="5486400" cy="4114800"/>
+          </a:xfrm>
+          <a:prstGeom prst="rect">
+            <a:avLst/>
+          </a:prstGeom>
+          <a:noFill/>
+          <a:ln>
+            <a:noFill/>
+          </a:ln>
+        </p:spPr>
+        <p:txBody>
+          <a:bodyPr spcFirstLastPara="1" wrap="square" lIns="91425" tIns="91425" rIns="91425" bIns="91425" anchor="t" anchorCtr="0">
+            <a:noAutofit/>
+          </a:bodyPr>
+          <a:lstStyle/>
+          <a:p>
+            <a:pPr marL="0" lvl="0" indent="0" algn="l" rtl="0">
+              <a:lnSpc>
+                <a:spcPct val="100000"/>
+              </a:lnSpc>
+              <a:spcBef>
+                <a:spcPts val="0"/>
+              </a:spcBef>
+              <a:spcAft>
+                <a:spcPts val="0"/>
+              </a:spcAft>
+              <a:buSzPts val="1100"/>
+              <a:buNone/>
+            </a:pPr>
+            <a:endParaRPr/>
+          </a:p>
+        </p:txBody>
+      </p:sp>
+      <p:sp>
+        <p:nvSpPr>
+          <p:cNvPr id="496" name="Google Shape;496;g3685adf15ab_0_35:notes"/>
+          <p:cNvSpPr>
+            <a:spLocks noGrp="1" noRot="1" noChangeAspect="1"/>
+          </p:cNvSpPr>
+          <p:nvPr>
+            <p:ph type="sldImg" idx="2"/>
+          </p:nvPr>
+        </p:nvSpPr>
+        <p:spPr>
+          <a:xfrm>
+            <a:off x="381000" y="685800"/>
+            <a:ext cx="6096000" cy="3429000"/>
+          </a:xfrm>
+          <a:custGeom>
+            <a:avLst/>
+            <a:gdLst/>
+            <a:ahLst/>
+            <a:cxnLst/>
+            <a:rect l="l" t="t" r="r" b="b"/>
+            <a:pathLst>
+              <a:path w="120000" h="120000" extrusionOk="0">
+                <a:moveTo>
+                  <a:pt x="0" y="0"/>
+                </a:moveTo>
+                <a:lnTo>
+                  <a:pt x="120000" y="0"/>
+                </a:lnTo>
+                <a:lnTo>
+                  <a:pt x="120000" y="120000"/>
+                </a:lnTo>
+                <a:lnTo>
+                  <a:pt x="0" y="120000"/>
+                </a:lnTo>
+                <a:close/>
+              </a:path>
+            </a:pathLst>
+          </a:custGeom>
+          <a:noFill/>
+          <a:ln w="9525" cap="flat" cmpd="sng">
+            <a:solidFill>
+              <a:srgbClr val="000000"/>
+            </a:solidFill>
+            <a:prstDash val="solid"/>
+            <a:round/>
+            <a:headEnd type="none" w="sm" len="sm"/>
+            <a:tailEnd type="none" w="sm" len="sm"/>
+          </a:ln>
+        </p:spPr>
+      </p:sp>
+    </p:spTree>
+  </p:cSld>
+  <p:clrMapOvr>
+    <a:masterClrMapping/>
+  </p:clrMapOvr>
+</p:notes>
+</file>
+
+<file path=ppt/notesSlides/notesSlide32.xml><?xml version="1.0" encoding="utf-8"?>
 <p:notes xmlns:a="http://schemas.openxmlformats.org/drawingml/2006/main" xmlns:r="http://schemas.openxmlformats.org/officeDocument/2006/relationships" xmlns:p="http://schemas.openxmlformats.org/presentationml/2006/main" showMasterSp="0" showMasterPhAnim="0">
   <p:cSld>
     <p:spTree>
@@ -3772,7 +3882,7 @@
 </p:notes>
 </file>
 
-<file path=ppt/notesSlides/notesSlide32.xml><?xml version="1.0" encoding="utf-8"?>
+<file path=ppt/notesSlides/notesSlide33.xml><?xml version="1.0" encoding="utf-8"?>
 <p:notes xmlns:a="http://schemas.openxmlformats.org/drawingml/2006/main" xmlns:r="http://schemas.openxmlformats.org/officeDocument/2006/relationships" xmlns:p="http://schemas.openxmlformats.org/presentationml/2006/main" showMasterSp="0" showMasterPhAnim="0">
   <p:cSld>
     <p:spTree>
@@ -9719,10 +9829,18 @@
               <a:buNone/>
             </a:pPr>
             <a:r>
-              <a:rPr lang="ko-KR"/>
-              <a:t>3. TDD</a:t>
-            </a:r>
-            <a:endParaRPr/>
+              <a:rPr lang="ko-KR" dirty="0"/>
+              <a:t>3</a:t>
+            </a:r>
+            <a:r>
+              <a:rPr lang="en-US" altLang="ko-KR" dirty="0"/>
+              <a:t>. </a:t>
+            </a:r>
+            <a:r>
+              <a:rPr lang="ko-KR" altLang="en-US" dirty="0"/>
+              <a:t>시연</a:t>
+            </a:r>
+            <a:endParaRPr dirty="0"/>
           </a:p>
         </p:txBody>
       </p:sp>
@@ -9735,6 +9853,82 @@
 </file>
 
 <file path=ppt/slides/slide11.xml><?xml version="1.0" encoding="utf-8"?>
+<p:sld xmlns:a="http://schemas.openxmlformats.org/drawingml/2006/main" xmlns:r="http://schemas.openxmlformats.org/officeDocument/2006/relationships" xmlns:p="http://schemas.openxmlformats.org/presentationml/2006/main">
+  <p:cSld>
+    <p:spTree>
+      <p:nvGrpSpPr>
+        <p:cNvPr id="1" name="Shape 282"/>
+        <p:cNvGrpSpPr/>
+        <p:nvPr/>
+      </p:nvGrpSpPr>
+      <p:grpSpPr>
+        <a:xfrm>
+          <a:off x="0" y="0"/>
+          <a:ext cx="0" cy="0"/>
+          <a:chOff x="0" y="0"/>
+          <a:chExt cx="0" cy="0"/>
+        </a:xfrm>
+      </p:grpSpPr>
+      <p:sp>
+        <p:nvSpPr>
+          <p:cNvPr id="283" name="Google Shape;283;p30"/>
+          <p:cNvSpPr txBox="1">
+            <a:spLocks noGrp="1"/>
+          </p:cNvSpPr>
+          <p:nvPr>
+            <p:ph type="body" idx="1"/>
+          </p:nvPr>
+        </p:nvSpPr>
+        <p:spPr>
+          <a:xfrm>
+            <a:off x="1632000" y="1860184"/>
+            <a:ext cx="8928000" cy="2533200"/>
+          </a:xfrm>
+          <a:prstGeom prst="rect">
+            <a:avLst/>
+          </a:prstGeom>
+        </p:spPr>
+        <p:txBody>
+          <a:bodyPr spcFirstLastPara="1" wrap="square" lIns="0" tIns="45700" rIns="91425" bIns="45700" anchor="ctr" anchorCtr="0">
+            <a:noAutofit/>
+          </a:bodyPr>
+          <a:lstStyle/>
+          <a:p>
+            <a:pPr marL="0" lvl="0" indent="0" algn="ctr" rtl="0">
+              <a:spcBef>
+                <a:spcPts val="0"/>
+              </a:spcBef>
+              <a:spcAft>
+                <a:spcPts val="0"/>
+              </a:spcAft>
+              <a:buNone/>
+            </a:pPr>
+            <a:r>
+              <a:rPr lang="en-US" altLang="ko-KR" dirty="0"/>
+              <a:t>4</a:t>
+            </a:r>
+            <a:r>
+              <a:rPr lang="ko-KR" dirty="0"/>
+              <a:t>. TDD</a:t>
+            </a:r>
+            <a:endParaRPr dirty="0"/>
+          </a:p>
+        </p:txBody>
+      </p:sp>
+    </p:spTree>
+    <p:extLst>
+      <p:ext uri="{BB962C8B-B14F-4D97-AF65-F5344CB8AC3E}">
+        <p14:creationId xmlns:p14="http://schemas.microsoft.com/office/powerpoint/2010/main" val="399555063"/>
+      </p:ext>
+    </p:extLst>
+  </p:cSld>
+  <p:clrMapOvr>
+    <a:masterClrMapping/>
+  </p:clrMapOvr>
+</p:sld>
+</file>
+
+<file path=ppt/slides/slide12.xml><?xml version="1.0" encoding="utf-8"?>
 <p:sld xmlns:a="http://schemas.openxmlformats.org/drawingml/2006/main" xmlns:r="http://schemas.openxmlformats.org/officeDocument/2006/relationships" xmlns:p="http://schemas.openxmlformats.org/presentationml/2006/main">
   <p:cSld>
     <p:spTree>
@@ -11500,7 +11694,7 @@
             <a:fld id="{00000000-1234-1234-1234-123412341234}" type="slidenum">
               <a:rPr lang="en-US" altLang="ko-KR" smtClean="0"/>
               <a:pPr/>
-              <a:t>11</a:t>
+              <a:t>12</a:t>
             </a:fld>
             <a:r>
               <a:rPr lang="en-US" altLang="ko-KR"/>
@@ -11518,7 +11712,7 @@
 </p:sld>
 </file>
 
-<file path=ppt/slides/slide12.xml><?xml version="1.0" encoding="utf-8"?>
+<file path=ppt/slides/slide13.xml><?xml version="1.0" encoding="utf-8"?>
 <p:sld xmlns:a="http://schemas.openxmlformats.org/drawingml/2006/main" xmlns:r="http://schemas.openxmlformats.org/officeDocument/2006/relationships" xmlns:p="http://schemas.openxmlformats.org/presentationml/2006/main">
   <p:cSld>
     <p:spTree>
@@ -11937,7 +12131,7 @@
             <a:fld id="{00000000-1234-1234-1234-123412341234}" type="slidenum">
               <a:rPr lang="en-US" altLang="ko-KR" smtClean="0"/>
               <a:pPr/>
-              <a:t>12</a:t>
+              <a:t>13</a:t>
             </a:fld>
             <a:r>
               <a:rPr lang="en-US" altLang="ko-KR"/>
@@ -11955,7 +12149,7 @@
 </p:sld>
 </file>
 
-<file path=ppt/slides/slide13.xml><?xml version="1.0" encoding="utf-8"?>
+<file path=ppt/slides/slide14.xml><?xml version="1.0" encoding="utf-8"?>
 <p:sld xmlns:a="http://schemas.openxmlformats.org/drawingml/2006/main" xmlns:r="http://schemas.openxmlformats.org/officeDocument/2006/relationships" xmlns:p="http://schemas.openxmlformats.org/presentationml/2006/main">
   <p:cSld>
     <p:spTree>
@@ -12226,7 +12420,7 @@
             <a:fld id="{00000000-1234-1234-1234-123412341234}" type="slidenum">
               <a:rPr lang="en-US" altLang="ko-KR" smtClean="0"/>
               <a:pPr/>
-              <a:t>13</a:t>
+              <a:t>14</a:t>
             </a:fld>
             <a:r>
               <a:rPr lang="en-US" altLang="ko-KR"/>
@@ -12244,7 +12438,7 @@
 </p:sld>
 </file>
 
-<file path=ppt/slides/slide14.xml><?xml version="1.0" encoding="utf-8"?>
+<file path=ppt/slides/slide15.xml><?xml version="1.0" encoding="utf-8"?>
 <p:sld xmlns:a="http://schemas.openxmlformats.org/drawingml/2006/main" xmlns:r="http://schemas.openxmlformats.org/officeDocument/2006/relationships" xmlns:p="http://schemas.openxmlformats.org/presentationml/2006/main">
   <p:cSld>
     <p:spTree>
@@ -12636,7 +12830,7 @@
             <a:fld id="{00000000-1234-1234-1234-123412341234}" type="slidenum">
               <a:rPr lang="en-US" altLang="ko-KR" smtClean="0"/>
               <a:pPr/>
-              <a:t>14</a:t>
+              <a:t>15</a:t>
             </a:fld>
             <a:r>
               <a:rPr lang="en-US" altLang="ko-KR"/>
@@ -12654,7 +12848,7 @@
 </p:sld>
 </file>
 
-<file path=ppt/slides/slide15.xml><?xml version="1.0" encoding="utf-8"?>
+<file path=ppt/slides/slide16.xml><?xml version="1.0" encoding="utf-8"?>
 <p:sld xmlns:a="http://schemas.openxmlformats.org/drawingml/2006/main" xmlns:r="http://schemas.openxmlformats.org/officeDocument/2006/relationships" xmlns:p="http://schemas.openxmlformats.org/presentationml/2006/main">
   <p:cSld>
     <p:spTree>
@@ -13007,7 +13201,7 @@
             <a:fld id="{00000000-1234-1234-1234-123412341234}" type="slidenum">
               <a:rPr lang="en-US" altLang="ko-KR" smtClean="0"/>
               <a:pPr/>
-              <a:t>15</a:t>
+              <a:t>16</a:t>
             </a:fld>
             <a:r>
               <a:rPr lang="en-US" altLang="ko-KR"/>
@@ -13025,7 +13219,7 @@
 </p:sld>
 </file>
 
-<file path=ppt/slides/slide16.xml><?xml version="1.0" encoding="utf-8"?>
+<file path=ppt/slides/slide17.xml><?xml version="1.0" encoding="utf-8"?>
 <p:sld xmlns:a="http://schemas.openxmlformats.org/drawingml/2006/main" xmlns:r="http://schemas.openxmlformats.org/officeDocument/2006/relationships" xmlns:p="http://schemas.openxmlformats.org/presentationml/2006/main">
   <p:cSld>
     <p:spTree>
@@ -13363,7 +13557,7 @@
             <a:fld id="{00000000-1234-1234-1234-123412341234}" type="slidenum">
               <a:rPr lang="en-US" altLang="ko-KR" smtClean="0"/>
               <a:pPr/>
-              <a:t>16</a:t>
+              <a:t>17</a:t>
             </a:fld>
             <a:r>
               <a:rPr lang="en-US" altLang="ko-KR"/>
@@ -13381,7 +13575,7 @@
 </p:sld>
 </file>
 
-<file path=ppt/slides/slide17.xml><?xml version="1.0" encoding="utf-8"?>
+<file path=ppt/slides/slide18.xml><?xml version="1.0" encoding="utf-8"?>
 <p:sld xmlns:a="http://schemas.openxmlformats.org/drawingml/2006/main" xmlns:r="http://schemas.openxmlformats.org/officeDocument/2006/relationships" xmlns:p="http://schemas.openxmlformats.org/presentationml/2006/main">
   <p:cSld>
     <p:spTree>
@@ -13444,10 +13638,18 @@
               <a:buNone/>
             </a:pPr>
             <a:r>
-              <a:rPr lang="ko-KR"/>
-              <a:t>4. Mocking</a:t>
-            </a:r>
-            <a:endParaRPr/>
+              <a:rPr lang="en-US" altLang="ko-KR" dirty="0"/>
+              <a:t>5</a:t>
+            </a:r>
+            <a:r>
+              <a:rPr lang="ko-KR" dirty="0"/>
+              <a:t>. </a:t>
+            </a:r>
+            <a:r>
+              <a:rPr lang="ko-KR" dirty="0" err="1"/>
+              <a:t>Mocking</a:t>
+            </a:r>
+            <a:endParaRPr dirty="0"/>
           </a:p>
         </p:txBody>
       </p:sp>
@@ -13459,7 +13661,7 @@
 </p:sld>
 </file>
 
-<file path=ppt/slides/slide18.xml><?xml version="1.0" encoding="utf-8"?>
+<file path=ppt/slides/slide19.xml><?xml version="1.0" encoding="utf-8"?>
 <p:sld xmlns:a="http://schemas.openxmlformats.org/drawingml/2006/main" xmlns:r="http://schemas.openxmlformats.org/officeDocument/2006/relationships" xmlns:p="http://schemas.openxmlformats.org/presentationml/2006/main">
   <p:cSld>
     <p:spTree>
@@ -13809,269 +14011,6 @@
             <a:extLst>
               <a:ext uri="{FF2B5EF4-FFF2-40B4-BE49-F238E27FC236}">
                 <a16:creationId xmlns:a16="http://schemas.microsoft.com/office/drawing/2014/main" id="{F875751E-6F23-4F6D-B73E-6D3520618BD6}"/>
-              </a:ext>
-            </a:extLst>
-          </p:cNvPr>
-          <p:cNvSpPr>
-            <a:spLocks noGrp="1"/>
-          </p:cNvSpPr>
-          <p:nvPr>
-            <p:ph type="sldNum" idx="12"/>
-          </p:nvPr>
-        </p:nvSpPr>
-        <p:spPr/>
-        <p:txBody>
-          <a:bodyPr/>
-          <a:lstStyle/>
-          <a:p>
-            <a:fld id="{00000000-1234-1234-1234-123412341234}" type="slidenum">
-              <a:rPr lang="en-US" altLang="ko-KR" smtClean="0"/>
-              <a:pPr/>
-              <a:t>18</a:t>
-            </a:fld>
-            <a:r>
-              <a:rPr lang="en-US" altLang="ko-KR"/>
-              <a:t>/35</a:t>
-            </a:r>
-            <a:endParaRPr lang="ko-KR" altLang="en-US" dirty="0"/>
-          </a:p>
-        </p:txBody>
-      </p:sp>
-    </p:spTree>
-  </p:cSld>
-  <p:clrMapOvr>
-    <a:masterClrMapping/>
-  </p:clrMapOvr>
-</p:sld>
-</file>
-
-<file path=ppt/slides/slide19.xml><?xml version="1.0" encoding="utf-8"?>
-<p:sld xmlns:a="http://schemas.openxmlformats.org/drawingml/2006/main" xmlns:r="http://schemas.openxmlformats.org/officeDocument/2006/relationships" xmlns:p="http://schemas.openxmlformats.org/presentationml/2006/main">
-  <p:cSld>
-    <p:spTree>
-      <p:nvGrpSpPr>
-        <p:cNvPr id="1" name="Shape 378"/>
-        <p:cNvGrpSpPr/>
-        <p:nvPr/>
-      </p:nvGrpSpPr>
-      <p:grpSpPr>
-        <a:xfrm>
-          <a:off x="0" y="0"/>
-          <a:ext cx="0" cy="0"/>
-          <a:chOff x="0" y="0"/>
-          <a:chExt cx="0" cy="0"/>
-        </a:xfrm>
-      </p:grpSpPr>
-      <p:sp>
-        <p:nvSpPr>
-          <p:cNvPr id="379" name="Google Shape;379;p39"/>
-          <p:cNvSpPr txBox="1">
-            <a:spLocks noGrp="1"/>
-          </p:cNvSpPr>
-          <p:nvPr>
-            <p:ph type="title"/>
-          </p:nvPr>
-        </p:nvSpPr>
-        <p:spPr>
-          <a:xfrm>
-            <a:off x="605980" y="310143"/>
-            <a:ext cx="10515600" cy="649859"/>
-          </a:xfrm>
-          <a:prstGeom prst="rect">
-            <a:avLst/>
-          </a:prstGeom>
-          <a:noFill/>
-          <a:ln>
-            <a:noFill/>
-          </a:ln>
-        </p:spPr>
-        <p:txBody>
-          <a:bodyPr spcFirstLastPara="1" wrap="square" lIns="91425" tIns="45700" rIns="91425" bIns="45700" anchor="ctr" anchorCtr="0">
-            <a:normAutofit fontScale="90000"/>
-          </a:bodyPr>
-          <a:lstStyle/>
-          <a:p>
-            <a:pPr marL="0" lvl="0" indent="0" algn="l" rtl="0">
-              <a:spcBef>
-                <a:spcPts val="0"/>
-              </a:spcBef>
-              <a:spcAft>
-                <a:spcPts val="0"/>
-              </a:spcAft>
-              <a:buClr>
-                <a:schemeClr val="dk1"/>
-              </a:buClr>
-              <a:buSzPct val="111111"/>
-              <a:buFont typeface="Malgun Gothic"/>
-              <a:buNone/>
-            </a:pPr>
-            <a:r>
-              <a:rPr lang="ko-KR"/>
-              <a:t>Manager Mocking</a:t>
-            </a:r>
-            <a:endParaRPr/>
-          </a:p>
-        </p:txBody>
-      </p:sp>
-      <p:pic>
-        <p:nvPicPr>
-          <p:cNvPr id="380" name="Google Shape;380;p39"/>
-          <p:cNvPicPr preferRelativeResize="0"/>
-          <p:nvPr/>
-        </p:nvPicPr>
-        <p:blipFill rotWithShape="1">
-          <a:blip r:embed="rId3">
-            <a:alphaModFix/>
-          </a:blip>
-          <a:srcRect/>
-          <a:stretch/>
-        </p:blipFill>
-        <p:spPr>
-          <a:xfrm>
-            <a:off x="7358062" y="4381500"/>
-            <a:ext cx="4238625" cy="1695450"/>
-          </a:xfrm>
-          <a:prstGeom prst="rect">
-            <a:avLst/>
-          </a:prstGeom>
-          <a:noFill/>
-          <a:ln>
-            <a:noFill/>
-          </a:ln>
-        </p:spPr>
-      </p:pic>
-      <p:pic>
-        <p:nvPicPr>
-          <p:cNvPr id="381" name="Google Shape;381;p39"/>
-          <p:cNvPicPr preferRelativeResize="0"/>
-          <p:nvPr/>
-        </p:nvPicPr>
-        <p:blipFill rotWithShape="1">
-          <a:blip r:embed="rId4">
-            <a:alphaModFix/>
-          </a:blip>
-          <a:srcRect/>
-          <a:stretch/>
-        </p:blipFill>
-        <p:spPr>
-          <a:xfrm>
-            <a:off x="514350" y="2338387"/>
-            <a:ext cx="6404649" cy="3738563"/>
-          </a:xfrm>
-          <a:prstGeom prst="rect">
-            <a:avLst/>
-          </a:prstGeom>
-          <a:noFill/>
-          <a:ln>
-            <a:noFill/>
-          </a:ln>
-        </p:spPr>
-      </p:pic>
-      <p:sp>
-        <p:nvSpPr>
-          <p:cNvPr id="382" name="Google Shape;382;p39"/>
-          <p:cNvSpPr txBox="1"/>
-          <p:nvPr/>
-        </p:nvSpPr>
-        <p:spPr>
-          <a:xfrm>
-            <a:off x="514350" y="1287550"/>
-            <a:ext cx="6404700" cy="646500"/>
-          </a:xfrm>
-          <a:prstGeom prst="rect">
-            <a:avLst/>
-          </a:prstGeom>
-          <a:noFill/>
-          <a:ln>
-            <a:noFill/>
-          </a:ln>
-        </p:spPr>
-        <p:txBody>
-          <a:bodyPr spcFirstLastPara="1" wrap="square" lIns="91425" tIns="45700" rIns="91425" bIns="45700" anchor="t" anchorCtr="0">
-            <a:spAutoFit/>
-          </a:bodyPr>
-          <a:lstStyle/>
-          <a:p>
-            <a:pPr marL="0" marR="0" lvl="0" indent="0" algn="l" rtl="0">
-              <a:lnSpc>
-                <a:spcPct val="100000"/>
-              </a:lnSpc>
-              <a:spcBef>
-                <a:spcPts val="0"/>
-              </a:spcBef>
-              <a:spcAft>
-                <a:spcPts val="0"/>
-              </a:spcAft>
-              <a:buNone/>
-            </a:pPr>
-            <a:r>
-              <a:rPr lang="ko-KR" sz="1800" b="1">
-                <a:latin typeface="Malgun Gothic"/>
-                <a:ea typeface="Malgun Gothic"/>
-                <a:cs typeface="Malgun Gothic"/>
-                <a:sym typeface="Malgun Gothic"/>
-              </a:rPr>
-              <a:t>Processor, Output 객체에 대해 Return값을 Stubbing 후</a:t>
-            </a:r>
-            <a:endParaRPr sz="1800" b="1">
-              <a:latin typeface="Malgun Gothic"/>
-              <a:ea typeface="Malgun Gothic"/>
-              <a:cs typeface="Malgun Gothic"/>
-              <a:sym typeface="Malgun Gothic"/>
-            </a:endParaRPr>
-          </a:p>
-          <a:p>
-            <a:pPr marL="0" marR="0" lvl="0" indent="0" algn="l" rtl="0">
-              <a:lnSpc>
-                <a:spcPct val="100000"/>
-              </a:lnSpc>
-              <a:spcBef>
-                <a:spcPts val="0"/>
-              </a:spcBef>
-              <a:spcAft>
-                <a:spcPts val="0"/>
-              </a:spcAft>
-              <a:buNone/>
-            </a:pPr>
-            <a:r>
-              <a:rPr lang="ko-KR" sz="1800" b="1">
-                <a:latin typeface="Malgun Gothic"/>
-                <a:ea typeface="Malgun Gothic"/>
-                <a:cs typeface="Malgun Gothic"/>
-                <a:sym typeface="Malgun Gothic"/>
-              </a:rPr>
-              <a:t>Assert 문을 통해 test를 진행</a:t>
-            </a:r>
-            <a:r>
-              <a:rPr lang="ko-KR" sz="1800" b="1" i="0" u="none" strike="noStrike" cap="none">
-                <a:solidFill>
-                  <a:srgbClr val="000000"/>
-                </a:solidFill>
-                <a:latin typeface="Malgun Gothic"/>
-                <a:ea typeface="Malgun Gothic"/>
-                <a:cs typeface="Malgun Gothic"/>
-                <a:sym typeface="Malgun Gothic"/>
-              </a:rPr>
-              <a:t> </a:t>
-            </a:r>
-            <a:endParaRPr sz="1800" b="0" i="0" u="none" strike="noStrike" cap="none">
-              <a:solidFill>
-                <a:srgbClr val="000000"/>
-              </a:solidFill>
-              <a:latin typeface="Arial"/>
-              <a:ea typeface="Arial"/>
-              <a:cs typeface="Arial"/>
-              <a:sym typeface="Arial"/>
-            </a:endParaRPr>
-          </a:p>
-        </p:txBody>
-      </p:sp>
-      <p:sp>
-        <p:nvSpPr>
-          <p:cNvPr id="2" name="슬라이드 번호 개체 틀 1">
-            <a:extLst>
-              <a:ext uri="{FF2B5EF4-FFF2-40B4-BE49-F238E27FC236}">
-                <a16:creationId xmlns:a16="http://schemas.microsoft.com/office/drawing/2014/main" id="{8AB7116C-9FA1-4C0D-BC88-C73F124EC234}"/>
               </a:ext>
             </a:extLst>
           </p:cNvPr>
@@ -14191,6 +14130,269 @@
   <p:cSld>
     <p:spTree>
       <p:nvGrpSpPr>
+        <p:cNvPr id="1" name="Shape 378"/>
+        <p:cNvGrpSpPr/>
+        <p:nvPr/>
+      </p:nvGrpSpPr>
+      <p:grpSpPr>
+        <a:xfrm>
+          <a:off x="0" y="0"/>
+          <a:ext cx="0" cy="0"/>
+          <a:chOff x="0" y="0"/>
+          <a:chExt cx="0" cy="0"/>
+        </a:xfrm>
+      </p:grpSpPr>
+      <p:sp>
+        <p:nvSpPr>
+          <p:cNvPr id="379" name="Google Shape;379;p39"/>
+          <p:cNvSpPr txBox="1">
+            <a:spLocks noGrp="1"/>
+          </p:cNvSpPr>
+          <p:nvPr>
+            <p:ph type="title"/>
+          </p:nvPr>
+        </p:nvSpPr>
+        <p:spPr>
+          <a:xfrm>
+            <a:off x="605980" y="310143"/>
+            <a:ext cx="10515600" cy="649859"/>
+          </a:xfrm>
+          <a:prstGeom prst="rect">
+            <a:avLst/>
+          </a:prstGeom>
+          <a:noFill/>
+          <a:ln>
+            <a:noFill/>
+          </a:ln>
+        </p:spPr>
+        <p:txBody>
+          <a:bodyPr spcFirstLastPara="1" wrap="square" lIns="91425" tIns="45700" rIns="91425" bIns="45700" anchor="ctr" anchorCtr="0">
+            <a:normAutofit fontScale="90000"/>
+          </a:bodyPr>
+          <a:lstStyle/>
+          <a:p>
+            <a:pPr marL="0" lvl="0" indent="0" algn="l" rtl="0">
+              <a:spcBef>
+                <a:spcPts val="0"/>
+              </a:spcBef>
+              <a:spcAft>
+                <a:spcPts val="0"/>
+              </a:spcAft>
+              <a:buClr>
+                <a:schemeClr val="dk1"/>
+              </a:buClr>
+              <a:buSzPct val="111111"/>
+              <a:buFont typeface="Malgun Gothic"/>
+              <a:buNone/>
+            </a:pPr>
+            <a:r>
+              <a:rPr lang="ko-KR"/>
+              <a:t>Manager Mocking</a:t>
+            </a:r>
+            <a:endParaRPr/>
+          </a:p>
+        </p:txBody>
+      </p:sp>
+      <p:pic>
+        <p:nvPicPr>
+          <p:cNvPr id="380" name="Google Shape;380;p39"/>
+          <p:cNvPicPr preferRelativeResize="0"/>
+          <p:nvPr/>
+        </p:nvPicPr>
+        <p:blipFill rotWithShape="1">
+          <a:blip r:embed="rId3">
+            <a:alphaModFix/>
+          </a:blip>
+          <a:srcRect/>
+          <a:stretch/>
+        </p:blipFill>
+        <p:spPr>
+          <a:xfrm>
+            <a:off x="7358062" y="4381500"/>
+            <a:ext cx="4238625" cy="1695450"/>
+          </a:xfrm>
+          <a:prstGeom prst="rect">
+            <a:avLst/>
+          </a:prstGeom>
+          <a:noFill/>
+          <a:ln>
+            <a:noFill/>
+          </a:ln>
+        </p:spPr>
+      </p:pic>
+      <p:pic>
+        <p:nvPicPr>
+          <p:cNvPr id="381" name="Google Shape;381;p39"/>
+          <p:cNvPicPr preferRelativeResize="0"/>
+          <p:nvPr/>
+        </p:nvPicPr>
+        <p:blipFill rotWithShape="1">
+          <a:blip r:embed="rId4">
+            <a:alphaModFix/>
+          </a:blip>
+          <a:srcRect/>
+          <a:stretch/>
+        </p:blipFill>
+        <p:spPr>
+          <a:xfrm>
+            <a:off x="514350" y="2338387"/>
+            <a:ext cx="6404649" cy="3738563"/>
+          </a:xfrm>
+          <a:prstGeom prst="rect">
+            <a:avLst/>
+          </a:prstGeom>
+          <a:noFill/>
+          <a:ln>
+            <a:noFill/>
+          </a:ln>
+        </p:spPr>
+      </p:pic>
+      <p:sp>
+        <p:nvSpPr>
+          <p:cNvPr id="382" name="Google Shape;382;p39"/>
+          <p:cNvSpPr txBox="1"/>
+          <p:nvPr/>
+        </p:nvSpPr>
+        <p:spPr>
+          <a:xfrm>
+            <a:off x="514350" y="1287550"/>
+            <a:ext cx="6404700" cy="646500"/>
+          </a:xfrm>
+          <a:prstGeom prst="rect">
+            <a:avLst/>
+          </a:prstGeom>
+          <a:noFill/>
+          <a:ln>
+            <a:noFill/>
+          </a:ln>
+        </p:spPr>
+        <p:txBody>
+          <a:bodyPr spcFirstLastPara="1" wrap="square" lIns="91425" tIns="45700" rIns="91425" bIns="45700" anchor="t" anchorCtr="0">
+            <a:spAutoFit/>
+          </a:bodyPr>
+          <a:lstStyle/>
+          <a:p>
+            <a:pPr marL="0" marR="0" lvl="0" indent="0" algn="l" rtl="0">
+              <a:lnSpc>
+                <a:spcPct val="100000"/>
+              </a:lnSpc>
+              <a:spcBef>
+                <a:spcPts val="0"/>
+              </a:spcBef>
+              <a:spcAft>
+                <a:spcPts val="0"/>
+              </a:spcAft>
+              <a:buNone/>
+            </a:pPr>
+            <a:r>
+              <a:rPr lang="ko-KR" sz="1800" b="1">
+                <a:latin typeface="Malgun Gothic"/>
+                <a:ea typeface="Malgun Gothic"/>
+                <a:cs typeface="Malgun Gothic"/>
+                <a:sym typeface="Malgun Gothic"/>
+              </a:rPr>
+              <a:t>Processor, Output 객체에 대해 Return값을 Stubbing 후</a:t>
+            </a:r>
+            <a:endParaRPr sz="1800" b="1">
+              <a:latin typeface="Malgun Gothic"/>
+              <a:ea typeface="Malgun Gothic"/>
+              <a:cs typeface="Malgun Gothic"/>
+              <a:sym typeface="Malgun Gothic"/>
+            </a:endParaRPr>
+          </a:p>
+          <a:p>
+            <a:pPr marL="0" marR="0" lvl="0" indent="0" algn="l" rtl="0">
+              <a:lnSpc>
+                <a:spcPct val="100000"/>
+              </a:lnSpc>
+              <a:spcBef>
+                <a:spcPts val="0"/>
+              </a:spcBef>
+              <a:spcAft>
+                <a:spcPts val="0"/>
+              </a:spcAft>
+              <a:buNone/>
+            </a:pPr>
+            <a:r>
+              <a:rPr lang="ko-KR" sz="1800" b="1">
+                <a:latin typeface="Malgun Gothic"/>
+                <a:ea typeface="Malgun Gothic"/>
+                <a:cs typeface="Malgun Gothic"/>
+                <a:sym typeface="Malgun Gothic"/>
+              </a:rPr>
+              <a:t>Assert 문을 통해 test를 진행</a:t>
+            </a:r>
+            <a:r>
+              <a:rPr lang="ko-KR" sz="1800" b="1" i="0" u="none" strike="noStrike" cap="none">
+                <a:solidFill>
+                  <a:srgbClr val="000000"/>
+                </a:solidFill>
+                <a:latin typeface="Malgun Gothic"/>
+                <a:ea typeface="Malgun Gothic"/>
+                <a:cs typeface="Malgun Gothic"/>
+                <a:sym typeface="Malgun Gothic"/>
+              </a:rPr>
+              <a:t> </a:t>
+            </a:r>
+            <a:endParaRPr sz="1800" b="0" i="0" u="none" strike="noStrike" cap="none">
+              <a:solidFill>
+                <a:srgbClr val="000000"/>
+              </a:solidFill>
+              <a:latin typeface="Arial"/>
+              <a:ea typeface="Arial"/>
+              <a:cs typeface="Arial"/>
+              <a:sym typeface="Arial"/>
+            </a:endParaRPr>
+          </a:p>
+        </p:txBody>
+      </p:sp>
+      <p:sp>
+        <p:nvSpPr>
+          <p:cNvPr id="2" name="슬라이드 번호 개체 틀 1">
+            <a:extLst>
+              <a:ext uri="{FF2B5EF4-FFF2-40B4-BE49-F238E27FC236}">
+                <a16:creationId xmlns:a16="http://schemas.microsoft.com/office/drawing/2014/main" id="{8AB7116C-9FA1-4C0D-BC88-C73F124EC234}"/>
+              </a:ext>
+            </a:extLst>
+          </p:cNvPr>
+          <p:cNvSpPr>
+            <a:spLocks noGrp="1"/>
+          </p:cNvSpPr>
+          <p:nvPr>
+            <p:ph type="sldNum" idx="12"/>
+          </p:nvPr>
+        </p:nvSpPr>
+        <p:spPr/>
+        <p:txBody>
+          <a:bodyPr/>
+          <a:lstStyle/>
+          <a:p>
+            <a:fld id="{00000000-1234-1234-1234-123412341234}" type="slidenum">
+              <a:rPr lang="en-US" altLang="ko-KR" smtClean="0"/>
+              <a:pPr/>
+              <a:t>20</a:t>
+            </a:fld>
+            <a:r>
+              <a:rPr lang="en-US" altLang="ko-KR"/>
+              <a:t>/35</a:t>
+            </a:r>
+            <a:endParaRPr lang="ko-KR" altLang="en-US" dirty="0"/>
+          </a:p>
+        </p:txBody>
+      </p:sp>
+    </p:spTree>
+  </p:cSld>
+  <p:clrMapOvr>
+    <a:masterClrMapping/>
+  </p:clrMapOvr>
+</p:sld>
+</file>
+
+<file path=ppt/slides/slide21.xml><?xml version="1.0" encoding="utf-8"?>
+<p:sld xmlns:a="http://schemas.openxmlformats.org/drawingml/2006/main" xmlns:r="http://schemas.openxmlformats.org/officeDocument/2006/relationships" xmlns:p="http://schemas.openxmlformats.org/presentationml/2006/main">
+  <p:cSld>
+    <p:spTree>
+      <p:nvGrpSpPr>
         <p:cNvPr id="1" name="Shape 386"/>
         <p:cNvGrpSpPr/>
         <p:nvPr/>
@@ -14577,7 +14779,7 @@
             <a:fld id="{00000000-1234-1234-1234-123412341234}" type="slidenum">
               <a:rPr lang="en-US" altLang="ko-KR" smtClean="0"/>
               <a:pPr/>
-              <a:t>20</a:t>
+              <a:t>21</a:t>
             </a:fld>
             <a:r>
               <a:rPr lang="en-US" altLang="ko-KR"/>
@@ -14595,7 +14797,7 @@
 </p:sld>
 </file>
 
-<file path=ppt/slides/slide21.xml><?xml version="1.0" encoding="utf-8"?>
+<file path=ppt/slides/slide22.xml><?xml version="1.0" encoding="utf-8"?>
 <p:sld xmlns:a="http://schemas.openxmlformats.org/drawingml/2006/main" xmlns:r="http://schemas.openxmlformats.org/officeDocument/2006/relationships" xmlns:p="http://schemas.openxmlformats.org/presentationml/2006/main">
   <p:cSld>
     <p:spTree>
@@ -15024,7 +15226,7 @@
             <a:fld id="{00000000-1234-1234-1234-123412341234}" type="slidenum">
               <a:rPr lang="en-US" altLang="ko-KR" smtClean="0"/>
               <a:pPr/>
-              <a:t>21</a:t>
+              <a:t>22</a:t>
             </a:fld>
             <a:r>
               <a:rPr lang="en-US" altLang="ko-KR"/>
@@ -15042,7 +15244,7 @@
 </p:sld>
 </file>
 
-<file path=ppt/slides/slide22.xml><?xml version="1.0" encoding="utf-8"?>
+<file path=ppt/slides/slide23.xml><?xml version="1.0" encoding="utf-8"?>
 <p:sld xmlns:a="http://schemas.openxmlformats.org/drawingml/2006/main" xmlns:r="http://schemas.openxmlformats.org/officeDocument/2006/relationships" xmlns:p="http://schemas.openxmlformats.org/presentationml/2006/main">
   <p:cSld>
     <p:spTree>
@@ -15592,7 +15794,7 @@
             <a:fld id="{00000000-1234-1234-1234-123412341234}" type="slidenum">
               <a:rPr lang="en-US" altLang="ko-KR" smtClean="0"/>
               <a:pPr/>
-              <a:t>22</a:t>
+              <a:t>23</a:t>
             </a:fld>
             <a:r>
               <a:rPr lang="en-US" altLang="ko-KR"/>
@@ -15610,7 +15812,7 @@
 </p:sld>
 </file>
 
-<file path=ppt/slides/slide23.xml><?xml version="1.0" encoding="utf-8"?>
+<file path=ppt/slides/slide24.xml><?xml version="1.0" encoding="utf-8"?>
 <p:sld xmlns:a="http://schemas.openxmlformats.org/drawingml/2006/main" xmlns:r="http://schemas.openxmlformats.org/officeDocument/2006/relationships" xmlns:p="http://schemas.openxmlformats.org/presentationml/2006/main">
   <p:cSld>
     <p:spTree>
@@ -16101,7 +16303,7 @@
             <a:fld id="{00000000-1234-1234-1234-123412341234}" type="slidenum">
               <a:rPr lang="en-US" altLang="ko-KR" smtClean="0"/>
               <a:pPr/>
-              <a:t>23</a:t>
+              <a:t>24</a:t>
             </a:fld>
             <a:r>
               <a:rPr lang="en-US" altLang="ko-KR"/>
@@ -16119,7 +16321,7 @@
 </p:sld>
 </file>
 
-<file path=ppt/slides/slide24.xml><?xml version="1.0" encoding="utf-8"?>
+<file path=ppt/slides/slide25.xml><?xml version="1.0" encoding="utf-8"?>
 <p:sld xmlns:a="http://schemas.openxmlformats.org/drawingml/2006/main" xmlns:r="http://schemas.openxmlformats.org/officeDocument/2006/relationships" xmlns:p="http://schemas.openxmlformats.org/presentationml/2006/main">
   <p:cSld>
     <p:spTree>
@@ -16182,10 +16384,18 @@
               <a:buNone/>
             </a:pPr>
             <a:r>
-              <a:rPr lang="ko-KR"/>
-              <a:t>5. Refactoring</a:t>
-            </a:r>
-            <a:endParaRPr/>
+              <a:rPr lang="en-US" altLang="ko-KR" dirty="0"/>
+              <a:t>6</a:t>
+            </a:r>
+            <a:r>
+              <a:rPr lang="ko-KR" dirty="0"/>
+              <a:t>. </a:t>
+            </a:r>
+            <a:r>
+              <a:rPr lang="ko-KR" dirty="0" err="1"/>
+              <a:t>Refactoring</a:t>
+            </a:r>
+            <a:endParaRPr dirty="0"/>
           </a:p>
         </p:txBody>
       </p:sp>
@@ -16197,7 +16407,7 @@
 </p:sld>
 </file>
 
-<file path=ppt/slides/slide25.xml><?xml version="1.0" encoding="utf-8"?>
+<file path=ppt/slides/slide26.xml><?xml version="1.0" encoding="utf-8"?>
 <p:sld xmlns:a="http://schemas.openxmlformats.org/drawingml/2006/main" xmlns:r="http://schemas.openxmlformats.org/officeDocument/2006/relationships" xmlns:p="http://schemas.openxmlformats.org/presentationml/2006/main">
   <p:cSld>
     <p:spTree>
@@ -16270,593 +16480,6 @@
       </p:sp>
       <p:sp>
         <p:nvSpPr>
-          <p:cNvPr id="437" name="Google Shape;437;p45"/>
-          <p:cNvSpPr txBox="1"/>
-          <p:nvPr/>
-        </p:nvSpPr>
-        <p:spPr>
-          <a:xfrm>
-            <a:off x="6245375" y="1609325"/>
-            <a:ext cx="5667000" cy="2136600"/>
-          </a:xfrm>
-          <a:prstGeom prst="rect">
-            <a:avLst/>
-          </a:prstGeom>
-          <a:noFill/>
-          <a:ln>
-            <a:noFill/>
-          </a:ln>
-        </p:spPr>
-        <p:txBody>
-          <a:bodyPr spcFirstLastPara="1" wrap="square" lIns="121900" tIns="121900" rIns="121900" bIns="121900" anchor="t" anchorCtr="0">
-            <a:noAutofit/>
-          </a:bodyPr>
-          <a:lstStyle/>
-          <a:p>
-            <a:pPr marL="0" lvl="0" indent="0" algn="l" rtl="0">
-              <a:lnSpc>
-                <a:spcPct val="115000"/>
-              </a:lnSpc>
-              <a:spcBef>
-                <a:spcPts val="1200"/>
-              </a:spcBef>
-              <a:spcAft>
-                <a:spcPts val="0"/>
-              </a:spcAft>
-              <a:buNone/>
-            </a:pPr>
-            <a:r>
-              <a:rPr lang="ko-KR" sz="1300" b="1">
-                <a:solidFill>
-                  <a:schemeClr val="dk1"/>
-                </a:solidFill>
-              </a:rPr>
-              <a:t>1. Builder 패턴 적용(SSD Manager)</a:t>
-            </a:r>
-            <a:endParaRPr sz="1300" b="1">
-              <a:solidFill>
-                <a:schemeClr val="dk1"/>
-              </a:solidFill>
-            </a:endParaRPr>
-          </a:p>
-          <a:p>
-            <a:pPr marL="0" lvl="0" indent="0" algn="l" rtl="0">
-              <a:lnSpc>
-                <a:spcPct val="115000"/>
-              </a:lnSpc>
-              <a:spcBef>
-                <a:spcPts val="1200"/>
-              </a:spcBef>
-              <a:spcAft>
-                <a:spcPts val="0"/>
-              </a:spcAft>
-              <a:buClr>
-                <a:schemeClr val="dk1"/>
-              </a:buClr>
-              <a:buSzPts val="1100"/>
-              <a:buFont typeface="Arial"/>
-              <a:buNone/>
-            </a:pPr>
-            <a:r>
-              <a:rPr lang="ko-KR" sz="1300">
-                <a:solidFill>
-                  <a:schemeClr val="dk1"/>
-                </a:solidFill>
-              </a:rPr>
-              <a:t>→ InputBufferDriver, OutputBufferDriver, ReadWritable을 조합해 사용.</a:t>
-            </a:r>
-            <a:endParaRPr sz="1300" b="1">
-              <a:solidFill>
-                <a:schemeClr val="dk1"/>
-              </a:solidFill>
-            </a:endParaRPr>
-          </a:p>
-          <a:p>
-            <a:pPr marL="0" lvl="0" indent="0" algn="l" rtl="0">
-              <a:lnSpc>
-                <a:spcPct val="115000"/>
-              </a:lnSpc>
-              <a:spcBef>
-                <a:spcPts val="1200"/>
-              </a:spcBef>
-              <a:spcAft>
-                <a:spcPts val="0"/>
-              </a:spcAft>
-              <a:buNone/>
-            </a:pPr>
-            <a:endParaRPr sz="1300" b="1">
-              <a:solidFill>
-                <a:schemeClr val="dk1"/>
-              </a:solidFill>
-            </a:endParaRPr>
-          </a:p>
-          <a:p>
-            <a:pPr marL="0" lvl="0" indent="0" algn="l" rtl="0">
-              <a:lnSpc>
-                <a:spcPct val="115000"/>
-              </a:lnSpc>
-              <a:spcBef>
-                <a:spcPts val="1200"/>
-              </a:spcBef>
-              <a:spcAft>
-                <a:spcPts val="0"/>
-              </a:spcAft>
-              <a:buNone/>
-            </a:pPr>
-            <a:r>
-              <a:rPr lang="ko-KR" sz="1300" b="1">
-                <a:solidFill>
-                  <a:schemeClr val="dk1"/>
-                </a:solidFill>
-              </a:rPr>
-              <a:t>2. Builder 패턴 적용(SSD Operator) </a:t>
-            </a:r>
-            <a:endParaRPr sz="1300">
-              <a:solidFill>
-                <a:schemeClr val="dk1"/>
-              </a:solidFill>
-            </a:endParaRPr>
-          </a:p>
-          <a:p>
-            <a:pPr marL="0" lvl="0" indent="0" algn="l" rtl="0">
-              <a:lnSpc>
-                <a:spcPct val="115000"/>
-              </a:lnSpc>
-              <a:spcBef>
-                <a:spcPts val="1200"/>
-              </a:spcBef>
-              <a:spcAft>
-                <a:spcPts val="0"/>
-              </a:spcAft>
-              <a:buClr>
-                <a:schemeClr val="dk1"/>
-              </a:buClr>
-              <a:buSzPts val="1100"/>
-              <a:buFont typeface="Arial"/>
-              <a:buNone/>
-            </a:pPr>
-            <a:r>
-              <a:rPr lang="ko-KR" sz="1300">
-                <a:solidFill>
-                  <a:schemeClr val="dk1"/>
-                </a:solidFill>
-              </a:rPr>
-              <a:t>→ NandDriver를 Bulder를 통해 조합해 사용.</a:t>
-            </a:r>
-            <a:endParaRPr sz="1300" b="1">
-              <a:solidFill>
-                <a:schemeClr val="dk1"/>
-              </a:solidFill>
-            </a:endParaRPr>
-          </a:p>
-          <a:p>
-            <a:pPr marL="0" lvl="0" indent="0" algn="l" rtl="0">
-              <a:lnSpc>
-                <a:spcPct val="115000"/>
-              </a:lnSpc>
-              <a:spcBef>
-                <a:spcPts val="1200"/>
-              </a:spcBef>
-              <a:spcAft>
-                <a:spcPts val="0"/>
-              </a:spcAft>
-              <a:buClr>
-                <a:schemeClr val="dk1"/>
-              </a:buClr>
-              <a:buSzPts val="1100"/>
-              <a:buFont typeface="Arial"/>
-              <a:buNone/>
-            </a:pPr>
-            <a:endParaRPr sz="1300">
-              <a:solidFill>
-                <a:schemeClr val="dk1"/>
-              </a:solidFill>
-            </a:endParaRPr>
-          </a:p>
-          <a:p>
-            <a:pPr marL="0" lvl="0" indent="0" algn="l" rtl="0">
-              <a:lnSpc>
-                <a:spcPct val="115000"/>
-              </a:lnSpc>
-              <a:spcBef>
-                <a:spcPts val="1200"/>
-              </a:spcBef>
-              <a:spcAft>
-                <a:spcPts val="0"/>
-              </a:spcAft>
-              <a:buClr>
-                <a:schemeClr val="dk1"/>
-              </a:buClr>
-              <a:buSzPts val="1100"/>
-              <a:buFont typeface="Arial"/>
-              <a:buNone/>
-            </a:pPr>
-            <a:endParaRPr b="1">
-              <a:solidFill>
-                <a:srgbClr val="0000FF"/>
-              </a:solidFill>
-            </a:endParaRPr>
-          </a:p>
-          <a:p>
-            <a:pPr marL="0" lvl="0" indent="0" algn="l" rtl="0">
-              <a:lnSpc>
-                <a:spcPct val="115000"/>
-              </a:lnSpc>
-              <a:spcBef>
-                <a:spcPts val="1200"/>
-              </a:spcBef>
-              <a:spcAft>
-                <a:spcPts val="1200"/>
-              </a:spcAft>
-              <a:buNone/>
-            </a:pPr>
-            <a:endParaRPr b="1">
-              <a:solidFill>
-                <a:srgbClr val="0000FF"/>
-              </a:solidFill>
-            </a:endParaRPr>
-          </a:p>
-        </p:txBody>
-      </p:sp>
-      <p:pic>
-        <p:nvPicPr>
-          <p:cNvPr id="438" name="Google Shape;438;p45"/>
-          <p:cNvPicPr preferRelativeResize="0"/>
-          <p:nvPr/>
-        </p:nvPicPr>
-        <p:blipFill>
-          <a:blip r:embed="rId3">
-            <a:alphaModFix/>
-          </a:blip>
-          <a:stretch>
-            <a:fillRect/>
-          </a:stretch>
-        </p:blipFill>
-        <p:spPr>
-          <a:xfrm>
-            <a:off x="369825" y="1495418"/>
-            <a:ext cx="5724525" cy="3000375"/>
-          </a:xfrm>
-          <a:prstGeom prst="rect">
-            <a:avLst/>
-          </a:prstGeom>
-          <a:noFill/>
-          <a:ln>
-            <a:noFill/>
-          </a:ln>
-        </p:spPr>
-      </p:pic>
-      <p:cxnSp>
-        <p:nvCxnSpPr>
-          <p:cNvPr id="439" name="Google Shape;439;p45"/>
-          <p:cNvCxnSpPr/>
-          <p:nvPr/>
-        </p:nvCxnSpPr>
-        <p:spPr>
-          <a:xfrm>
-            <a:off x="1729000" y="2339825"/>
-            <a:ext cx="2453700" cy="0"/>
-          </a:xfrm>
-          <a:prstGeom prst="straightConnector1">
-            <a:avLst/>
-          </a:prstGeom>
-          <a:noFill/>
-          <a:ln w="19050" cap="flat" cmpd="sng">
-            <a:solidFill>
-              <a:srgbClr val="FFFF00"/>
-            </a:solidFill>
-            <a:prstDash val="solid"/>
-            <a:round/>
-            <a:headEnd type="none" w="med" len="med"/>
-            <a:tailEnd type="none" w="med" len="med"/>
-          </a:ln>
-        </p:spPr>
-      </p:cxnSp>
-      <p:cxnSp>
-        <p:nvCxnSpPr>
-          <p:cNvPr id="440" name="Google Shape;440;p45"/>
-          <p:cNvCxnSpPr/>
-          <p:nvPr/>
-        </p:nvCxnSpPr>
-        <p:spPr>
-          <a:xfrm>
-            <a:off x="1729000" y="3168075"/>
-            <a:ext cx="952500" cy="0"/>
-          </a:xfrm>
-          <a:prstGeom prst="straightConnector1">
-            <a:avLst/>
-          </a:prstGeom>
-          <a:noFill/>
-          <a:ln w="19050" cap="flat" cmpd="sng">
-            <a:solidFill>
-              <a:srgbClr val="FFFF00"/>
-            </a:solidFill>
-            <a:prstDash val="solid"/>
-            <a:round/>
-            <a:headEnd type="none" w="med" len="med"/>
-            <a:tailEnd type="none" w="med" len="med"/>
-          </a:ln>
-        </p:spPr>
-      </p:cxnSp>
-      <p:cxnSp>
-        <p:nvCxnSpPr>
-          <p:cNvPr id="441" name="Google Shape;441;p45"/>
-          <p:cNvCxnSpPr/>
-          <p:nvPr/>
-        </p:nvCxnSpPr>
-        <p:spPr>
-          <a:xfrm>
-            <a:off x="1729000" y="3395850"/>
-            <a:ext cx="3075000" cy="0"/>
-          </a:xfrm>
-          <a:prstGeom prst="straightConnector1">
-            <a:avLst/>
-          </a:prstGeom>
-          <a:noFill/>
-          <a:ln w="19050" cap="flat" cmpd="sng">
-            <a:solidFill>
-              <a:srgbClr val="FFFF00"/>
-            </a:solidFill>
-            <a:prstDash val="solid"/>
-            <a:round/>
-            <a:headEnd type="none" w="med" len="med"/>
-            <a:tailEnd type="none" w="med" len="med"/>
-          </a:ln>
-        </p:spPr>
-      </p:cxnSp>
-      <p:cxnSp>
-        <p:nvCxnSpPr>
-          <p:cNvPr id="442" name="Google Shape;442;p45"/>
-          <p:cNvCxnSpPr/>
-          <p:nvPr/>
-        </p:nvCxnSpPr>
-        <p:spPr>
-          <a:xfrm>
-            <a:off x="1729000" y="3623625"/>
-            <a:ext cx="3188700" cy="8400"/>
-          </a:xfrm>
-          <a:prstGeom prst="straightConnector1">
-            <a:avLst/>
-          </a:prstGeom>
-          <a:noFill/>
-          <a:ln w="19050" cap="flat" cmpd="sng">
-            <a:solidFill>
-              <a:srgbClr val="FFFF00"/>
-            </a:solidFill>
-            <a:prstDash val="solid"/>
-            <a:round/>
-            <a:headEnd type="none" w="med" len="med"/>
-            <a:tailEnd type="none" w="med" len="med"/>
-          </a:ln>
-        </p:spPr>
-      </p:cxnSp>
-      <p:sp>
-        <p:nvSpPr>
-          <p:cNvPr id="443" name="Google Shape;443;p45"/>
-          <p:cNvSpPr txBox="1"/>
-          <p:nvPr/>
-        </p:nvSpPr>
-        <p:spPr>
-          <a:xfrm>
-            <a:off x="374656" y="5298111"/>
-            <a:ext cx="8739900" cy="1023500"/>
-          </a:xfrm>
-          <a:prstGeom prst="rect">
-            <a:avLst/>
-          </a:prstGeom>
-          <a:noFill/>
-          <a:ln>
-            <a:noFill/>
-          </a:ln>
-        </p:spPr>
-        <p:txBody>
-          <a:bodyPr spcFirstLastPara="1" wrap="square" lIns="121900" tIns="121900" rIns="121900" bIns="121900" anchor="t" anchorCtr="0">
-            <a:noAutofit/>
-          </a:bodyPr>
-          <a:lstStyle/>
-          <a:p>
-            <a:pPr marL="0" lvl="0" indent="0" rtl="0">
-              <a:lnSpc>
-                <a:spcPct val="115000"/>
-              </a:lnSpc>
-              <a:spcBef>
-                <a:spcPts val="1200"/>
-              </a:spcBef>
-              <a:spcAft>
-                <a:spcPts val="0"/>
-              </a:spcAft>
-              <a:buNone/>
-            </a:pPr>
-            <a:r>
-              <a:rPr lang="ko-KR" sz="1700" b="1" dirty="0">
-                <a:solidFill>
-                  <a:srgbClr val="0000FF"/>
-                </a:solidFill>
-              </a:rPr>
-              <a:t>→ 인터페이스만 만족하여 </a:t>
-            </a:r>
-            <a:r>
-              <a:rPr lang="ko-KR" sz="1700" b="1" dirty="0" err="1">
-                <a:solidFill>
-                  <a:srgbClr val="0000FF"/>
-                </a:solidFill>
-              </a:rPr>
-              <a:t>개발시</a:t>
-            </a:r>
-            <a:r>
-              <a:rPr lang="ko-KR" sz="1700" b="1" dirty="0">
-                <a:solidFill>
-                  <a:srgbClr val="0000FF"/>
-                </a:solidFill>
-              </a:rPr>
-              <a:t> </a:t>
-            </a:r>
-            <a:r>
-              <a:rPr lang="ko-KR" sz="1700" b="1" dirty="0" err="1">
-                <a:solidFill>
-                  <a:srgbClr val="0000FF"/>
-                </a:solidFill>
-              </a:rPr>
-              <a:t>Builder</a:t>
-            </a:r>
-            <a:r>
-              <a:rPr lang="ko-KR" sz="1700" b="1" dirty="0">
-                <a:solidFill>
-                  <a:srgbClr val="0000FF"/>
-                </a:solidFill>
-              </a:rPr>
-              <a:t> 패턴을 통해 다양한 조합으로 제품 생성 가능</a:t>
-            </a:r>
-            <a:endParaRPr sz="1700" b="1" dirty="0">
-              <a:solidFill>
-                <a:srgbClr val="0000FF"/>
-              </a:solidFill>
-            </a:endParaRPr>
-          </a:p>
-          <a:p>
-            <a:pPr marL="0" lvl="0" indent="0" algn="l" rtl="0">
-              <a:lnSpc>
-                <a:spcPct val="115000"/>
-              </a:lnSpc>
-              <a:spcBef>
-                <a:spcPts val="1200"/>
-              </a:spcBef>
-              <a:spcAft>
-                <a:spcPts val="1200"/>
-              </a:spcAft>
-              <a:buClr>
-                <a:schemeClr val="dk1"/>
-              </a:buClr>
-              <a:buSzPts val="1100"/>
-              <a:buFont typeface="Arial"/>
-              <a:buNone/>
-            </a:pPr>
-            <a:r>
-              <a:rPr lang="ko-KR" sz="1300" b="1" i="1" dirty="0">
-                <a:solidFill>
-                  <a:schemeClr val="dk1"/>
-                </a:solidFill>
-              </a:rPr>
-              <a:t>+SSD </a:t>
-            </a:r>
-            <a:r>
-              <a:rPr lang="ko-KR" sz="1300" b="1" i="1" dirty="0" err="1">
-                <a:solidFill>
-                  <a:schemeClr val="dk1"/>
-                </a:solidFill>
-              </a:rPr>
-              <a:t>Manger는</a:t>
-            </a:r>
-            <a:r>
-              <a:rPr lang="ko-KR" sz="1300" b="1" i="1" dirty="0">
-                <a:solidFill>
-                  <a:schemeClr val="dk1"/>
-                </a:solidFill>
-              </a:rPr>
-              <a:t> </a:t>
-            </a:r>
-            <a:r>
-              <a:rPr lang="ko-KR" sz="1300" b="1" i="1" dirty="0" err="1">
-                <a:solidFill>
-                  <a:schemeClr val="dk1"/>
-                </a:solidFill>
-              </a:rPr>
-              <a:t>ReadWritable를</a:t>
-            </a:r>
-            <a:r>
-              <a:rPr lang="ko-KR" sz="1300" b="1" i="1" dirty="0">
-                <a:solidFill>
-                  <a:schemeClr val="dk1"/>
-                </a:solidFill>
-              </a:rPr>
-              <a:t> </a:t>
-            </a:r>
-            <a:r>
-              <a:rPr lang="ko-KR" sz="1300" b="1" i="1" dirty="0" err="1">
-                <a:solidFill>
-                  <a:schemeClr val="dk1"/>
-                </a:solidFill>
-              </a:rPr>
-              <a:t>주입받아</a:t>
-            </a:r>
-            <a:r>
-              <a:rPr lang="ko-KR" sz="1300" b="1" i="1" dirty="0">
-                <a:solidFill>
-                  <a:schemeClr val="dk1"/>
-                </a:solidFill>
-              </a:rPr>
-              <a:t> </a:t>
-            </a:r>
-            <a:r>
-              <a:rPr lang="ko-KR" sz="1300" b="1" i="1" dirty="0" err="1">
-                <a:solidFill>
-                  <a:schemeClr val="dk1"/>
-                </a:solidFill>
-              </a:rPr>
-              <a:t>Nand</a:t>
-            </a:r>
-            <a:r>
-              <a:rPr lang="ko-KR" sz="1300" b="1" i="1" dirty="0">
-                <a:solidFill>
-                  <a:schemeClr val="dk1"/>
-                </a:solidFill>
-              </a:rPr>
-              <a:t> </a:t>
-            </a:r>
-            <a:r>
-              <a:rPr lang="ko-KR" sz="1300" b="1" i="1" dirty="0" err="1">
-                <a:solidFill>
-                  <a:schemeClr val="dk1"/>
-                </a:solidFill>
-              </a:rPr>
-              <a:t>Driver를</a:t>
-            </a:r>
-            <a:r>
-              <a:rPr lang="ko-KR" sz="1300" b="1" i="1" dirty="0">
-                <a:solidFill>
-                  <a:schemeClr val="dk1"/>
-                </a:solidFill>
-              </a:rPr>
-              <a:t> 사용하지 않는 다른 구현체도 가능</a:t>
-            </a:r>
-            <a:endParaRPr sz="1300" b="1" i="1" dirty="0">
-              <a:solidFill>
-                <a:schemeClr val="dk1"/>
-              </a:solidFill>
-            </a:endParaRPr>
-          </a:p>
-        </p:txBody>
-      </p:sp>
-      <p:pic>
-        <p:nvPicPr>
-          <p:cNvPr id="444" name="Google Shape;444;p45"/>
-          <p:cNvPicPr preferRelativeResize="0"/>
-          <p:nvPr/>
-        </p:nvPicPr>
-        <p:blipFill>
-          <a:blip r:embed="rId4">
-            <a:alphaModFix/>
-          </a:blip>
-          <a:stretch>
-            <a:fillRect/>
-          </a:stretch>
-        </p:blipFill>
-        <p:spPr>
-          <a:xfrm>
-            <a:off x="6357295" y="3682848"/>
-            <a:ext cx="5667001" cy="1788355"/>
-          </a:xfrm>
-          <a:prstGeom prst="rect">
-            <a:avLst/>
-          </a:prstGeom>
-          <a:noFill/>
-          <a:ln>
-            <a:noFill/>
-          </a:ln>
-        </p:spPr>
-      </p:pic>
-      <p:sp>
-        <p:nvSpPr>
           <p:cNvPr id="2" name="슬라이드 번호 개체 틀 1">
             <a:extLst>
               <a:ext uri="{FF2B5EF4-FFF2-40B4-BE49-F238E27FC236}">
@@ -16879,7 +16502,7 @@
             <a:fld id="{00000000-1234-1234-1234-123412341234}" type="slidenum">
               <a:rPr lang="en-US" altLang="ko-KR" smtClean="0"/>
               <a:pPr/>
-              <a:t>25</a:t>
+              <a:t>26</a:t>
             </a:fld>
             <a:r>
               <a:rPr lang="en-US" altLang="ko-KR"/>
@@ -16889,45 +16512,22 @@
           </a:p>
         </p:txBody>
       </p:sp>
-    </p:spTree>
-  </p:cSld>
-  <p:clrMapOvr>
-    <a:masterClrMapping/>
-  </p:clrMapOvr>
-</p:sld>
-</file>
-
-<file path=ppt/slides/slide26.xml><?xml version="1.0" encoding="utf-8"?>
-<p:sld xmlns:a="http://schemas.openxmlformats.org/drawingml/2006/main" xmlns:r="http://schemas.openxmlformats.org/officeDocument/2006/relationships" xmlns:p="http://schemas.openxmlformats.org/presentationml/2006/main">
-  <p:cSld>
-    <p:spTree>
-      <p:nvGrpSpPr>
-        <p:cNvPr id="1" name="Shape 448"/>
-        <p:cNvGrpSpPr/>
-        <p:nvPr/>
-      </p:nvGrpSpPr>
-      <p:grpSpPr>
-        <a:xfrm>
-          <a:off x="0" y="0"/>
-          <a:ext cx="0" cy="0"/>
-          <a:chOff x="0" y="0"/>
-          <a:chExt cx="0" cy="0"/>
-        </a:xfrm>
-      </p:grpSpPr>
       <p:sp>
         <p:nvSpPr>
-          <p:cNvPr id="449" name="Google Shape;449;p46"/>
-          <p:cNvSpPr txBox="1">
-            <a:spLocks noGrp="1"/>
-          </p:cNvSpPr>
-          <p:nvPr>
-            <p:ph type="title"/>
-          </p:nvPr>
+          <p:cNvPr id="12" name="Google Shape;437;p45">
+            <a:extLst>
+              <a:ext uri="{FF2B5EF4-FFF2-40B4-BE49-F238E27FC236}">
+                <a16:creationId xmlns:a16="http://schemas.microsoft.com/office/drawing/2014/main" id="{67DC1AD6-2C69-47AE-B1F0-DEE36591CEE2}"/>
+              </a:ext>
+            </a:extLst>
+          </p:cNvPr>
+          <p:cNvSpPr txBox="1"/>
+          <p:nvPr/>
         </p:nvSpPr>
         <p:spPr>
           <a:xfrm>
-            <a:off x="605980" y="310143"/>
-            <a:ext cx="10515600" cy="649800"/>
+            <a:off x="6226746" y="1285513"/>
+            <a:ext cx="5667000" cy="2136600"/>
           </a:xfrm>
           <a:prstGeom prst="rect">
             <a:avLst/>
@@ -16938,95 +16538,32 @@
           </a:ln>
         </p:spPr>
         <p:txBody>
-          <a:bodyPr spcFirstLastPara="1" wrap="square" lIns="91425" tIns="45700" rIns="91425" bIns="45700" anchor="ctr" anchorCtr="0">
-            <a:normAutofit fontScale="90000"/>
-          </a:bodyPr>
-          <a:lstStyle/>
-          <a:p>
-            <a:pPr marL="0" lvl="0" indent="0" algn="l" rtl="0">
-              <a:lnSpc>
-                <a:spcPct val="90000"/>
-              </a:lnSpc>
-              <a:spcBef>
-                <a:spcPts val="0"/>
-              </a:spcBef>
-              <a:spcAft>
-                <a:spcPts val="0"/>
-              </a:spcAft>
-              <a:buClr>
-                <a:schemeClr val="dk1"/>
-              </a:buClr>
-              <a:buSzPct val="100000"/>
-              <a:buFont typeface="Malgun Gothic"/>
-              <a:buNone/>
-            </a:pPr>
-            <a:r>
-              <a:rPr lang="ko-KR"/>
-              <a:t>리팩토링 - Command 패턴</a:t>
-            </a:r>
-            <a:endParaRPr/>
-          </a:p>
-        </p:txBody>
-      </p:sp>
-      <p:sp>
-        <p:nvSpPr>
-          <p:cNvPr id="450" name="Google Shape;450;p46"/>
-          <p:cNvSpPr txBox="1"/>
-          <p:nvPr/>
-        </p:nvSpPr>
-        <p:spPr>
-          <a:xfrm>
-            <a:off x="520375" y="1153772"/>
-            <a:ext cx="11265600" cy="1326600"/>
-          </a:xfrm>
-          <a:prstGeom prst="rect">
-            <a:avLst/>
-          </a:prstGeom>
-          <a:noFill/>
-          <a:ln>
-            <a:noFill/>
-          </a:ln>
-        </p:spPr>
-        <p:txBody>
           <a:bodyPr spcFirstLastPara="1" wrap="square" lIns="121900" tIns="121900" rIns="121900" bIns="121900" anchor="t" anchorCtr="0">
             <a:noAutofit/>
           </a:bodyPr>
           <a:lstStyle/>
           <a:p>
             <a:pPr marL="0" lvl="0" indent="0" algn="l" rtl="0">
-              <a:spcBef>
-                <a:spcPts val="0"/>
-              </a:spcBef>
-              <a:spcAft>
-                <a:spcPts val="0"/>
-              </a:spcAft>
-              <a:buNone/>
-            </a:pPr>
-            <a:r>
-              <a:rPr lang="ko-KR" sz="1500" dirty="0">
+              <a:lnSpc>
+                <a:spcPct val="115000"/>
+              </a:lnSpc>
+              <a:spcBef>
+                <a:spcPts val="1200"/>
+              </a:spcBef>
+              <a:spcAft>
+                <a:spcPts val="0"/>
+              </a:spcAft>
+              <a:buNone/>
+            </a:pPr>
+            <a:r>
+              <a:rPr lang="ko-KR" sz="1300" b="1">
                 <a:solidFill>
                   <a:schemeClr val="dk1"/>
                 </a:solidFill>
               </a:rPr>
-              <a:t>- 기존 </a:t>
-            </a:r>
-            <a:r>
-              <a:rPr lang="ko-KR" sz="1500" dirty="0" err="1">
-                <a:solidFill>
-                  <a:schemeClr val="dk1"/>
-                </a:solidFill>
-              </a:rPr>
-              <a:t>Processor</a:t>
-            </a:r>
-            <a:r>
-              <a:rPr lang="ko-KR" sz="1500" dirty="0">
-                <a:solidFill>
-                  <a:schemeClr val="dk1"/>
-                </a:solidFill>
-              </a:rPr>
-              <a:t> 클래스에 명령어 처리 로직이 메서드 단위로 개발되어 있고, </a:t>
-            </a:r>
-            <a:endParaRPr sz="1500" dirty="0">
+              <a:t>1. Builder 패턴 적용(SSD Manager)</a:t>
+            </a:r>
+            <a:endParaRPr sz="1300" b="1">
               <a:solidFill>
                 <a:schemeClr val="dk1"/>
               </a:solidFill>
@@ -17034,39 +16571,31 @@
           </a:p>
           <a:p>
             <a:pPr marL="0" lvl="0" indent="0" algn="l" rtl="0">
-              <a:spcBef>
-                <a:spcPts val="0"/>
-              </a:spcBef>
-              <a:spcAft>
-                <a:spcPts val="0"/>
-              </a:spcAft>
-              <a:buNone/>
-            </a:pPr>
-            <a:r>
-              <a:rPr lang="ko-KR" sz="1500" dirty="0">
+              <a:lnSpc>
+                <a:spcPct val="115000"/>
+              </a:lnSpc>
+              <a:spcBef>
+                <a:spcPts val="1200"/>
+              </a:spcBef>
+              <a:spcAft>
+                <a:spcPts val="0"/>
+              </a:spcAft>
+              <a:buClr>
+                <a:schemeClr val="dk1"/>
+              </a:buClr>
+              <a:buSzPts val="1100"/>
+              <a:buFont typeface="Arial"/>
+              <a:buNone/>
+            </a:pPr>
+            <a:r>
+              <a:rPr lang="ko-KR" sz="1300">
                 <a:solidFill>
                   <a:schemeClr val="dk1"/>
                 </a:solidFill>
               </a:rPr>
-              <a:t>   SSD.jar </a:t>
-            </a:r>
-            <a:r>
-              <a:rPr lang="ko-KR" sz="1500" dirty="0" err="1">
-                <a:solidFill>
-                  <a:schemeClr val="dk1"/>
-                </a:solidFill>
-              </a:rPr>
-              <a:t>를</a:t>
-            </a:r>
-            <a:r>
-              <a:rPr lang="ko-KR" sz="1500" dirty="0">
-                <a:solidFill>
-                  <a:schemeClr val="dk1"/>
-                </a:solidFill>
-              </a:rPr>
-              <a:t> 호출하는 기능도 클래스 안에 개발되어 있어 SRP 위반</a:t>
-            </a:r>
-            <a:endParaRPr sz="1500" dirty="0">
+              <a:t>→ InputHandler, OutputHandler, ReadWritable을 조합해 사용.</a:t>
+            </a:r>
+            <a:endParaRPr sz="1300" b="1">
               <a:solidFill>
                 <a:schemeClr val="dk1"/>
               </a:solidFill>
@@ -17074,39 +16603,18 @@
           </a:p>
           <a:p>
             <a:pPr marL="0" lvl="0" indent="0" algn="l" rtl="0">
-              <a:spcBef>
-                <a:spcPts val="0"/>
-              </a:spcBef>
-              <a:spcAft>
-                <a:spcPts val="0"/>
-              </a:spcAft>
-              <a:buNone/>
-            </a:pPr>
-            <a:r>
-              <a:rPr lang="ko-KR" sz="1500" dirty="0">
-                <a:solidFill>
-                  <a:schemeClr val="dk1"/>
-                </a:solidFill>
-              </a:rPr>
-              <a:t>- 새로운 명령어가 추가되는 경우에 조건문이 </a:t>
-            </a:r>
-            <a:r>
-              <a:rPr lang="ko-KR" sz="1500" dirty="0" err="1">
-                <a:solidFill>
-                  <a:schemeClr val="dk1"/>
-                </a:solidFill>
-              </a:rPr>
-              <a:t>복잡해지거나</a:t>
-            </a:r>
-            <a:r>
-              <a:rPr lang="ko-KR" sz="1500" dirty="0">
-                <a:solidFill>
-                  <a:schemeClr val="dk1"/>
-                </a:solidFill>
-              </a:rPr>
-              <a:t> 기존 기능에 영향을 줄 수 있음</a:t>
-            </a:r>
-            <a:endParaRPr sz="1500" dirty="0">
+              <a:lnSpc>
+                <a:spcPct val="115000"/>
+              </a:lnSpc>
+              <a:spcBef>
+                <a:spcPts val="1200"/>
+              </a:spcBef>
+              <a:spcAft>
+                <a:spcPts val="0"/>
+              </a:spcAft>
+              <a:buNone/>
+            </a:pPr>
+            <a:endParaRPr sz="1300" b="1">
               <a:solidFill>
                 <a:schemeClr val="dk1"/>
               </a:solidFill>
@@ -17114,89 +16622,58 @@
           </a:p>
           <a:p>
             <a:pPr marL="0" lvl="0" indent="0" algn="l" rtl="0">
-              <a:spcBef>
-                <a:spcPts val="0"/>
-              </a:spcBef>
-              <a:spcAft>
-                <a:spcPts val="0"/>
-              </a:spcAft>
-              <a:buNone/>
-            </a:pPr>
-            <a:r>
-              <a:rPr lang="ko-KR" sz="1500" dirty="0">
+              <a:lnSpc>
+                <a:spcPct val="115000"/>
+              </a:lnSpc>
+              <a:spcBef>
+                <a:spcPts val="1200"/>
+              </a:spcBef>
+              <a:spcAft>
+                <a:spcPts val="0"/>
+              </a:spcAft>
+              <a:buNone/>
+            </a:pPr>
+            <a:r>
+              <a:rPr lang="ko-KR" sz="1300" b="1">
                 <a:solidFill>
                   <a:schemeClr val="dk1"/>
                 </a:solidFill>
               </a:rPr>
-              <a:t>- </a:t>
-            </a:r>
-            <a:r>
-              <a:rPr lang="ko-KR" sz="1500" dirty="0" err="1">
-                <a:solidFill>
-                  <a:schemeClr val="dk1"/>
-                </a:solidFill>
-              </a:rPr>
-              <a:t>Command</a:t>
-            </a:r>
-            <a:r>
-              <a:rPr lang="ko-KR" sz="1500" dirty="0">
-                <a:solidFill>
-                  <a:schemeClr val="dk1"/>
-                </a:solidFill>
-              </a:rPr>
-              <a:t> 패턴 적용을 하여 명령어의 책임을 분리</a:t>
-            </a:r>
-            <a:endParaRPr sz="1500" dirty="0">
+              <a:t>2. Builder 패턴 적용(SSD Operator) </a:t>
+            </a:r>
+            <a:endParaRPr sz="1300">
               <a:solidFill>
                 <a:schemeClr val="dk1"/>
               </a:solidFill>
             </a:endParaRPr>
           </a:p>
-        </p:txBody>
-      </p:sp>
-      <p:sp>
-        <p:nvSpPr>
-          <p:cNvPr id="451" name="Google Shape;451;p46"/>
-          <p:cNvSpPr txBox="1"/>
-          <p:nvPr/>
-        </p:nvSpPr>
-        <p:spPr>
-          <a:xfrm>
-            <a:off x="1367400" y="5660100"/>
-            <a:ext cx="6023100" cy="804000"/>
-          </a:xfrm>
-          <a:prstGeom prst="rect">
-            <a:avLst/>
-          </a:prstGeom>
-          <a:noFill/>
-          <a:ln>
-            <a:noFill/>
-          </a:ln>
-        </p:spPr>
-        <p:txBody>
-          <a:bodyPr spcFirstLastPara="1" wrap="square" lIns="121900" tIns="121900" rIns="121900" bIns="121900" anchor="t" anchorCtr="0">
-            <a:noAutofit/>
-          </a:bodyPr>
-          <a:lstStyle/>
           <a:p>
             <a:pPr marL="0" lvl="0" indent="0" algn="l" rtl="0">
-              <a:spcBef>
-                <a:spcPts val="0"/>
-              </a:spcBef>
-              <a:spcAft>
-                <a:spcPts val="0"/>
-              </a:spcAft>
-              <a:buNone/>
-            </a:pPr>
-            <a:r>
-              <a:rPr lang="ko-KR" sz="1200">
+              <a:lnSpc>
+                <a:spcPct val="115000"/>
+              </a:lnSpc>
+              <a:spcBef>
+                <a:spcPts val="1200"/>
+              </a:spcBef>
+              <a:spcAft>
+                <a:spcPts val="0"/>
+              </a:spcAft>
+              <a:buClr>
+                <a:schemeClr val="dk1"/>
+              </a:buClr>
+              <a:buSzPts val="1100"/>
+              <a:buFont typeface="Arial"/>
+              <a:buNone/>
+            </a:pPr>
+            <a:r>
+              <a:rPr lang="ko-KR" sz="1300">
                 <a:solidFill>
                   <a:schemeClr val="dk1"/>
                 </a:solidFill>
               </a:rPr>
-              <a:t> 명령어 처리 방식 변경 : </a:t>
-            </a:r>
-            <a:endParaRPr sz="1200">
+              <a:t>→ NandDriver를 Bulder를 통해 조합해 사용.</a:t>
+            </a:r>
+            <a:endParaRPr sz="1300" b="1">
               <a:solidFill>
                 <a:schemeClr val="dk1"/>
               </a:solidFill>
@@ -17204,33 +16681,82 @@
           </a:p>
           <a:p>
             <a:pPr marL="0" lvl="0" indent="0" algn="l" rtl="0">
-              <a:spcBef>
-                <a:spcPts val="0"/>
-              </a:spcBef>
-              <a:spcAft>
-                <a:spcPts val="0"/>
-              </a:spcAft>
-              <a:buNone/>
-            </a:pPr>
-            <a:r>
-              <a:rPr lang="ko-KR" sz="1200">
-                <a:solidFill>
-                  <a:schemeClr val="dk1"/>
-                </a:solidFill>
-              </a:rPr>
-              <a:t> command 별 메서드 호출하는 부분을 Command 객체에 위임하는 방식으로 변경</a:t>
-            </a:r>
-            <a:endParaRPr sz="1200">
+              <a:lnSpc>
+                <a:spcPct val="115000"/>
+              </a:lnSpc>
+              <a:spcBef>
+                <a:spcPts val="1200"/>
+              </a:spcBef>
+              <a:spcAft>
+                <a:spcPts val="0"/>
+              </a:spcAft>
+              <a:buClr>
+                <a:schemeClr val="dk1"/>
+              </a:buClr>
+              <a:buSzPts val="1100"/>
+              <a:buFont typeface="Arial"/>
+              <a:buNone/>
+            </a:pPr>
+            <a:endParaRPr sz="1300">
               <a:solidFill>
                 <a:schemeClr val="dk1"/>
               </a:solidFill>
             </a:endParaRPr>
           </a:p>
+          <a:p>
+            <a:pPr marL="0" lvl="0" indent="0" algn="l" rtl="0">
+              <a:lnSpc>
+                <a:spcPct val="115000"/>
+              </a:lnSpc>
+              <a:spcBef>
+                <a:spcPts val="1200"/>
+              </a:spcBef>
+              <a:spcAft>
+                <a:spcPts val="0"/>
+              </a:spcAft>
+              <a:buClr>
+                <a:schemeClr val="dk1"/>
+              </a:buClr>
+              <a:buSzPts val="1100"/>
+              <a:buFont typeface="Arial"/>
+              <a:buNone/>
+            </a:pPr>
+            <a:endParaRPr b="1">
+              <a:solidFill>
+                <a:srgbClr val="0000FF"/>
+              </a:solidFill>
+            </a:endParaRPr>
+          </a:p>
+          <a:p>
+            <a:pPr marL="0" lvl="0" indent="0" algn="l" rtl="0">
+              <a:lnSpc>
+                <a:spcPct val="115000"/>
+              </a:lnSpc>
+              <a:spcBef>
+                <a:spcPts val="1200"/>
+              </a:spcBef>
+              <a:spcAft>
+                <a:spcPts val="1200"/>
+              </a:spcAft>
+              <a:buNone/>
+            </a:pPr>
+            <a:endParaRPr b="1">
+              <a:solidFill>
+                <a:srgbClr val="0000FF"/>
+              </a:solidFill>
+            </a:endParaRPr>
+          </a:p>
         </p:txBody>
       </p:sp>
       <p:pic>
         <p:nvPicPr>
-          <p:cNvPr id="452" name="Google Shape;452;p46"/>
+          <p:cNvPr id="13" name="Google Shape;438;p45">
+            <a:extLst>
+              <a:ext uri="{FF2B5EF4-FFF2-40B4-BE49-F238E27FC236}">
+                <a16:creationId xmlns:a16="http://schemas.microsoft.com/office/drawing/2014/main" id="{C1692F16-9041-4E61-949D-F5FD9CFF8900}"/>
+              </a:ext>
+            </a:extLst>
+          </p:cNvPr>
           <p:cNvPicPr preferRelativeResize="0"/>
           <p:nvPr/>
         </p:nvPicPr>
@@ -17244,8 +16770,8 @@
         </p:blipFill>
         <p:spPr>
           <a:xfrm>
-            <a:off x="6281567" y="3548900"/>
-            <a:ext cx="4283066" cy="1959200"/>
+            <a:off x="369825" y="1495418"/>
+            <a:ext cx="5724525" cy="3000375"/>
           </a:xfrm>
           <a:prstGeom prst="rect">
             <a:avLst/>
@@ -17256,24 +16782,157 @@
           </a:ln>
         </p:spPr>
       </p:pic>
+      <p:cxnSp>
+        <p:nvCxnSpPr>
+          <p:cNvPr id="14" name="Google Shape;439;p45">
+            <a:extLst>
+              <a:ext uri="{FF2B5EF4-FFF2-40B4-BE49-F238E27FC236}">
+                <a16:creationId xmlns:a16="http://schemas.microsoft.com/office/drawing/2014/main" id="{2CB53ECB-B186-422D-8E8B-75D1B119DCAB}"/>
+              </a:ext>
+            </a:extLst>
+          </p:cNvPr>
+          <p:cNvCxnSpPr/>
+          <p:nvPr/>
+        </p:nvCxnSpPr>
+        <p:spPr>
+          <a:xfrm>
+            <a:off x="1729000" y="2339825"/>
+            <a:ext cx="2453700" cy="0"/>
+          </a:xfrm>
+          <a:prstGeom prst="straightConnector1">
+            <a:avLst/>
+          </a:prstGeom>
+          <a:noFill/>
+          <a:ln w="19050" cap="flat" cmpd="sng">
+            <a:solidFill>
+              <a:srgbClr val="FFFF00"/>
+            </a:solidFill>
+            <a:prstDash val="solid"/>
+            <a:round/>
+            <a:headEnd type="none" w="med" len="med"/>
+            <a:tailEnd type="none" w="med" len="med"/>
+          </a:ln>
+        </p:spPr>
+      </p:cxnSp>
+      <p:cxnSp>
+        <p:nvCxnSpPr>
+          <p:cNvPr id="15" name="Google Shape;440;p45">
+            <a:extLst>
+              <a:ext uri="{FF2B5EF4-FFF2-40B4-BE49-F238E27FC236}">
+                <a16:creationId xmlns:a16="http://schemas.microsoft.com/office/drawing/2014/main" id="{A2B18C2E-8DA3-4130-A867-33DA9B47B1E8}"/>
+              </a:ext>
+            </a:extLst>
+          </p:cNvPr>
+          <p:cNvCxnSpPr/>
+          <p:nvPr/>
+        </p:nvCxnSpPr>
+        <p:spPr>
+          <a:xfrm>
+            <a:off x="1729000" y="3168075"/>
+            <a:ext cx="952500" cy="0"/>
+          </a:xfrm>
+          <a:prstGeom prst="straightConnector1">
+            <a:avLst/>
+          </a:prstGeom>
+          <a:noFill/>
+          <a:ln w="19050" cap="flat" cmpd="sng">
+            <a:solidFill>
+              <a:srgbClr val="FFFF00"/>
+            </a:solidFill>
+            <a:prstDash val="solid"/>
+            <a:round/>
+            <a:headEnd type="none" w="med" len="med"/>
+            <a:tailEnd type="none" w="med" len="med"/>
+          </a:ln>
+        </p:spPr>
+      </p:cxnSp>
+      <p:cxnSp>
+        <p:nvCxnSpPr>
+          <p:cNvPr id="16" name="Google Shape;441;p45">
+            <a:extLst>
+              <a:ext uri="{FF2B5EF4-FFF2-40B4-BE49-F238E27FC236}">
+                <a16:creationId xmlns:a16="http://schemas.microsoft.com/office/drawing/2014/main" id="{2216E477-C4FB-4BB5-8972-C3C99A285D0F}"/>
+              </a:ext>
+            </a:extLst>
+          </p:cNvPr>
+          <p:cNvCxnSpPr/>
+          <p:nvPr/>
+        </p:nvCxnSpPr>
+        <p:spPr>
+          <a:xfrm>
+            <a:off x="1729000" y="3395850"/>
+            <a:ext cx="3075000" cy="0"/>
+          </a:xfrm>
+          <a:prstGeom prst="straightConnector1">
+            <a:avLst/>
+          </a:prstGeom>
+          <a:noFill/>
+          <a:ln w="19050" cap="flat" cmpd="sng">
+            <a:solidFill>
+              <a:srgbClr val="FFFF00"/>
+            </a:solidFill>
+            <a:prstDash val="solid"/>
+            <a:round/>
+            <a:headEnd type="none" w="med" len="med"/>
+            <a:tailEnd type="none" w="med" len="med"/>
+          </a:ln>
+        </p:spPr>
+      </p:cxnSp>
+      <p:cxnSp>
+        <p:nvCxnSpPr>
+          <p:cNvPr id="17" name="Google Shape;442;p45">
+            <a:extLst>
+              <a:ext uri="{FF2B5EF4-FFF2-40B4-BE49-F238E27FC236}">
+                <a16:creationId xmlns:a16="http://schemas.microsoft.com/office/drawing/2014/main" id="{1CE3C4B1-54DD-4997-9AEF-EEFC33576715}"/>
+              </a:ext>
+            </a:extLst>
+          </p:cNvPr>
+          <p:cNvCxnSpPr/>
+          <p:nvPr/>
+        </p:nvCxnSpPr>
+        <p:spPr>
+          <a:xfrm>
+            <a:off x="1729000" y="3623625"/>
+            <a:ext cx="3188700" cy="8400"/>
+          </a:xfrm>
+          <a:prstGeom prst="straightConnector1">
+            <a:avLst/>
+          </a:prstGeom>
+          <a:noFill/>
+          <a:ln w="19050" cap="flat" cmpd="sng">
+            <a:solidFill>
+              <a:srgbClr val="FFFF00"/>
+            </a:solidFill>
+            <a:prstDash val="solid"/>
+            <a:round/>
+            <a:headEnd type="none" w="med" len="med"/>
+            <a:tailEnd type="none" w="med" len="med"/>
+          </a:ln>
+        </p:spPr>
+      </p:cxnSp>
       <p:pic>
         <p:nvPicPr>
-          <p:cNvPr id="453" name="Google Shape;453;p46"/>
+          <p:cNvPr id="18" name="Google Shape;443;p45">
+            <a:extLst>
+              <a:ext uri="{FF2B5EF4-FFF2-40B4-BE49-F238E27FC236}">
+                <a16:creationId xmlns:a16="http://schemas.microsoft.com/office/drawing/2014/main" id="{B9BFED84-0B3E-405C-B665-1C421E0E0251}"/>
+              </a:ext>
+            </a:extLst>
+          </p:cNvPr>
           <p:cNvPicPr preferRelativeResize="0"/>
           <p:nvPr/>
         </p:nvPicPr>
-        <p:blipFill>
+        <p:blipFill rotWithShape="1">
           <a:blip r:embed="rId4">
             <a:alphaModFix/>
           </a:blip>
-          <a:stretch>
-            <a:fillRect/>
-          </a:stretch>
+          <a:srcRect l="19769" t="18434" r="29105" b="30201"/>
+          <a:stretch/>
         </p:blipFill>
         <p:spPr>
           <a:xfrm>
-            <a:off x="6281566" y="2686467"/>
-            <a:ext cx="3411287" cy="763600"/>
+            <a:off x="9017316" y="3448030"/>
+            <a:ext cx="2192655" cy="2316424"/>
           </a:xfrm>
           <a:prstGeom prst="rect">
             <a:avLst/>
@@ -17286,22 +16945,27 @@
       </p:pic>
       <p:pic>
         <p:nvPicPr>
-          <p:cNvPr id="454" name="Google Shape;454;p46"/>
+          <p:cNvPr id="19" name="Google Shape;444;p45">
+            <a:extLst>
+              <a:ext uri="{FF2B5EF4-FFF2-40B4-BE49-F238E27FC236}">
+                <a16:creationId xmlns:a16="http://schemas.microsoft.com/office/drawing/2014/main" id="{578F1070-861F-4454-B8BB-8F54B6BF6AEF}"/>
+              </a:ext>
+            </a:extLst>
+          </p:cNvPr>
           <p:cNvPicPr preferRelativeResize="0"/>
           <p:nvPr/>
         </p:nvPicPr>
-        <p:blipFill>
-          <a:blip r:embed="rId5">
+        <p:blipFill rotWithShape="1">
+          <a:blip r:embed="rId4">
             <a:alphaModFix/>
           </a:blip>
-          <a:stretch>
-            <a:fillRect/>
-          </a:stretch>
+          <a:srcRect l="33833" t="52521" r="18653"/>
+          <a:stretch/>
         </p:blipFill>
         <p:spPr>
           <a:xfrm>
-            <a:off x="1367400" y="2686467"/>
-            <a:ext cx="3655215" cy="2879866"/>
+            <a:off x="6495331" y="3356757"/>
+            <a:ext cx="2370960" cy="1946843"/>
           </a:xfrm>
           <a:prstGeom prst="rect">
             <a:avLst/>
@@ -17314,50 +16978,204 @@
       </p:pic>
       <p:sp>
         <p:nvSpPr>
-          <p:cNvPr id="455" name="Google Shape;455;p46"/>
-          <p:cNvSpPr/>
+          <p:cNvPr id="20" name="Google Shape;445;p45">
+            <a:extLst>
+              <a:ext uri="{FF2B5EF4-FFF2-40B4-BE49-F238E27FC236}">
+                <a16:creationId xmlns:a16="http://schemas.microsoft.com/office/drawing/2014/main" id="{2FBCB887-0B59-44F9-8B67-F3502CFD5266}"/>
+              </a:ext>
+            </a:extLst>
+          </p:cNvPr>
+          <p:cNvSpPr txBox="1"/>
           <p:nvPr/>
         </p:nvSpPr>
         <p:spPr>
           <a:xfrm>
-            <a:off x="5353400" y="4041767"/>
-            <a:ext cx="520500" cy="308700"/>
-          </a:xfrm>
-          <a:prstGeom prst="rightArrow">
-            <a:avLst>
-              <a:gd name="adj1" fmla="val 50000"/>
-              <a:gd name="adj2" fmla="val 50000"/>
-            </a:avLst>
+            <a:off x="434050" y="5315032"/>
+            <a:ext cx="8739900" cy="890400"/>
+          </a:xfrm>
+          <a:prstGeom prst="rect">
+            <a:avLst/>
           </a:prstGeom>
-          <a:solidFill>
-            <a:schemeClr val="lt2"/>
-          </a:solidFill>
-          <a:ln w="9525" cap="flat" cmpd="sng">
-            <a:solidFill>
-              <a:schemeClr val="dk2"/>
-            </a:solidFill>
-            <a:prstDash val="solid"/>
-            <a:round/>
-            <a:headEnd type="none" w="sm" len="sm"/>
-            <a:tailEnd type="none" w="sm" len="sm"/>
+          <a:noFill/>
+          <a:ln>
+            <a:noFill/>
           </a:ln>
         </p:spPr>
         <p:txBody>
-          <a:bodyPr spcFirstLastPara="1" wrap="square" lIns="121900" tIns="121900" rIns="121900" bIns="121900" anchor="ctr" anchorCtr="0">
+          <a:bodyPr spcFirstLastPara="1" wrap="square" lIns="121900" tIns="121900" rIns="121900" bIns="121900" anchor="t" anchorCtr="0">
             <a:noAutofit/>
           </a:bodyPr>
           <a:lstStyle/>
           <a:p>
-            <a:pPr marL="0" lvl="0" indent="0" algn="ctr" rtl="0">
-              <a:spcBef>
-                <a:spcPts val="0"/>
-              </a:spcBef>
-              <a:spcAft>
-                <a:spcPts val="0"/>
-              </a:spcAft>
-              <a:buNone/>
-            </a:pPr>
-            <a:endParaRPr sz="1900"/>
+            <a:pPr marL="0" lvl="0" indent="0" algn="l" rtl="0">
+              <a:lnSpc>
+                <a:spcPct val="115000"/>
+              </a:lnSpc>
+              <a:spcBef>
+                <a:spcPts val="1200"/>
+              </a:spcBef>
+              <a:spcAft>
+                <a:spcPts val="0"/>
+              </a:spcAft>
+              <a:buNone/>
+            </a:pPr>
+            <a:r>
+              <a:rPr lang="ko-KR" sz="1700" b="1" dirty="0">
+                <a:solidFill>
+                  <a:srgbClr val="0000FF"/>
+                </a:solidFill>
+              </a:rPr>
+              <a:t>→ 인터페이스만 만족하여 </a:t>
+            </a:r>
+            <a:r>
+              <a:rPr lang="ko-KR" sz="1700" b="1" dirty="0" err="1">
+                <a:solidFill>
+                  <a:srgbClr val="0000FF"/>
+                </a:solidFill>
+              </a:rPr>
+              <a:t>개발시</a:t>
+            </a:r>
+            <a:r>
+              <a:rPr lang="ko-KR" sz="1700" b="1" dirty="0">
+                <a:solidFill>
+                  <a:srgbClr val="0000FF"/>
+                </a:solidFill>
+              </a:rPr>
+              <a:t> </a:t>
+            </a:r>
+            <a:r>
+              <a:rPr lang="ko-KR" sz="1700" b="1" dirty="0" err="1">
+                <a:solidFill>
+                  <a:srgbClr val="0000FF"/>
+                </a:solidFill>
+              </a:rPr>
+              <a:t>Builder</a:t>
+            </a:r>
+            <a:r>
+              <a:rPr lang="ko-KR" sz="1700" b="1" dirty="0">
+                <a:solidFill>
+                  <a:srgbClr val="0000FF"/>
+                </a:solidFill>
+              </a:rPr>
+              <a:t> 패턴을 통해 다양한 조합으로 제품 생성 가능</a:t>
+            </a:r>
+            <a:endParaRPr sz="1700" b="1" dirty="0">
+              <a:solidFill>
+                <a:srgbClr val="0000FF"/>
+              </a:solidFill>
+            </a:endParaRPr>
+          </a:p>
+          <a:p>
+            <a:pPr marL="0" lvl="0" indent="0" algn="l" rtl="0">
+              <a:lnSpc>
+                <a:spcPct val="115000"/>
+              </a:lnSpc>
+              <a:spcBef>
+                <a:spcPts val="1200"/>
+              </a:spcBef>
+              <a:spcAft>
+                <a:spcPts val="1200"/>
+              </a:spcAft>
+              <a:buClr>
+                <a:schemeClr val="dk1"/>
+              </a:buClr>
+              <a:buSzPts val="1100"/>
+              <a:buFont typeface="Arial"/>
+              <a:buNone/>
+            </a:pPr>
+            <a:r>
+              <a:rPr lang="ko-KR" sz="1300" b="1" i="1" dirty="0">
+                <a:solidFill>
+                  <a:schemeClr val="dk1"/>
+                </a:solidFill>
+              </a:rPr>
+              <a:t>+SSD </a:t>
+            </a:r>
+            <a:r>
+              <a:rPr lang="ko-KR" sz="1300" b="1" i="1" dirty="0" err="1">
+                <a:solidFill>
+                  <a:schemeClr val="dk1"/>
+                </a:solidFill>
+              </a:rPr>
+              <a:t>Manger는</a:t>
+            </a:r>
+            <a:r>
+              <a:rPr lang="ko-KR" sz="1300" b="1" i="1" dirty="0">
+                <a:solidFill>
+                  <a:schemeClr val="dk1"/>
+                </a:solidFill>
+              </a:rPr>
+              <a:t> </a:t>
+            </a:r>
+            <a:r>
+              <a:rPr lang="ko-KR" sz="1300" b="1" i="1" dirty="0" err="1">
+                <a:solidFill>
+                  <a:schemeClr val="dk1"/>
+                </a:solidFill>
+              </a:rPr>
+              <a:t>ReadWritable를</a:t>
+            </a:r>
+            <a:r>
+              <a:rPr lang="ko-KR" sz="1300" b="1" i="1" dirty="0">
+                <a:solidFill>
+                  <a:schemeClr val="dk1"/>
+                </a:solidFill>
+              </a:rPr>
+              <a:t> </a:t>
+            </a:r>
+            <a:r>
+              <a:rPr lang="ko-KR" sz="1300" b="1" i="1" dirty="0" err="1">
+                <a:solidFill>
+                  <a:schemeClr val="dk1"/>
+                </a:solidFill>
+              </a:rPr>
+              <a:t>주입받아</a:t>
+            </a:r>
+            <a:r>
+              <a:rPr lang="ko-KR" sz="1300" b="1" i="1" dirty="0">
+                <a:solidFill>
+                  <a:schemeClr val="dk1"/>
+                </a:solidFill>
+              </a:rPr>
+              <a:t> </a:t>
+            </a:r>
+            <a:r>
+              <a:rPr lang="ko-KR" sz="1300" b="1" i="1" dirty="0" err="1">
+                <a:solidFill>
+                  <a:schemeClr val="dk1"/>
+                </a:solidFill>
+              </a:rPr>
+              <a:t>Nand</a:t>
+            </a:r>
+            <a:r>
+              <a:rPr lang="ko-KR" sz="1300" b="1" i="1" dirty="0">
+                <a:solidFill>
+                  <a:schemeClr val="dk1"/>
+                </a:solidFill>
+              </a:rPr>
+              <a:t> </a:t>
+            </a:r>
+            <a:r>
+              <a:rPr lang="ko-KR" sz="1300" b="1" i="1" dirty="0" err="1">
+                <a:solidFill>
+                  <a:schemeClr val="dk1"/>
+                </a:solidFill>
+              </a:rPr>
+              <a:t>Driver를</a:t>
+            </a:r>
+            <a:r>
+              <a:rPr lang="ko-KR" sz="1300" b="1" i="1" dirty="0">
+                <a:solidFill>
+                  <a:schemeClr val="dk1"/>
+                </a:solidFill>
+              </a:rPr>
+              <a:t> 사용하지 않는 다른 구현체도 가능</a:t>
+            </a:r>
+            <a:endParaRPr sz="1300" b="1" i="1" dirty="0">
+              <a:solidFill>
+                <a:schemeClr val="dk1"/>
+              </a:solidFill>
+            </a:endParaRPr>
           </a:p>
         </p:txBody>
       </p:sp>
@@ -17433,118 +17251,23 @@
               <a:buNone/>
             </a:pPr>
             <a:r>
-              <a:rPr lang="ko-KR" altLang="ko-KR" dirty="0" err="1"/>
-              <a:t>리팩토링</a:t>
-            </a:r>
-            <a:r>
-              <a:rPr lang="ko-KR" altLang="ko-KR" dirty="0"/>
-              <a:t> - OCP + </a:t>
-            </a:r>
-            <a:r>
-              <a:rPr lang="ko-KR" altLang="ko-KR" dirty="0" err="1"/>
-              <a:t>Factory</a:t>
-            </a:r>
-            <a:r>
-              <a:rPr lang="ko-KR" altLang="ko-KR" dirty="0"/>
-              <a:t> 패턴</a:t>
-            </a:r>
-            <a:endParaRPr dirty="0"/>
+              <a:rPr lang="ko-KR"/>
+              <a:t>리팩토링 - Command 패턴</a:t>
+            </a:r>
+            <a:endParaRPr/>
           </a:p>
         </p:txBody>
       </p:sp>
       <p:sp>
         <p:nvSpPr>
-          <p:cNvPr id="2" name="슬라이드 번호 개체 틀 1">
-            <a:extLst>
-              <a:ext uri="{FF2B5EF4-FFF2-40B4-BE49-F238E27FC236}">
-                <a16:creationId xmlns:a16="http://schemas.microsoft.com/office/drawing/2014/main" id="{CD1A36BC-F2B8-48BB-AF0A-FBCB1405402B}"/>
-              </a:ext>
-            </a:extLst>
-          </p:cNvPr>
-          <p:cNvSpPr>
-            <a:spLocks noGrp="1"/>
-          </p:cNvSpPr>
-          <p:nvPr>
-            <p:ph type="sldNum" idx="12"/>
-          </p:nvPr>
+          <p:cNvPr id="450" name="Google Shape;450;p46"/>
+          <p:cNvSpPr txBox="1"/>
+          <p:nvPr/>
         </p:nvSpPr>
-        <p:spPr/>
-        <p:txBody>
-          <a:bodyPr/>
-          <a:lstStyle/>
-          <a:p>
-            <a:fld id="{00000000-1234-1234-1234-123412341234}" type="slidenum">
-              <a:rPr lang="en-US" altLang="ko-KR" smtClean="0"/>
-              <a:pPr/>
-              <a:t>27</a:t>
-            </a:fld>
-            <a:r>
-              <a:rPr lang="en-US" altLang="ko-KR"/>
-              <a:t>/35</a:t>
-            </a:r>
-            <a:endParaRPr lang="ko-KR" altLang="en-US" dirty="0"/>
-          </a:p>
-        </p:txBody>
-      </p:sp>
-      <p:pic>
-        <p:nvPicPr>
-          <p:cNvPr id="17" name="Google Shape;460;p47">
-            <a:extLst>
-              <a:ext uri="{FF2B5EF4-FFF2-40B4-BE49-F238E27FC236}">
-                <a16:creationId xmlns:a16="http://schemas.microsoft.com/office/drawing/2014/main" id="{80EC1B78-CFDE-41C4-9B7B-A06E80F91CE6}"/>
-              </a:ext>
-            </a:extLst>
-          </p:cNvPr>
-          <p:cNvPicPr preferRelativeResize="0"/>
-          <p:nvPr/>
-        </p:nvPicPr>
-        <p:blipFill rotWithShape="1">
-          <a:blip r:embed="rId3">
-            <a:alphaModFix/>
-          </a:blip>
-          <a:srcRect/>
-          <a:stretch/>
-        </p:blipFill>
-        <p:spPr>
-          <a:xfrm>
-            <a:off x="5473151" y="2827443"/>
-            <a:ext cx="6222406" cy="3487215"/>
-          </a:xfrm>
-          <a:prstGeom prst="rect">
-            <a:avLst/>
-          </a:prstGeom>
-          <a:noFill/>
-          <a:ln w="9525" cap="flat" cmpd="sng">
-            <a:solidFill>
-              <a:schemeClr val="dk1"/>
-            </a:solidFill>
-            <a:prstDash val="solid"/>
-            <a:round/>
-            <a:headEnd type="none" w="sm" len="sm"/>
-            <a:tailEnd type="none" w="sm" len="sm"/>
-          </a:ln>
-        </p:spPr>
-      </p:pic>
-      <p:sp>
-        <p:nvSpPr>
-          <p:cNvPr id="18" name="Google Shape;462;p47">
-            <a:extLst>
-              <a:ext uri="{FF2B5EF4-FFF2-40B4-BE49-F238E27FC236}">
-                <a16:creationId xmlns:a16="http://schemas.microsoft.com/office/drawing/2014/main" id="{83C68C3E-FCAC-4BA0-B194-78C68999437D}"/>
-              </a:ext>
-            </a:extLst>
-          </p:cNvPr>
-          <p:cNvSpPr txBox="1">
-            <a:spLocks noGrp="1"/>
-          </p:cNvSpPr>
-          <p:nvPr>
-            <p:ph type="body" idx="1"/>
-          </p:nvPr>
-        </p:nvSpPr>
-        <p:spPr>
-          <a:xfrm>
-            <a:off x="605980" y="1138159"/>
-            <a:ext cx="11195495" cy="1645899"/>
+        <p:spPr>
+          <a:xfrm>
+            <a:off x="520375" y="1153772"/>
+            <a:ext cx="11265600" cy="1326600"/>
           </a:xfrm>
           <a:prstGeom prst="rect">
             <a:avLst/>
@@ -17555,223 +17278,182 @@
           </a:ln>
         </p:spPr>
         <p:txBody>
-          <a:bodyPr spcFirstLastPara="1" wrap="square" lIns="91425" tIns="45700" rIns="91425" bIns="45700" anchor="t" anchorCtr="0">
-            <a:normAutofit/>
+          <a:bodyPr spcFirstLastPara="1" wrap="square" lIns="121900" tIns="121900" rIns="121900" bIns="121900" anchor="t" anchorCtr="0">
+            <a:noAutofit/>
           </a:bodyPr>
           <a:lstStyle/>
           <a:p>
-            <a:pPr marL="177800" lvl="0" indent="0" algn="l" rtl="0">
-              <a:lnSpc>
-                <a:spcPct val="90000"/>
-              </a:lnSpc>
-              <a:spcBef>
-                <a:spcPts val="0"/>
-              </a:spcBef>
-              <a:spcAft>
-                <a:spcPts val="0"/>
-              </a:spcAft>
-              <a:buSzPts val="2800"/>
-              <a:buNone/>
-            </a:pPr>
-            <a:r>
-              <a:rPr lang="ko-KR" sz="1800" b="1" dirty="0"/>
-              <a:t>OCP</a:t>
-            </a:r>
-            <a:r>
-              <a:rPr lang="ko-KR" sz="1800" dirty="0"/>
-              <a:t> :</a:t>
-            </a:r>
-            <a:endParaRPr dirty="0"/>
-          </a:p>
-          <a:p>
-            <a:pPr marL="177800" lvl="0" indent="0" algn="l" rtl="0">
-              <a:lnSpc>
-                <a:spcPct val="90000"/>
-              </a:lnSpc>
-              <a:spcBef>
-                <a:spcPts val="0"/>
-              </a:spcBef>
-              <a:spcAft>
-                <a:spcPts val="0"/>
-              </a:spcAft>
-              <a:buSzPts val="2800"/>
-              <a:buNone/>
-            </a:pPr>
-            <a:r>
-              <a:rPr lang="ko-KR" sz="1800" dirty="0" err="1"/>
-              <a:t>Test</a:t>
-            </a:r>
-            <a:r>
-              <a:rPr lang="ko-KR" sz="1800" dirty="0"/>
-              <a:t> </a:t>
-            </a:r>
-            <a:r>
-              <a:rPr lang="ko-KR" sz="1800" dirty="0" err="1"/>
-              <a:t>Scenario</a:t>
-            </a:r>
-            <a:r>
-              <a:rPr lang="ko-KR" sz="1800" dirty="0"/>
-              <a:t> 기능을 구현하다가 </a:t>
-            </a:r>
-            <a:r>
-              <a:rPr lang="ko-KR" sz="1800" dirty="0" err="1"/>
-              <a:t>Test</a:t>
-            </a:r>
-            <a:r>
-              <a:rPr lang="ko-KR" sz="1800" dirty="0"/>
-              <a:t> </a:t>
-            </a:r>
-            <a:r>
-              <a:rPr lang="ko-KR" sz="1800" dirty="0" err="1"/>
-              <a:t>Scenario</a:t>
-            </a:r>
-            <a:r>
-              <a:rPr lang="ko-KR" sz="1800" dirty="0"/>
-              <a:t> 기능이 추가될 수 있다고 생각하여</a:t>
-            </a:r>
-            <a:br>
-              <a:rPr lang="ko-KR" sz="1800" dirty="0"/>
-            </a:br>
-            <a:r>
-              <a:rPr lang="ko-KR" sz="1800" dirty="0" err="1"/>
-              <a:t>OCP를</a:t>
-            </a:r>
-            <a:r>
-              <a:rPr lang="ko-KR" sz="1800" dirty="0"/>
-              <a:t> 만족할 수 있게끔, 인터페이스를 분리하고 공통 부분을 </a:t>
-            </a:r>
-            <a:r>
-              <a:rPr lang="ko-KR" sz="1800" dirty="0" err="1"/>
-              <a:t>abstract</a:t>
-            </a:r>
-            <a:r>
-              <a:rPr lang="ko-KR" sz="1800" dirty="0"/>
-              <a:t> 클래스로 구현하였습니다.</a:t>
-            </a:r>
-            <a:endParaRPr dirty="0"/>
-          </a:p>
-          <a:p>
-            <a:pPr marL="177800" lvl="0" indent="0" algn="l" rtl="0">
-              <a:lnSpc>
-                <a:spcPct val="90000"/>
-              </a:lnSpc>
-              <a:spcBef>
-                <a:spcPts val="0"/>
-              </a:spcBef>
-              <a:spcAft>
-                <a:spcPts val="0"/>
-              </a:spcAft>
-              <a:buSzPts val="2800"/>
-              <a:buNone/>
-            </a:pPr>
-            <a:endParaRPr sz="1800" dirty="0"/>
-          </a:p>
-          <a:p>
-            <a:pPr marL="177800" lvl="0" indent="0" algn="l" rtl="0">
-              <a:lnSpc>
-                <a:spcPct val="90000"/>
-              </a:lnSpc>
-              <a:spcBef>
-                <a:spcPts val="0"/>
-              </a:spcBef>
-              <a:spcAft>
-                <a:spcPts val="0"/>
-              </a:spcAft>
-              <a:buSzPts val="2800"/>
-              <a:buNone/>
-            </a:pPr>
-            <a:r>
-              <a:rPr lang="ko-KR" sz="1800" b="1" dirty="0" err="1"/>
-              <a:t>Factory</a:t>
-            </a:r>
-            <a:r>
-              <a:rPr lang="ko-KR" sz="1800" b="1" dirty="0"/>
-              <a:t> 패턴 :</a:t>
-            </a:r>
-            <a:endParaRPr dirty="0"/>
-          </a:p>
-          <a:p>
-            <a:pPr marL="177800" lvl="0" indent="0" algn="l" rtl="0">
-              <a:lnSpc>
-                <a:spcPct val="90000"/>
-              </a:lnSpc>
-              <a:spcBef>
-                <a:spcPts val="0"/>
-              </a:spcBef>
-              <a:spcAft>
-                <a:spcPts val="0"/>
-              </a:spcAft>
-              <a:buSzPts val="2800"/>
-              <a:buNone/>
-            </a:pPr>
-            <a:r>
-              <a:rPr lang="ko-KR" sz="1800" dirty="0" err="1"/>
-              <a:t>OCP로</a:t>
-            </a:r>
-            <a:r>
-              <a:rPr lang="ko-KR" sz="1800" dirty="0"/>
-              <a:t> 여러 개로 구현된 </a:t>
-            </a:r>
-            <a:r>
-              <a:rPr lang="ko-KR" sz="1800" dirty="0" err="1"/>
-              <a:t>Concrete</a:t>
-            </a:r>
-            <a:r>
-              <a:rPr lang="ko-KR" sz="1800" dirty="0"/>
-              <a:t> </a:t>
-            </a:r>
-            <a:r>
-              <a:rPr lang="ko-KR" sz="1800" dirty="0" err="1"/>
-              <a:t>Class들을</a:t>
-            </a:r>
-            <a:r>
-              <a:rPr lang="ko-KR" sz="1800" dirty="0"/>
-              <a:t> 실사용하기 편리하도록 </a:t>
-            </a:r>
-            <a:r>
-              <a:rPr lang="ko-KR" sz="1800" dirty="0" err="1"/>
-              <a:t>Factory</a:t>
-            </a:r>
-            <a:r>
-              <a:rPr lang="ko-KR" sz="1800" dirty="0"/>
-              <a:t> 패턴을 사용하였습니다.</a:t>
-            </a:r>
-            <a:endParaRPr dirty="0"/>
-          </a:p>
-          <a:p>
-            <a:pPr marL="177800" lvl="0" indent="0" algn="l" rtl="0">
-              <a:lnSpc>
-                <a:spcPct val="90000"/>
-              </a:lnSpc>
-              <a:spcBef>
-                <a:spcPts val="0"/>
-              </a:spcBef>
-              <a:spcAft>
-                <a:spcPts val="0"/>
-              </a:spcAft>
-              <a:buSzPts val="2800"/>
-              <a:buNone/>
-            </a:pPr>
-            <a:endParaRPr sz="1800" dirty="0"/>
+            <a:pPr marL="0" lvl="0" indent="0" algn="l" rtl="0">
+              <a:spcBef>
+                <a:spcPts val="0"/>
+              </a:spcBef>
+              <a:spcAft>
+                <a:spcPts val="0"/>
+              </a:spcAft>
+              <a:buNone/>
+            </a:pPr>
+            <a:r>
+              <a:rPr lang="ko-KR" sz="1500" dirty="0">
+                <a:solidFill>
+                  <a:schemeClr val="dk1"/>
+                </a:solidFill>
+              </a:rPr>
+              <a:t>- 기존 </a:t>
+            </a:r>
+            <a:r>
+              <a:rPr lang="ko-KR" sz="1500" dirty="0" err="1">
+                <a:solidFill>
+                  <a:schemeClr val="dk1"/>
+                </a:solidFill>
+              </a:rPr>
+              <a:t>Processor</a:t>
+            </a:r>
+            <a:r>
+              <a:rPr lang="ko-KR" sz="1500" dirty="0">
+                <a:solidFill>
+                  <a:schemeClr val="dk1"/>
+                </a:solidFill>
+              </a:rPr>
+              <a:t> 클래스에 명령어 처리 로직이 메서드 단위로 개발되어 있고, </a:t>
+            </a:r>
+            <a:endParaRPr sz="1500" dirty="0">
+              <a:solidFill>
+                <a:schemeClr val="dk1"/>
+              </a:solidFill>
+            </a:endParaRPr>
+          </a:p>
+          <a:p>
+            <a:pPr marL="0" lvl="0" indent="0" algn="l" rtl="0">
+              <a:spcBef>
+                <a:spcPts val="0"/>
+              </a:spcBef>
+              <a:spcAft>
+                <a:spcPts val="0"/>
+              </a:spcAft>
+              <a:buNone/>
+            </a:pPr>
+            <a:r>
+              <a:rPr lang="ko-KR" sz="1500" dirty="0">
+                <a:solidFill>
+                  <a:schemeClr val="dk1"/>
+                </a:solidFill>
+              </a:rPr>
+              <a:t>   SSD.jar </a:t>
+            </a:r>
+            <a:r>
+              <a:rPr lang="ko-KR" sz="1500" dirty="0" err="1">
+                <a:solidFill>
+                  <a:schemeClr val="dk1"/>
+                </a:solidFill>
+              </a:rPr>
+              <a:t>를</a:t>
+            </a:r>
+            <a:r>
+              <a:rPr lang="ko-KR" sz="1500" dirty="0">
+                <a:solidFill>
+                  <a:schemeClr val="dk1"/>
+                </a:solidFill>
+              </a:rPr>
+              <a:t> 호출하는 기능도 클래스 안에 개발되어 있어 SRP 위반</a:t>
+            </a:r>
+            <a:endParaRPr sz="1500" dirty="0">
+              <a:solidFill>
+                <a:schemeClr val="dk1"/>
+              </a:solidFill>
+            </a:endParaRPr>
+          </a:p>
+          <a:p>
+            <a:pPr marL="0" lvl="0" indent="0" algn="l" rtl="0">
+              <a:spcBef>
+                <a:spcPts val="0"/>
+              </a:spcBef>
+              <a:spcAft>
+                <a:spcPts val="0"/>
+              </a:spcAft>
+              <a:buNone/>
+            </a:pPr>
+            <a:r>
+              <a:rPr lang="ko-KR" sz="1500" dirty="0">
+                <a:solidFill>
+                  <a:schemeClr val="dk1"/>
+                </a:solidFill>
+              </a:rPr>
+              <a:t>- 새로운 명령어가 추가되는 경우에 조건문이 </a:t>
+            </a:r>
+            <a:r>
+              <a:rPr lang="ko-KR" sz="1500" dirty="0" err="1">
+                <a:solidFill>
+                  <a:schemeClr val="dk1"/>
+                </a:solidFill>
+              </a:rPr>
+              <a:t>복잡해지거나</a:t>
+            </a:r>
+            <a:r>
+              <a:rPr lang="ko-KR" sz="1500" dirty="0">
+                <a:solidFill>
+                  <a:schemeClr val="dk1"/>
+                </a:solidFill>
+              </a:rPr>
+              <a:t> 기존 기능에 영향을 줄 수 있음</a:t>
+            </a:r>
+            <a:endParaRPr sz="1500" dirty="0">
+              <a:solidFill>
+                <a:schemeClr val="dk1"/>
+              </a:solidFill>
+            </a:endParaRPr>
+          </a:p>
+          <a:p>
+            <a:pPr marL="0" lvl="0" indent="0" algn="l" rtl="0">
+              <a:spcBef>
+                <a:spcPts val="0"/>
+              </a:spcBef>
+              <a:spcAft>
+                <a:spcPts val="0"/>
+              </a:spcAft>
+              <a:buNone/>
+            </a:pPr>
+            <a:r>
+              <a:rPr lang="ko-KR" sz="1500" dirty="0">
+                <a:solidFill>
+                  <a:schemeClr val="dk1"/>
+                </a:solidFill>
+              </a:rPr>
+              <a:t>- </a:t>
+            </a:r>
+            <a:r>
+              <a:rPr lang="ko-KR" sz="1500" dirty="0" err="1">
+                <a:solidFill>
+                  <a:schemeClr val="dk1"/>
+                </a:solidFill>
+              </a:rPr>
+              <a:t>Command</a:t>
+            </a:r>
+            <a:r>
+              <a:rPr lang="ko-KR" sz="1500" dirty="0">
+                <a:solidFill>
+                  <a:schemeClr val="dk1"/>
+                </a:solidFill>
+              </a:rPr>
+              <a:t> 패턴 적용을 하여 명령어의 책임을 분리</a:t>
+            </a:r>
+            <a:endParaRPr sz="1500" dirty="0">
+              <a:solidFill>
+                <a:schemeClr val="dk1"/>
+              </a:solidFill>
+            </a:endParaRPr>
           </a:p>
         </p:txBody>
       </p:sp>
       <p:sp>
         <p:nvSpPr>
-          <p:cNvPr id="19" name="Google Shape;463;p47">
-            <a:extLst>
-              <a:ext uri="{FF2B5EF4-FFF2-40B4-BE49-F238E27FC236}">
-                <a16:creationId xmlns:a16="http://schemas.microsoft.com/office/drawing/2014/main" id="{4E2C76CA-187D-4079-AFD1-D71630925F7A}"/>
-              </a:ext>
-            </a:extLst>
-          </p:cNvPr>
+          <p:cNvPr id="451" name="Google Shape;451;p46"/>
           <p:cNvSpPr txBox="1"/>
           <p:nvPr/>
         </p:nvSpPr>
         <p:spPr>
           <a:xfrm>
-            <a:off x="941860" y="4327108"/>
-            <a:ext cx="1104846" cy="369332"/>
+            <a:off x="1367400" y="5660100"/>
+            <a:ext cx="6023100" cy="804000"/>
           </a:xfrm>
           <a:prstGeom prst="rect">
             <a:avLst/>
@@ -17782,67 +17464,78 @@
           </a:ln>
         </p:spPr>
         <p:txBody>
-          <a:bodyPr spcFirstLastPara="1" wrap="square" lIns="91425" tIns="45700" rIns="91425" bIns="45700" anchor="t" anchorCtr="0">
-            <a:spAutoFit/>
+          <a:bodyPr spcFirstLastPara="1" wrap="square" lIns="121900" tIns="121900" rIns="121900" bIns="121900" anchor="t" anchorCtr="0">
+            <a:noAutofit/>
           </a:bodyPr>
           <a:lstStyle/>
           <a:p>
-            <a:pPr marL="0" marR="0" lvl="0" indent="0" algn="l" rtl="0">
-              <a:spcBef>
-                <a:spcPts val="0"/>
-              </a:spcBef>
-              <a:spcAft>
-                <a:spcPts val="0"/>
-              </a:spcAft>
-              <a:buNone/>
-            </a:pPr>
-            <a:r>
-              <a:rPr lang="ko-KR" sz="1800" b="1" i="0" u="none" strike="noStrike" cap="none">
+            <a:pPr marL="0" lvl="0" indent="0" algn="l" rtl="0">
+              <a:spcBef>
+                <a:spcPts val="0"/>
+              </a:spcBef>
+              <a:spcAft>
+                <a:spcPts val="0"/>
+              </a:spcAft>
+              <a:buNone/>
+            </a:pPr>
+            <a:r>
+              <a:rPr lang="ko-KR" sz="1200">
                 <a:solidFill>
                   <a:schemeClr val="dk1"/>
                 </a:solidFill>
-                <a:latin typeface="Malgun Gothic"/>
-                <a:ea typeface="Malgun Gothic"/>
-                <a:cs typeface="Malgun Gothic"/>
-                <a:sym typeface="Malgun Gothic"/>
               </a:rPr>
-              <a:t>AS-IS</a:t>
-            </a:r>
-            <a:endParaRPr sz="1800" b="1">
+              <a:t> 명령어 처리 방식 변경 : </a:t>
+            </a:r>
+            <a:endParaRPr sz="1200">
               <a:solidFill>
                 <a:schemeClr val="dk1"/>
               </a:solidFill>
-              <a:latin typeface="Malgun Gothic"/>
-              <a:ea typeface="Malgun Gothic"/>
-              <a:cs typeface="Malgun Gothic"/>
-              <a:sym typeface="Malgun Gothic"/>
+            </a:endParaRPr>
+          </a:p>
+          <a:p>
+            <a:pPr marL="0" lvl="0" indent="0" algn="l" rtl="0">
+              <a:spcBef>
+                <a:spcPts val="0"/>
+              </a:spcBef>
+              <a:spcAft>
+                <a:spcPts val="0"/>
+              </a:spcAft>
+              <a:buNone/>
+            </a:pPr>
+            <a:r>
+              <a:rPr lang="ko-KR" sz="1200">
+                <a:solidFill>
+                  <a:schemeClr val="dk1"/>
+                </a:solidFill>
+              </a:rPr>
+              <a:t> command 별 메서드 호출하는 부분을 Command 객체에 위임하는 방식으로 변경</a:t>
+            </a:r>
+            <a:endParaRPr sz="1200">
+              <a:solidFill>
+                <a:schemeClr val="dk1"/>
+              </a:solidFill>
             </a:endParaRPr>
           </a:p>
         </p:txBody>
       </p:sp>
       <p:pic>
         <p:nvPicPr>
-          <p:cNvPr id="20" name="Google Shape;464;p47">
-            <a:extLst>
-              <a:ext uri="{FF2B5EF4-FFF2-40B4-BE49-F238E27FC236}">
-                <a16:creationId xmlns:a16="http://schemas.microsoft.com/office/drawing/2014/main" id="{061B7235-B44A-4C38-9445-E47C4C9561D6}"/>
-              </a:ext>
-            </a:extLst>
-          </p:cNvPr>
+          <p:cNvPr id="452" name="Google Shape;452;p46"/>
           <p:cNvPicPr preferRelativeResize="0"/>
           <p:nvPr/>
         </p:nvPicPr>
-        <p:blipFill rotWithShape="1">
-          <a:blip r:embed="rId4">
+        <p:blipFill>
+          <a:blip r:embed="rId3">
             <a:alphaModFix/>
           </a:blip>
-          <a:srcRect/>
-          <a:stretch/>
+          <a:stretch>
+            <a:fillRect/>
+          </a:stretch>
         </p:blipFill>
         <p:spPr>
           <a:xfrm>
-            <a:off x="1868044" y="3931821"/>
-            <a:ext cx="2105025" cy="1247775"/>
+            <a:off x="6281567" y="3548900"/>
+            <a:ext cx="4283066" cy="1959200"/>
           </a:xfrm>
           <a:prstGeom prst="rect">
             <a:avLst/>
@@ -17853,22 +17546,24 @@
           </a:ln>
         </p:spPr>
       </p:pic>
-      <p:sp>
-        <p:nvSpPr>
-          <p:cNvPr id="21" name="Google Shape;465;p47">
-            <a:extLst>
-              <a:ext uri="{FF2B5EF4-FFF2-40B4-BE49-F238E27FC236}">
-                <a16:creationId xmlns:a16="http://schemas.microsoft.com/office/drawing/2014/main" id="{3A3F7315-85BA-4C2D-AFA4-146E0A7E877E}"/>
-              </a:ext>
-            </a:extLst>
-          </p:cNvPr>
-          <p:cNvSpPr txBox="1"/>
+      <p:pic>
+        <p:nvPicPr>
+          <p:cNvPr id="453" name="Google Shape;453;p46"/>
+          <p:cNvPicPr preferRelativeResize="0"/>
           <p:nvPr/>
-        </p:nvSpPr>
-        <p:spPr>
-          <a:xfrm>
-            <a:off x="5524501" y="4346843"/>
-            <a:ext cx="1104846" cy="369332"/>
+        </p:nvPicPr>
+        <p:blipFill>
+          <a:blip r:embed="rId4">
+            <a:alphaModFix/>
+          </a:blip>
+          <a:stretch>
+            <a:fillRect/>
+          </a:stretch>
+        </p:blipFill>
+        <p:spPr>
+          <a:xfrm>
+            <a:off x="6281566" y="2686467"/>
+            <a:ext cx="3411287" cy="763600"/>
           </a:xfrm>
           <a:prstGeom prst="rect">
             <a:avLst/>
@@ -17878,61 +17573,45 @@
             <a:noFill/>
           </a:ln>
         </p:spPr>
-        <p:txBody>
-          <a:bodyPr spcFirstLastPara="1" wrap="square" lIns="91425" tIns="45700" rIns="91425" bIns="45700" anchor="t" anchorCtr="0">
-            <a:spAutoFit/>
-          </a:bodyPr>
-          <a:lstStyle/>
-          <a:p>
-            <a:pPr marL="0" marR="0" lvl="0" indent="0" algn="l" rtl="0">
-              <a:spcBef>
-                <a:spcPts val="0"/>
-              </a:spcBef>
-              <a:spcAft>
-                <a:spcPts val="0"/>
-              </a:spcAft>
-              <a:buNone/>
-            </a:pPr>
-            <a:r>
-              <a:rPr lang="ko-KR" sz="1800" b="1">
-                <a:solidFill>
-                  <a:schemeClr val="dk1"/>
-                </a:solidFill>
-                <a:latin typeface="Malgun Gothic"/>
-                <a:ea typeface="Malgun Gothic"/>
-                <a:cs typeface="Malgun Gothic"/>
-                <a:sym typeface="Malgun Gothic"/>
-              </a:rPr>
-              <a:t>TO-BE</a:t>
-            </a:r>
-            <a:endParaRPr sz="1800" b="1">
-              <a:solidFill>
-                <a:schemeClr val="dk1"/>
-              </a:solidFill>
-              <a:latin typeface="Malgun Gothic"/>
-              <a:ea typeface="Malgun Gothic"/>
-              <a:cs typeface="Malgun Gothic"/>
-              <a:sym typeface="Malgun Gothic"/>
-            </a:endParaRPr>
-          </a:p>
-        </p:txBody>
-      </p:sp>
+      </p:pic>
+      <p:pic>
+        <p:nvPicPr>
+          <p:cNvPr id="454" name="Google Shape;454;p46"/>
+          <p:cNvPicPr preferRelativeResize="0"/>
+          <p:nvPr/>
+        </p:nvPicPr>
+        <p:blipFill>
+          <a:blip r:embed="rId5">
+            <a:alphaModFix/>
+          </a:blip>
+          <a:stretch>
+            <a:fillRect/>
+          </a:stretch>
+        </p:blipFill>
+        <p:spPr>
+          <a:xfrm>
+            <a:off x="1367400" y="2686467"/>
+            <a:ext cx="3655215" cy="2879866"/>
+          </a:xfrm>
+          <a:prstGeom prst="rect">
+            <a:avLst/>
+          </a:prstGeom>
+          <a:noFill/>
+          <a:ln>
+            <a:noFill/>
+          </a:ln>
+        </p:spPr>
+      </p:pic>
       <p:sp>
         <p:nvSpPr>
-          <p:cNvPr id="22" name="Google Shape;466;p47">
-            <a:extLst>
-              <a:ext uri="{FF2B5EF4-FFF2-40B4-BE49-F238E27FC236}">
-                <a16:creationId xmlns:a16="http://schemas.microsoft.com/office/drawing/2014/main" id="{51FB87C5-2285-4D01-9B49-8EE879903EFE}"/>
-              </a:ext>
-            </a:extLst>
-          </p:cNvPr>
+          <p:cNvPr id="455" name="Google Shape;455;p46"/>
           <p:cNvSpPr/>
           <p:nvPr/>
         </p:nvSpPr>
         <p:spPr>
           <a:xfrm>
-            <a:off x="4123183" y="4327108"/>
-            <a:ext cx="1123950" cy="361950"/>
+            <a:off x="5353400" y="4041767"/>
+            <a:ext cx="520500" cy="308700"/>
           </a:xfrm>
           <a:prstGeom prst="rightArrow">
             <a:avLst>
@@ -17941,100 +17620,34 @@
             </a:avLst>
           </a:prstGeom>
           <a:solidFill>
-            <a:schemeClr val="accent1"/>
+            <a:schemeClr val="lt2"/>
           </a:solidFill>
-          <a:ln w="12700" cap="flat" cmpd="sng">
+          <a:ln w="9525" cap="flat" cmpd="sng">
             <a:solidFill>
-              <a:srgbClr val="31538F"/>
+              <a:schemeClr val="dk2"/>
             </a:solidFill>
             <a:prstDash val="solid"/>
-            <a:miter lim="800000"/>
+            <a:round/>
             <a:headEnd type="none" w="sm" len="sm"/>
             <a:tailEnd type="none" w="sm" len="sm"/>
           </a:ln>
         </p:spPr>
         <p:txBody>
-          <a:bodyPr spcFirstLastPara="1" wrap="square" lIns="91425" tIns="45700" rIns="91425" bIns="45700" anchor="ctr" anchorCtr="0">
+          <a:bodyPr spcFirstLastPara="1" wrap="square" lIns="121900" tIns="121900" rIns="121900" bIns="121900" anchor="ctr" anchorCtr="0">
             <a:noAutofit/>
           </a:bodyPr>
           <a:lstStyle/>
           <a:p>
-            <a:pPr marL="0" marR="0" lvl="0" indent="0" algn="ctr" rtl="0">
-              <a:spcBef>
-                <a:spcPts val="0"/>
-              </a:spcBef>
-              <a:spcAft>
-                <a:spcPts val="0"/>
-              </a:spcAft>
-              <a:buNone/>
-            </a:pPr>
-            <a:endParaRPr sz="1800">
-              <a:solidFill>
-                <a:schemeClr val="lt1"/>
-              </a:solidFill>
-              <a:latin typeface="Malgun Gothic"/>
-              <a:ea typeface="Malgun Gothic"/>
-              <a:cs typeface="Malgun Gothic"/>
-              <a:sym typeface="Malgun Gothic"/>
-            </a:endParaRPr>
-          </a:p>
-        </p:txBody>
-      </p:sp>
-      <p:sp>
-        <p:nvSpPr>
-          <p:cNvPr id="23" name="Google Shape;467;p47">
-            <a:extLst>
-              <a:ext uri="{FF2B5EF4-FFF2-40B4-BE49-F238E27FC236}">
-                <a16:creationId xmlns:a16="http://schemas.microsoft.com/office/drawing/2014/main" id="{CF46FC0E-BA96-4E50-B86C-F3AB84178D6F}"/>
-              </a:ext>
-            </a:extLst>
-          </p:cNvPr>
-          <p:cNvSpPr/>
-          <p:nvPr/>
-        </p:nvSpPr>
-        <p:spPr>
-          <a:xfrm>
-            <a:off x="941860" y="3717508"/>
-            <a:ext cx="3106266" cy="1645899"/>
-          </a:xfrm>
-          <a:prstGeom prst="rect">
-            <a:avLst/>
-          </a:prstGeom>
-          <a:noFill/>
-          <a:ln w="12700" cap="flat" cmpd="sng">
-            <a:solidFill>
-              <a:schemeClr val="dk1"/>
-            </a:solidFill>
-            <a:prstDash val="solid"/>
-            <a:miter lim="800000"/>
-            <a:headEnd type="none" w="sm" len="sm"/>
-            <a:tailEnd type="none" w="sm" len="sm"/>
-          </a:ln>
-        </p:spPr>
-        <p:txBody>
-          <a:bodyPr spcFirstLastPara="1" wrap="square" lIns="91425" tIns="45700" rIns="91425" bIns="45700" anchor="ctr" anchorCtr="0">
-            <a:noAutofit/>
-          </a:bodyPr>
-          <a:lstStyle/>
-          <a:p>
-            <a:pPr marL="0" marR="0" lvl="0" indent="0" algn="ctr" rtl="0">
-              <a:spcBef>
-                <a:spcPts val="0"/>
-              </a:spcBef>
-              <a:spcAft>
-                <a:spcPts val="0"/>
-              </a:spcAft>
-              <a:buNone/>
-            </a:pPr>
-            <a:endParaRPr sz="1800">
-              <a:solidFill>
-                <a:schemeClr val="lt1"/>
-              </a:solidFill>
-              <a:latin typeface="Malgun Gothic"/>
-              <a:ea typeface="Malgun Gothic"/>
-              <a:cs typeface="Malgun Gothic"/>
-              <a:sym typeface="Malgun Gothic"/>
-            </a:endParaRPr>
+            <a:pPr marL="0" lvl="0" indent="0" algn="ctr" rtl="0">
+              <a:spcBef>
+                <a:spcPts val="0"/>
+              </a:spcBef>
+              <a:spcAft>
+                <a:spcPts val="0"/>
+              </a:spcAft>
+              <a:buNone/>
+            </a:pPr>
+            <a:endParaRPr sz="1900"/>
           </a:p>
         </p:txBody>
       </p:sp>
@@ -18115,11 +17728,11 @@
             </a:r>
             <a:r>
               <a:rPr lang="ko-KR" altLang="ko-KR" dirty="0"/>
-              <a:t> - </a:t>
+              <a:t> - OCP + </a:t>
             </a:r>
             <a:r>
               <a:rPr lang="ko-KR" altLang="ko-KR" dirty="0" err="1"/>
-              <a:t>Singleton</a:t>
+              <a:t>Factory</a:t>
             </a:r>
             <a:r>
               <a:rPr lang="ko-KR" altLang="ko-KR" dirty="0"/>
@@ -18145,12 +17758,7 @@
             <p:ph type="sldNum" idx="12"/>
           </p:nvPr>
         </p:nvSpPr>
-        <p:spPr>
-          <a:xfrm>
-            <a:off x="0" y="6304335"/>
-            <a:ext cx="12192000" cy="365125"/>
-          </a:xfrm>
-        </p:spPr>
+        <p:spPr/>
         <p:txBody>
           <a:bodyPr/>
           <a:lstStyle/>
@@ -18168,123 +17776,12 @@
           </a:p>
         </p:txBody>
       </p:sp>
-      <p:sp>
-        <p:nvSpPr>
-          <p:cNvPr id="20" name="Google Shape;473;p48">
+      <p:pic>
+        <p:nvPicPr>
+          <p:cNvPr id="17" name="Google Shape;460;p47">
             <a:extLst>
               <a:ext uri="{FF2B5EF4-FFF2-40B4-BE49-F238E27FC236}">
-                <a16:creationId xmlns:a16="http://schemas.microsoft.com/office/drawing/2014/main" id="{971601ED-20CC-42ED-9853-14D1BC360C66}"/>
-              </a:ext>
-            </a:extLst>
-          </p:cNvPr>
-          <p:cNvSpPr txBox="1">
-            <a:spLocks noGrp="1"/>
-          </p:cNvSpPr>
-          <p:nvPr>
-            <p:ph type="body" idx="1"/>
-          </p:nvPr>
-        </p:nvSpPr>
-        <p:spPr>
-          <a:xfrm>
-            <a:off x="388175" y="965100"/>
-            <a:ext cx="11415600" cy="768300"/>
-          </a:xfrm>
-          <a:prstGeom prst="rect">
-            <a:avLst/>
-          </a:prstGeom>
-          <a:noFill/>
-          <a:ln>
-            <a:noFill/>
-          </a:ln>
-        </p:spPr>
-        <p:txBody>
-          <a:bodyPr spcFirstLastPara="1" wrap="square" lIns="91425" tIns="45700" rIns="91425" bIns="45700" anchor="t" anchorCtr="0">
-            <a:normAutofit/>
-          </a:bodyPr>
-          <a:lstStyle/>
-          <a:p>
-            <a:pPr marL="635000" lvl="0" indent="-457200" algn="l" rtl="0">
-              <a:lnSpc>
-                <a:spcPct val="90000"/>
-              </a:lnSpc>
-              <a:spcBef>
-                <a:spcPts val="0"/>
-              </a:spcBef>
-              <a:spcAft>
-                <a:spcPts val="0"/>
-              </a:spcAft>
-              <a:buSzPts val="2800"/>
-              <a:buChar char="•"/>
-            </a:pPr>
-            <a:r>
-              <a:rPr lang="ko-KR" sz="1800" dirty="0"/>
-              <a:t>기존에는 앞선 </a:t>
-            </a:r>
-            <a:r>
-              <a:rPr lang="ko-KR" sz="1800" dirty="0" err="1"/>
-              <a:t>Factory</a:t>
-            </a:r>
-            <a:r>
-              <a:rPr lang="ko-KR" sz="1800" dirty="0"/>
-              <a:t> 방식을 통해 매번 </a:t>
-            </a:r>
-            <a:r>
-              <a:rPr lang="ko-KR" sz="1800" dirty="0" err="1"/>
-              <a:t>Concrete</a:t>
-            </a:r>
-            <a:r>
-              <a:rPr lang="ko-KR" sz="1800" dirty="0"/>
-              <a:t> </a:t>
-            </a:r>
-            <a:r>
-              <a:rPr lang="ko-KR" sz="1800" dirty="0" err="1"/>
-              <a:t>TestScenario</a:t>
-            </a:r>
-            <a:r>
-              <a:rPr lang="ko-KR" sz="1800" dirty="0"/>
-              <a:t> 객체를 생성하고 있었으나,</a:t>
-            </a:r>
-            <a:br>
-              <a:rPr lang="ko-KR" sz="1800" dirty="0"/>
-            </a:br>
-            <a:r>
-              <a:rPr lang="ko-KR" sz="1800" dirty="0"/>
-              <a:t>해당 객체가 매번 새로 </a:t>
-            </a:r>
-            <a:r>
-              <a:rPr lang="ko-KR" sz="1800" dirty="0" err="1"/>
-              <a:t>생성되어야할</a:t>
-            </a:r>
-            <a:r>
-              <a:rPr lang="ko-KR" sz="1800" dirty="0"/>
-              <a:t> 필요가 없음을 발견하고 </a:t>
-            </a:r>
-            <a:r>
-              <a:rPr lang="ko-KR" sz="1800" dirty="0" err="1"/>
-              <a:t>Singleton으로</a:t>
-            </a:r>
-            <a:r>
-              <a:rPr lang="ko-KR" sz="1800" dirty="0"/>
-              <a:t> </a:t>
-            </a:r>
-            <a:r>
-              <a:rPr lang="ko-KR" sz="1800" dirty="0" err="1"/>
-              <a:t>리팩토링</a:t>
-            </a:r>
-            <a:r>
-              <a:rPr lang="ko-KR" sz="1800" dirty="0"/>
-              <a:t> 진행하였습니다.</a:t>
-            </a:r>
-            <a:endParaRPr sz="1800" dirty="0"/>
-          </a:p>
-        </p:txBody>
-      </p:sp>
-      <p:pic>
-        <p:nvPicPr>
-          <p:cNvPr id="21" name="Google Shape;474;p48">
-            <a:extLst>
-              <a:ext uri="{FF2B5EF4-FFF2-40B4-BE49-F238E27FC236}">
-                <a16:creationId xmlns:a16="http://schemas.microsoft.com/office/drawing/2014/main" id="{49E644CF-C8AD-4929-95F3-3AFC6E69F45D}"/>
+                <a16:creationId xmlns:a16="http://schemas.microsoft.com/office/drawing/2014/main" id="{80EC1B78-CFDE-41C4-9B7B-A06E80F91CE6}"/>
               </a:ext>
             </a:extLst>
           </p:cNvPr>
@@ -18300,8 +17797,44 @@
         </p:blipFill>
         <p:spPr>
           <a:xfrm>
-            <a:off x="6362633" y="4562150"/>
-            <a:ext cx="5417173" cy="1606695"/>
+            <a:off x="5473151" y="2827443"/>
+            <a:ext cx="6222406" cy="3487215"/>
+          </a:xfrm>
+          <a:prstGeom prst="rect">
+            <a:avLst/>
+          </a:prstGeom>
+          <a:noFill/>
+          <a:ln w="9525" cap="flat" cmpd="sng">
+            <a:solidFill>
+              <a:schemeClr val="dk1"/>
+            </a:solidFill>
+            <a:prstDash val="solid"/>
+            <a:round/>
+            <a:headEnd type="none" w="sm" len="sm"/>
+            <a:tailEnd type="none" w="sm" len="sm"/>
+          </a:ln>
+        </p:spPr>
+      </p:pic>
+      <p:sp>
+        <p:nvSpPr>
+          <p:cNvPr id="18" name="Google Shape;462;p47">
+            <a:extLst>
+              <a:ext uri="{FF2B5EF4-FFF2-40B4-BE49-F238E27FC236}">
+                <a16:creationId xmlns:a16="http://schemas.microsoft.com/office/drawing/2014/main" id="{83C68C3E-FCAC-4BA0-B194-78C68999437D}"/>
+              </a:ext>
+            </a:extLst>
+          </p:cNvPr>
+          <p:cNvSpPr txBox="1">
+            <a:spLocks noGrp="1"/>
+          </p:cNvSpPr>
+          <p:nvPr>
+            <p:ph type="body" idx="1"/>
+          </p:nvPr>
+        </p:nvSpPr>
+        <p:spPr>
+          <a:xfrm>
+            <a:off x="605980" y="1138159"/>
+            <a:ext cx="11195495" cy="1645899"/>
           </a:xfrm>
           <a:prstGeom prst="rect">
             <a:avLst/>
@@ -18311,13 +17844,278 @@
             <a:noFill/>
           </a:ln>
         </p:spPr>
-      </p:pic>
+        <p:txBody>
+          <a:bodyPr spcFirstLastPara="1" wrap="square" lIns="91425" tIns="45700" rIns="91425" bIns="45700" anchor="t" anchorCtr="0">
+            <a:normAutofit/>
+          </a:bodyPr>
+          <a:lstStyle/>
+          <a:p>
+            <a:pPr marL="177800" lvl="0" indent="0" algn="l" rtl="0">
+              <a:lnSpc>
+                <a:spcPct val="90000"/>
+              </a:lnSpc>
+              <a:spcBef>
+                <a:spcPts val="0"/>
+              </a:spcBef>
+              <a:spcAft>
+                <a:spcPts val="0"/>
+              </a:spcAft>
+              <a:buSzPts val="2800"/>
+              <a:buNone/>
+            </a:pPr>
+            <a:r>
+              <a:rPr lang="ko-KR" sz="1800" b="1" dirty="0"/>
+              <a:t>OCP</a:t>
+            </a:r>
+            <a:r>
+              <a:rPr lang="ko-KR" sz="1800" dirty="0"/>
+              <a:t> :</a:t>
+            </a:r>
+            <a:endParaRPr dirty="0"/>
+          </a:p>
+          <a:p>
+            <a:pPr marL="177800" lvl="0" indent="0" algn="l" rtl="0">
+              <a:lnSpc>
+                <a:spcPct val="90000"/>
+              </a:lnSpc>
+              <a:spcBef>
+                <a:spcPts val="0"/>
+              </a:spcBef>
+              <a:spcAft>
+                <a:spcPts val="0"/>
+              </a:spcAft>
+              <a:buSzPts val="2800"/>
+              <a:buNone/>
+            </a:pPr>
+            <a:r>
+              <a:rPr lang="ko-KR" sz="1800" dirty="0" err="1"/>
+              <a:t>Test</a:t>
+            </a:r>
+            <a:r>
+              <a:rPr lang="ko-KR" sz="1800" dirty="0"/>
+              <a:t> </a:t>
+            </a:r>
+            <a:r>
+              <a:rPr lang="ko-KR" sz="1800" dirty="0" err="1"/>
+              <a:t>Scenario</a:t>
+            </a:r>
+            <a:r>
+              <a:rPr lang="ko-KR" sz="1800" dirty="0"/>
+              <a:t> 기능을 구현하다가 </a:t>
+            </a:r>
+            <a:r>
+              <a:rPr lang="ko-KR" sz="1800" dirty="0" err="1"/>
+              <a:t>Test</a:t>
+            </a:r>
+            <a:r>
+              <a:rPr lang="ko-KR" sz="1800" dirty="0"/>
+              <a:t> </a:t>
+            </a:r>
+            <a:r>
+              <a:rPr lang="ko-KR" sz="1800" dirty="0" err="1"/>
+              <a:t>Scenario</a:t>
+            </a:r>
+            <a:r>
+              <a:rPr lang="ko-KR" sz="1800" dirty="0"/>
+              <a:t> 기능이 추가될 수 있다고 생각하여</a:t>
+            </a:r>
+            <a:br>
+              <a:rPr lang="ko-KR" sz="1800" dirty="0"/>
+            </a:br>
+            <a:r>
+              <a:rPr lang="ko-KR" sz="1800" dirty="0" err="1"/>
+              <a:t>OCP를</a:t>
+            </a:r>
+            <a:r>
+              <a:rPr lang="ko-KR" sz="1800" dirty="0"/>
+              <a:t> 만족할 수 있게끔, 인터페이스를 분리하고 공통 부분을 </a:t>
+            </a:r>
+            <a:r>
+              <a:rPr lang="ko-KR" sz="1800" dirty="0" err="1"/>
+              <a:t>abstract</a:t>
+            </a:r>
+            <a:r>
+              <a:rPr lang="ko-KR" sz="1800" dirty="0"/>
+              <a:t> 클래스로 구현하였습니다.</a:t>
+            </a:r>
+            <a:endParaRPr dirty="0"/>
+          </a:p>
+          <a:p>
+            <a:pPr marL="177800" lvl="0" indent="0" algn="l" rtl="0">
+              <a:lnSpc>
+                <a:spcPct val="90000"/>
+              </a:lnSpc>
+              <a:spcBef>
+                <a:spcPts val="0"/>
+              </a:spcBef>
+              <a:spcAft>
+                <a:spcPts val="0"/>
+              </a:spcAft>
+              <a:buSzPts val="2800"/>
+              <a:buNone/>
+            </a:pPr>
+            <a:endParaRPr sz="1800" dirty="0"/>
+          </a:p>
+          <a:p>
+            <a:pPr marL="177800" lvl="0" indent="0" algn="l" rtl="0">
+              <a:lnSpc>
+                <a:spcPct val="90000"/>
+              </a:lnSpc>
+              <a:spcBef>
+                <a:spcPts val="0"/>
+              </a:spcBef>
+              <a:spcAft>
+                <a:spcPts val="0"/>
+              </a:spcAft>
+              <a:buSzPts val="2800"/>
+              <a:buNone/>
+            </a:pPr>
+            <a:r>
+              <a:rPr lang="ko-KR" sz="1800" b="1" dirty="0" err="1"/>
+              <a:t>Factory</a:t>
+            </a:r>
+            <a:r>
+              <a:rPr lang="ko-KR" sz="1800" b="1" dirty="0"/>
+              <a:t> 패턴 :</a:t>
+            </a:r>
+            <a:endParaRPr dirty="0"/>
+          </a:p>
+          <a:p>
+            <a:pPr marL="177800" lvl="0" indent="0" algn="l" rtl="0">
+              <a:lnSpc>
+                <a:spcPct val="90000"/>
+              </a:lnSpc>
+              <a:spcBef>
+                <a:spcPts val="0"/>
+              </a:spcBef>
+              <a:spcAft>
+                <a:spcPts val="0"/>
+              </a:spcAft>
+              <a:buSzPts val="2800"/>
+              <a:buNone/>
+            </a:pPr>
+            <a:r>
+              <a:rPr lang="ko-KR" sz="1800" dirty="0" err="1"/>
+              <a:t>OCP로</a:t>
+            </a:r>
+            <a:r>
+              <a:rPr lang="ko-KR" sz="1800" dirty="0"/>
+              <a:t> 여러 개로 구현된 </a:t>
+            </a:r>
+            <a:r>
+              <a:rPr lang="ko-KR" sz="1800" dirty="0" err="1"/>
+              <a:t>Concrete</a:t>
+            </a:r>
+            <a:r>
+              <a:rPr lang="ko-KR" sz="1800" dirty="0"/>
+              <a:t> </a:t>
+            </a:r>
+            <a:r>
+              <a:rPr lang="ko-KR" sz="1800" dirty="0" err="1"/>
+              <a:t>Class들을</a:t>
+            </a:r>
+            <a:r>
+              <a:rPr lang="ko-KR" sz="1800" dirty="0"/>
+              <a:t> 실사용하기 편리하도록 </a:t>
+            </a:r>
+            <a:r>
+              <a:rPr lang="ko-KR" sz="1800" dirty="0" err="1"/>
+              <a:t>Factory</a:t>
+            </a:r>
+            <a:r>
+              <a:rPr lang="ko-KR" sz="1800" dirty="0"/>
+              <a:t> 패턴을 사용하였습니다.</a:t>
+            </a:r>
+            <a:endParaRPr dirty="0"/>
+          </a:p>
+          <a:p>
+            <a:pPr marL="177800" lvl="0" indent="0" algn="l" rtl="0">
+              <a:lnSpc>
+                <a:spcPct val="90000"/>
+              </a:lnSpc>
+              <a:spcBef>
+                <a:spcPts val="0"/>
+              </a:spcBef>
+              <a:spcAft>
+                <a:spcPts val="0"/>
+              </a:spcAft>
+              <a:buSzPts val="2800"/>
+              <a:buNone/>
+            </a:pPr>
+            <a:endParaRPr sz="1800" dirty="0"/>
+          </a:p>
+        </p:txBody>
+      </p:sp>
+      <p:sp>
+        <p:nvSpPr>
+          <p:cNvPr id="19" name="Google Shape;463;p47">
+            <a:extLst>
+              <a:ext uri="{FF2B5EF4-FFF2-40B4-BE49-F238E27FC236}">
+                <a16:creationId xmlns:a16="http://schemas.microsoft.com/office/drawing/2014/main" id="{4E2C76CA-187D-4079-AFD1-D71630925F7A}"/>
+              </a:ext>
+            </a:extLst>
+          </p:cNvPr>
+          <p:cNvSpPr txBox="1"/>
+          <p:nvPr/>
+        </p:nvSpPr>
+        <p:spPr>
+          <a:xfrm>
+            <a:off x="941860" y="4327108"/>
+            <a:ext cx="1104846" cy="369332"/>
+          </a:xfrm>
+          <a:prstGeom prst="rect">
+            <a:avLst/>
+          </a:prstGeom>
+          <a:noFill/>
+          <a:ln>
+            <a:noFill/>
+          </a:ln>
+        </p:spPr>
+        <p:txBody>
+          <a:bodyPr spcFirstLastPara="1" wrap="square" lIns="91425" tIns="45700" rIns="91425" bIns="45700" anchor="t" anchorCtr="0">
+            <a:spAutoFit/>
+          </a:bodyPr>
+          <a:lstStyle/>
+          <a:p>
+            <a:pPr marL="0" marR="0" lvl="0" indent="0" algn="l" rtl="0">
+              <a:spcBef>
+                <a:spcPts val="0"/>
+              </a:spcBef>
+              <a:spcAft>
+                <a:spcPts val="0"/>
+              </a:spcAft>
+              <a:buNone/>
+            </a:pPr>
+            <a:r>
+              <a:rPr lang="ko-KR" sz="1800" b="1" i="0" u="none" strike="noStrike" cap="none">
+                <a:solidFill>
+                  <a:schemeClr val="dk1"/>
+                </a:solidFill>
+                <a:latin typeface="Malgun Gothic"/>
+                <a:ea typeface="Malgun Gothic"/>
+                <a:cs typeface="Malgun Gothic"/>
+                <a:sym typeface="Malgun Gothic"/>
+              </a:rPr>
+              <a:t>AS-IS</a:t>
+            </a:r>
+            <a:endParaRPr sz="1800" b="1">
+              <a:solidFill>
+                <a:schemeClr val="dk1"/>
+              </a:solidFill>
+              <a:latin typeface="Malgun Gothic"/>
+              <a:ea typeface="Malgun Gothic"/>
+              <a:cs typeface="Malgun Gothic"/>
+              <a:sym typeface="Malgun Gothic"/>
+            </a:endParaRPr>
+          </a:p>
+        </p:txBody>
+      </p:sp>
       <p:pic>
         <p:nvPicPr>
-          <p:cNvPr id="22" name="Google Shape;475;p48">
+          <p:cNvPr id="20" name="Google Shape;464;p47">
             <a:extLst>
               <a:ext uri="{FF2B5EF4-FFF2-40B4-BE49-F238E27FC236}">
-                <a16:creationId xmlns:a16="http://schemas.microsoft.com/office/drawing/2014/main" id="{87096C93-4856-4C73-B9C7-6D874CF342D3}"/>
+                <a16:creationId xmlns:a16="http://schemas.microsoft.com/office/drawing/2014/main" id="{061B7235-B44A-4C38-9445-E47C4C9561D6}"/>
               </a:ext>
             </a:extLst>
           </p:cNvPr>
@@ -18333,8 +18131,8 @@
         </p:blipFill>
         <p:spPr>
           <a:xfrm>
-            <a:off x="319266" y="2197720"/>
-            <a:ext cx="5698520" cy="1856506"/>
+            <a:off x="1868044" y="3931821"/>
+            <a:ext cx="2105025" cy="1247775"/>
           </a:xfrm>
           <a:prstGeom prst="rect">
             <a:avLst/>
@@ -18345,29 +18143,22 @@
           </a:ln>
         </p:spPr>
       </p:pic>
-      <p:pic>
-        <p:nvPicPr>
-          <p:cNvPr id="23" name="Google Shape;476;p48">
+      <p:sp>
+        <p:nvSpPr>
+          <p:cNvPr id="21" name="Google Shape;465;p47">
             <a:extLst>
               <a:ext uri="{FF2B5EF4-FFF2-40B4-BE49-F238E27FC236}">
-                <a16:creationId xmlns:a16="http://schemas.microsoft.com/office/drawing/2014/main" id="{450CA4DD-7178-47D8-ABC8-6992C306C1E2}"/>
+                <a16:creationId xmlns:a16="http://schemas.microsoft.com/office/drawing/2014/main" id="{3A3F7315-85BA-4C2D-AFA4-146E0A7E877E}"/>
               </a:ext>
             </a:extLst>
           </p:cNvPr>
-          <p:cNvPicPr preferRelativeResize="0"/>
+          <p:cNvSpPr txBox="1"/>
           <p:nvPr/>
-        </p:nvPicPr>
-        <p:blipFill rotWithShape="1">
-          <a:blip r:embed="rId5">
-            <a:alphaModFix/>
-          </a:blip>
-          <a:srcRect/>
-          <a:stretch/>
-        </p:blipFill>
-        <p:spPr>
-          <a:xfrm>
-            <a:off x="6362633" y="1848434"/>
-            <a:ext cx="5545161" cy="2553688"/>
+        </p:nvSpPr>
+        <p:spPr>
+          <a:xfrm>
+            <a:off x="5524501" y="4346843"/>
+            <a:ext cx="1104846" cy="369332"/>
           </a:xfrm>
           <a:prstGeom prst="rect">
             <a:avLst/>
@@ -18377,13 +18168,51 @@
             <a:noFill/>
           </a:ln>
         </p:spPr>
-      </p:pic>
+        <p:txBody>
+          <a:bodyPr spcFirstLastPara="1" wrap="square" lIns="91425" tIns="45700" rIns="91425" bIns="45700" anchor="t" anchorCtr="0">
+            <a:spAutoFit/>
+          </a:bodyPr>
+          <a:lstStyle/>
+          <a:p>
+            <a:pPr marL="0" marR="0" lvl="0" indent="0" algn="l" rtl="0">
+              <a:spcBef>
+                <a:spcPts val="0"/>
+              </a:spcBef>
+              <a:spcAft>
+                <a:spcPts val="0"/>
+              </a:spcAft>
+              <a:buNone/>
+            </a:pPr>
+            <a:r>
+              <a:rPr lang="ko-KR" sz="1800" b="1">
+                <a:solidFill>
+                  <a:schemeClr val="dk1"/>
+                </a:solidFill>
+                <a:latin typeface="Malgun Gothic"/>
+                <a:ea typeface="Malgun Gothic"/>
+                <a:cs typeface="Malgun Gothic"/>
+                <a:sym typeface="Malgun Gothic"/>
+              </a:rPr>
+              <a:t>TO-BE</a:t>
+            </a:r>
+            <a:endParaRPr sz="1800" b="1">
+              <a:solidFill>
+                <a:schemeClr val="dk1"/>
+              </a:solidFill>
+              <a:latin typeface="Malgun Gothic"/>
+              <a:ea typeface="Malgun Gothic"/>
+              <a:cs typeface="Malgun Gothic"/>
+              <a:sym typeface="Malgun Gothic"/>
+            </a:endParaRPr>
+          </a:p>
+        </p:txBody>
+      </p:sp>
       <p:sp>
         <p:nvSpPr>
-          <p:cNvPr id="24" name="Google Shape;477;p48">
+          <p:cNvPr id="22" name="Google Shape;466;p47">
             <a:extLst>
               <a:ext uri="{FF2B5EF4-FFF2-40B4-BE49-F238E27FC236}">
-                <a16:creationId xmlns:a16="http://schemas.microsoft.com/office/drawing/2014/main" id="{159743A0-C673-401A-A885-4183350F24E9}"/>
+                <a16:creationId xmlns:a16="http://schemas.microsoft.com/office/drawing/2014/main" id="{51FB87C5-2285-4D01-9B49-8EE879903EFE}"/>
               </a:ext>
             </a:extLst>
           </p:cNvPr>
@@ -18392,8 +18221,71 @@
         </p:nvSpPr>
         <p:spPr>
           <a:xfrm>
-            <a:off x="159000" y="1986756"/>
-            <a:ext cx="5937000" cy="3354203"/>
+            <a:off x="4123183" y="4327108"/>
+            <a:ext cx="1123950" cy="361950"/>
+          </a:xfrm>
+          <a:prstGeom prst="rightArrow">
+            <a:avLst>
+              <a:gd name="adj1" fmla="val 50000"/>
+              <a:gd name="adj2" fmla="val 50000"/>
+            </a:avLst>
+          </a:prstGeom>
+          <a:solidFill>
+            <a:schemeClr val="accent1"/>
+          </a:solidFill>
+          <a:ln w="12700" cap="flat" cmpd="sng">
+            <a:solidFill>
+              <a:srgbClr val="31538F"/>
+            </a:solidFill>
+            <a:prstDash val="solid"/>
+            <a:miter lim="800000"/>
+            <a:headEnd type="none" w="sm" len="sm"/>
+            <a:tailEnd type="none" w="sm" len="sm"/>
+          </a:ln>
+        </p:spPr>
+        <p:txBody>
+          <a:bodyPr spcFirstLastPara="1" wrap="square" lIns="91425" tIns="45700" rIns="91425" bIns="45700" anchor="ctr" anchorCtr="0">
+            <a:noAutofit/>
+          </a:bodyPr>
+          <a:lstStyle/>
+          <a:p>
+            <a:pPr marL="0" marR="0" lvl="0" indent="0" algn="ctr" rtl="0">
+              <a:spcBef>
+                <a:spcPts val="0"/>
+              </a:spcBef>
+              <a:spcAft>
+                <a:spcPts val="0"/>
+              </a:spcAft>
+              <a:buNone/>
+            </a:pPr>
+            <a:endParaRPr sz="1800">
+              <a:solidFill>
+                <a:schemeClr val="lt1"/>
+              </a:solidFill>
+              <a:latin typeface="Malgun Gothic"/>
+              <a:ea typeface="Malgun Gothic"/>
+              <a:cs typeface="Malgun Gothic"/>
+              <a:sym typeface="Malgun Gothic"/>
+            </a:endParaRPr>
+          </a:p>
+        </p:txBody>
+      </p:sp>
+      <p:sp>
+        <p:nvSpPr>
+          <p:cNvPr id="23" name="Google Shape;467;p47">
+            <a:extLst>
+              <a:ext uri="{FF2B5EF4-FFF2-40B4-BE49-F238E27FC236}">
+                <a16:creationId xmlns:a16="http://schemas.microsoft.com/office/drawing/2014/main" id="{CF46FC0E-BA96-4E50-B86C-F3AB84178D6F}"/>
+              </a:ext>
+            </a:extLst>
+          </p:cNvPr>
+          <p:cNvSpPr/>
+          <p:nvPr/>
+        </p:nvSpPr>
+        <p:spPr>
+          <a:xfrm>
+            <a:off x="941860" y="3717508"/>
+            <a:ext cx="3106266" cy="1645899"/>
           </a:xfrm>
           <a:prstGeom prst="rect">
             <a:avLst/>
@@ -18436,231 +18328,7 @@
           </a:p>
         </p:txBody>
       </p:sp>
-      <p:sp>
-        <p:nvSpPr>
-          <p:cNvPr id="25" name="Google Shape;478;p48">
-            <a:extLst>
-              <a:ext uri="{FF2B5EF4-FFF2-40B4-BE49-F238E27FC236}">
-                <a16:creationId xmlns:a16="http://schemas.microsoft.com/office/drawing/2014/main" id="{20293A5D-3712-413F-82A8-C461DE7479BD}"/>
-              </a:ext>
-            </a:extLst>
-          </p:cNvPr>
-          <p:cNvSpPr/>
-          <p:nvPr/>
-        </p:nvSpPr>
-        <p:spPr>
-          <a:xfrm flipH="1">
-            <a:off x="6256266" y="1799339"/>
-            <a:ext cx="5760600" cy="4478717"/>
-          </a:xfrm>
-          <a:prstGeom prst="rect">
-            <a:avLst/>
-          </a:prstGeom>
-          <a:noFill/>
-          <a:ln w="12700" cap="flat" cmpd="sng">
-            <a:solidFill>
-              <a:schemeClr val="dk1"/>
-            </a:solidFill>
-            <a:prstDash val="solid"/>
-            <a:miter lim="800000"/>
-            <a:headEnd type="none" w="sm" len="sm"/>
-            <a:tailEnd type="none" w="sm" len="sm"/>
-          </a:ln>
-        </p:spPr>
-        <p:txBody>
-          <a:bodyPr spcFirstLastPara="1" wrap="square" lIns="91425" tIns="45700" rIns="91425" bIns="45700" anchor="ctr" anchorCtr="0">
-            <a:noAutofit/>
-          </a:bodyPr>
-          <a:lstStyle/>
-          <a:p>
-            <a:pPr marL="0" marR="0" lvl="0" indent="0" algn="ctr" rtl="0">
-              <a:spcBef>
-                <a:spcPts val="0"/>
-              </a:spcBef>
-              <a:spcAft>
-                <a:spcPts val="0"/>
-              </a:spcAft>
-              <a:buNone/>
-            </a:pPr>
-            <a:endParaRPr sz="1800">
-              <a:solidFill>
-                <a:schemeClr val="lt1"/>
-              </a:solidFill>
-              <a:latin typeface="Malgun Gothic"/>
-              <a:ea typeface="Malgun Gothic"/>
-              <a:cs typeface="Malgun Gothic"/>
-              <a:sym typeface="Malgun Gothic"/>
-            </a:endParaRPr>
-          </a:p>
-        </p:txBody>
-      </p:sp>
-      <p:pic>
-        <p:nvPicPr>
-          <p:cNvPr id="26" name="Google Shape;479;p48">
-            <a:extLst>
-              <a:ext uri="{FF2B5EF4-FFF2-40B4-BE49-F238E27FC236}">
-                <a16:creationId xmlns:a16="http://schemas.microsoft.com/office/drawing/2014/main" id="{A4AF6F04-67CF-47F8-A458-BCC1889FA80D}"/>
-              </a:ext>
-            </a:extLst>
-          </p:cNvPr>
-          <p:cNvPicPr preferRelativeResize="0"/>
-          <p:nvPr/>
-        </p:nvPicPr>
-        <p:blipFill rotWithShape="1">
-          <a:blip r:embed="rId6">
-            <a:alphaModFix/>
-          </a:blip>
-          <a:srcRect/>
-          <a:stretch/>
-        </p:blipFill>
-        <p:spPr>
-          <a:xfrm>
-            <a:off x="319266" y="4246308"/>
-            <a:ext cx="5592449" cy="898654"/>
-          </a:xfrm>
-          <a:prstGeom prst="rect">
-            <a:avLst/>
-          </a:prstGeom>
-          <a:noFill/>
-          <a:ln>
-            <a:noFill/>
-          </a:ln>
-        </p:spPr>
-      </p:pic>
-      <p:sp>
-        <p:nvSpPr>
-          <p:cNvPr id="27" name="Google Shape;480;p48">
-            <a:extLst>
-              <a:ext uri="{FF2B5EF4-FFF2-40B4-BE49-F238E27FC236}">
-                <a16:creationId xmlns:a16="http://schemas.microsoft.com/office/drawing/2014/main" id="{7E0AFAE6-0772-467E-92EF-0EE767D29AE0}"/>
-              </a:ext>
-            </a:extLst>
-          </p:cNvPr>
-          <p:cNvSpPr txBox="1"/>
-          <p:nvPr/>
-        </p:nvSpPr>
-        <p:spPr>
-          <a:xfrm>
-            <a:off x="2829625" y="1594106"/>
-            <a:ext cx="1104900" cy="369300"/>
-          </a:xfrm>
-          <a:prstGeom prst="rect">
-            <a:avLst/>
-          </a:prstGeom>
-          <a:noFill/>
-          <a:ln>
-            <a:noFill/>
-          </a:ln>
-        </p:spPr>
-        <p:txBody>
-          <a:bodyPr spcFirstLastPara="1" wrap="square" lIns="91425" tIns="45700" rIns="91425" bIns="45700" anchor="t" anchorCtr="0">
-            <a:spAutoFit/>
-          </a:bodyPr>
-          <a:lstStyle/>
-          <a:p>
-            <a:pPr marL="0" marR="0" lvl="0" indent="0" algn="l" rtl="0">
-              <a:spcBef>
-                <a:spcPts val="0"/>
-              </a:spcBef>
-              <a:spcAft>
-                <a:spcPts val="0"/>
-              </a:spcAft>
-              <a:buNone/>
-            </a:pPr>
-            <a:r>
-              <a:rPr lang="ko-KR" sz="1800" b="1" dirty="0">
-                <a:solidFill>
-                  <a:schemeClr val="dk1"/>
-                </a:solidFill>
-                <a:latin typeface="Malgun Gothic"/>
-                <a:ea typeface="Malgun Gothic"/>
-                <a:cs typeface="Malgun Gothic"/>
-                <a:sym typeface="Malgun Gothic"/>
-              </a:rPr>
-              <a:t>AS-IS</a:t>
-            </a:r>
-            <a:endParaRPr sz="1800" b="1" dirty="0">
-              <a:solidFill>
-                <a:schemeClr val="dk1"/>
-              </a:solidFill>
-              <a:latin typeface="Malgun Gothic"/>
-              <a:ea typeface="Malgun Gothic"/>
-              <a:cs typeface="Malgun Gothic"/>
-              <a:sym typeface="Malgun Gothic"/>
-            </a:endParaRPr>
-          </a:p>
-        </p:txBody>
-      </p:sp>
-      <p:sp>
-        <p:nvSpPr>
-          <p:cNvPr id="28" name="Google Shape;481;p48">
-            <a:extLst>
-              <a:ext uri="{FF2B5EF4-FFF2-40B4-BE49-F238E27FC236}">
-                <a16:creationId xmlns:a16="http://schemas.microsoft.com/office/drawing/2014/main" id="{055D5262-5FB7-4100-A892-401B76979394}"/>
-              </a:ext>
-            </a:extLst>
-          </p:cNvPr>
-          <p:cNvSpPr txBox="1"/>
-          <p:nvPr/>
-        </p:nvSpPr>
-        <p:spPr>
-          <a:xfrm>
-            <a:off x="8809925" y="1448469"/>
-            <a:ext cx="1104900" cy="369300"/>
-          </a:xfrm>
-          <a:prstGeom prst="rect">
-            <a:avLst/>
-          </a:prstGeom>
-          <a:noFill/>
-          <a:ln>
-            <a:noFill/>
-          </a:ln>
-        </p:spPr>
-        <p:txBody>
-          <a:bodyPr spcFirstLastPara="1" wrap="square" lIns="91425" tIns="45700" rIns="91425" bIns="45700" anchor="t" anchorCtr="0">
-            <a:spAutoFit/>
-          </a:bodyPr>
-          <a:lstStyle/>
-          <a:p>
-            <a:pPr marL="0" marR="0" lvl="0" indent="0" algn="l" rtl="0">
-              <a:spcBef>
-                <a:spcPts val="0"/>
-              </a:spcBef>
-              <a:spcAft>
-                <a:spcPts val="0"/>
-              </a:spcAft>
-              <a:buNone/>
-            </a:pPr>
-            <a:r>
-              <a:rPr lang="ko-KR" sz="1800" b="1">
-                <a:solidFill>
-                  <a:schemeClr val="dk1"/>
-                </a:solidFill>
-                <a:latin typeface="Malgun Gothic"/>
-                <a:ea typeface="Malgun Gothic"/>
-                <a:cs typeface="Malgun Gothic"/>
-                <a:sym typeface="Malgun Gothic"/>
-              </a:rPr>
-              <a:t>TO-BE</a:t>
-            </a:r>
-            <a:endParaRPr sz="1800" b="1">
-              <a:solidFill>
-                <a:schemeClr val="dk1"/>
-              </a:solidFill>
-              <a:latin typeface="Malgun Gothic"/>
-              <a:ea typeface="Malgun Gothic"/>
-              <a:cs typeface="Malgun Gothic"/>
-              <a:sym typeface="Malgun Gothic"/>
-            </a:endParaRPr>
-          </a:p>
-        </p:txBody>
-      </p:sp>
     </p:spTree>
-    <p:extLst>
-      <p:ext uri="{BB962C8B-B14F-4D97-AF65-F5344CB8AC3E}">
-        <p14:creationId xmlns:p14="http://schemas.microsoft.com/office/powerpoint/2010/main" val="694202654"/>
-      </p:ext>
-    </p:extLst>
   </p:cSld>
   <p:clrMapOvr>
     <a:masterClrMapping/>
@@ -18737,7 +18405,15 @@
             </a:r>
             <a:r>
               <a:rPr lang="ko-KR" altLang="ko-KR" dirty="0"/>
-              <a:t> - SRP + DIP</a:t>
+              <a:t> - </a:t>
+            </a:r>
+            <a:r>
+              <a:rPr lang="ko-KR" altLang="ko-KR" dirty="0" err="1"/>
+              <a:t>Singleton</a:t>
+            </a:r>
+            <a:r>
+              <a:rPr lang="ko-KR" altLang="ko-KR" dirty="0"/>
+              <a:t> 패턴</a:t>
             </a:r>
             <a:endParaRPr dirty="0"/>
           </a:p>
@@ -18759,7 +18435,12 @@
             <p:ph type="sldNum" idx="12"/>
           </p:nvPr>
         </p:nvSpPr>
-        <p:spPr/>
+        <p:spPr>
+          <a:xfrm>
+            <a:off x="0" y="6304335"/>
+            <a:ext cx="12192000" cy="365125"/>
+          </a:xfrm>
+        </p:spPr>
         <p:txBody>
           <a:bodyPr/>
           <a:lstStyle/>
@@ -18779,10 +18460,10 @@
       </p:sp>
       <p:sp>
         <p:nvSpPr>
-          <p:cNvPr id="10" name="Google Shape;487;p49">
+          <p:cNvPr id="20" name="Google Shape;473;p48">
             <a:extLst>
               <a:ext uri="{FF2B5EF4-FFF2-40B4-BE49-F238E27FC236}">
-                <a16:creationId xmlns:a16="http://schemas.microsoft.com/office/drawing/2014/main" id="{93E51423-8B1B-4BD9-802C-188924D2449C}"/>
+                <a16:creationId xmlns:a16="http://schemas.microsoft.com/office/drawing/2014/main" id="{971601ED-20CC-42ED-9853-14D1BC360C66}"/>
               </a:ext>
             </a:extLst>
           </p:cNvPr>
@@ -18795,8 +18476,8 @@
         </p:nvSpPr>
         <p:spPr>
           <a:xfrm>
-            <a:off x="605980" y="1196811"/>
-            <a:ext cx="10585895" cy="1659511"/>
+            <a:off x="388175" y="965100"/>
+            <a:ext cx="11415600" cy="768300"/>
           </a:xfrm>
           <a:prstGeom prst="rect">
             <a:avLst/>
@@ -18827,11 +18508,19 @@
             </a:pPr>
             <a:r>
               <a:rPr lang="ko-KR" sz="1800" dirty="0"/>
-              <a:t>기존에 </a:t>
+              <a:t>기존에는 앞선 </a:t>
             </a:r>
             <a:r>
               <a:rPr lang="ko-KR" sz="1800" dirty="0" err="1"/>
-              <a:t>Main과</a:t>
+              <a:t>Factory</a:t>
+            </a:r>
+            <a:r>
+              <a:rPr lang="ko-KR" sz="1800" dirty="0"/>
+              <a:t> 방식을 통해 매번 </a:t>
+            </a:r>
+            <a:r>
+              <a:rPr lang="ko-KR" sz="1800" dirty="0" err="1"/>
+              <a:t>Concrete</a:t>
             </a:r>
             <a:r>
               <a:rPr lang="ko-KR" sz="1800" dirty="0"/>
@@ -18839,7 +18528,30 @@
             </a:r>
             <a:r>
               <a:rPr lang="ko-KR" sz="1800" dirty="0" err="1"/>
-              <a:t>DefaultTestScenario에서</a:t>
+              <a:t>TestScenario</a:t>
+            </a:r>
+            <a:r>
+              <a:rPr lang="ko-KR" sz="1800" dirty="0"/>
+              <a:t> 객체를 생성하고 있었으나,</a:t>
+            </a:r>
+            <a:br>
+              <a:rPr lang="ko-KR" sz="1800" dirty="0"/>
+            </a:br>
+            <a:r>
+              <a:rPr lang="ko-KR" sz="1800" dirty="0"/>
+              <a:t>해당 객체가 매번 새로 </a:t>
+            </a:r>
+            <a:r>
+              <a:rPr lang="ko-KR" sz="1800" dirty="0" err="1"/>
+              <a:t>생성되어야할</a:t>
+            </a:r>
+            <a:r>
+              <a:rPr lang="ko-KR" sz="1800" dirty="0"/>
+              <a:t> 필요가 없음을 발견하고 </a:t>
+            </a:r>
+            <a:r>
+              <a:rPr lang="ko-KR" sz="1800" dirty="0" err="1"/>
+              <a:t>Singleton으로</a:t>
             </a:r>
             <a:r>
               <a:rPr lang="ko-KR" sz="1800" dirty="0"/>
@@ -18847,402 +18559,22 @@
             </a:r>
             <a:r>
               <a:rPr lang="ko-KR" sz="1800" dirty="0" err="1"/>
-              <a:t>Linux</a:t>
+              <a:t>리팩토링</a:t>
             </a:r>
             <a:r>
               <a:rPr lang="ko-KR" sz="1800" dirty="0"/>
-              <a:t> 명령어 처리를 통해 </a:t>
-            </a:r>
-            <a:r>
-              <a:rPr lang="ko-KR" sz="1800" dirty="0" err="1"/>
-              <a:t>SSD를</a:t>
-            </a:r>
-            <a:r>
-              <a:rPr lang="ko-KR" sz="1800" dirty="0"/>
-              <a:t> 제어하는 </a:t>
-            </a:r>
-            <a:r>
-              <a:rPr lang="ko-KR" sz="1800" dirty="0" err="1"/>
-              <a:t>Processor</a:t>
-            </a:r>
-            <a:r>
-              <a:rPr lang="ko-KR" sz="1800" dirty="0"/>
-              <a:t> 클래스와 output.txt 결과를 가져오는 </a:t>
-            </a:r>
-            <a:r>
-              <a:rPr lang="ko-KR" sz="1800" dirty="0" err="1"/>
-              <a:t>Output</a:t>
-            </a:r>
-            <a:r>
-              <a:rPr lang="ko-KR" sz="1800" dirty="0"/>
-              <a:t> 클래스를 모두 참조하며 구현되어 있었으나,</a:t>
-            </a:r>
-            <a:endParaRPr dirty="0"/>
-          </a:p>
-          <a:p>
-            <a:pPr marL="635000" lvl="0" indent="-457200" algn="l" rtl="0">
-              <a:lnSpc>
-                <a:spcPct val="90000"/>
-              </a:lnSpc>
-              <a:spcBef>
-                <a:spcPts val="0"/>
-              </a:spcBef>
-              <a:spcAft>
-                <a:spcPts val="0"/>
-              </a:spcAft>
-              <a:buSzPts val="2800"/>
-              <a:buChar char="•"/>
-            </a:pPr>
-            <a:r>
-              <a:rPr lang="ko-KR" sz="1800" dirty="0" err="1"/>
-              <a:t>Main</a:t>
-            </a:r>
-            <a:r>
-              <a:rPr lang="ko-KR" sz="1800" dirty="0"/>
-              <a:t>/</a:t>
-            </a:r>
-            <a:r>
-              <a:rPr lang="ko-KR" sz="1800" dirty="0" err="1"/>
-              <a:t>DefaultTestScenario에서</a:t>
-            </a:r>
-            <a:r>
-              <a:rPr lang="ko-KR" sz="1800" dirty="0"/>
-              <a:t> 각자 동작하던 </a:t>
-            </a:r>
-            <a:r>
-              <a:rPr lang="ko-KR" sz="1800" dirty="0" err="1"/>
-              <a:t>read</a:t>
-            </a:r>
-            <a:r>
-              <a:rPr lang="ko-KR" sz="1800" dirty="0"/>
-              <a:t>/</a:t>
-            </a:r>
-            <a:r>
-              <a:rPr lang="ko-KR" sz="1800" dirty="0" err="1"/>
-              <a:t>write</a:t>
-            </a:r>
-            <a:r>
-              <a:rPr lang="ko-KR" sz="1800" dirty="0"/>
-              <a:t>/</a:t>
-            </a:r>
-            <a:r>
-              <a:rPr lang="ko-KR" sz="1800" dirty="0" err="1"/>
-              <a:t>erase</a:t>
-            </a:r>
-            <a:r>
-              <a:rPr lang="ko-KR" sz="1800" dirty="0"/>
-              <a:t> 기능 등이 해당 클래스의 책임에 알맞지 않다고 판단하여 </a:t>
-            </a:r>
-            <a:r>
-              <a:rPr lang="ko-KR" sz="1800" dirty="0" err="1"/>
-              <a:t>Manager</a:t>
-            </a:r>
-            <a:r>
-              <a:rPr lang="ko-KR" sz="1800" dirty="0"/>
-              <a:t> 클래스로 분리하였으며 </a:t>
-            </a:r>
-            <a:r>
-              <a:rPr lang="ko-KR" sz="1800" b="1" dirty="0"/>
-              <a:t>(SRP)</a:t>
-            </a:r>
-            <a:endParaRPr dirty="0"/>
-          </a:p>
-          <a:p>
-            <a:pPr marL="635000" lvl="0" indent="-457200" algn="l" rtl="0">
-              <a:lnSpc>
-                <a:spcPct val="90000"/>
-              </a:lnSpc>
-              <a:spcBef>
-                <a:spcPts val="0"/>
-              </a:spcBef>
-              <a:spcAft>
-                <a:spcPts val="0"/>
-              </a:spcAft>
-              <a:buSzPts val="2800"/>
-              <a:buChar char="•"/>
-            </a:pPr>
-            <a:r>
-              <a:rPr lang="ko-KR" sz="1800" dirty="0" err="1"/>
-              <a:t>IManager</a:t>
-            </a:r>
-            <a:r>
-              <a:rPr lang="ko-KR" sz="1800" dirty="0"/>
-              <a:t> 인터페이스를 도입하여 </a:t>
-            </a:r>
-            <a:r>
-              <a:rPr lang="ko-KR" sz="1800" dirty="0" err="1"/>
-              <a:t>Concrete</a:t>
-            </a:r>
-            <a:r>
-              <a:rPr lang="ko-KR" sz="1800" dirty="0"/>
-              <a:t> 클래스에 직접 의존하지 않고 </a:t>
-            </a:r>
-            <a:r>
-              <a:rPr lang="ko-KR" sz="1800" dirty="0" err="1"/>
-              <a:t>Imanager</a:t>
-            </a:r>
-            <a:r>
-              <a:rPr lang="ko-KR" sz="1800" dirty="0"/>
-              <a:t> 인터페이스에 의존하도록 하였습니다. </a:t>
-            </a:r>
-            <a:r>
-              <a:rPr lang="ko-KR" sz="1800" b="1" dirty="0"/>
-              <a:t>(DIP)</a:t>
-            </a:r>
-            <a:endParaRPr dirty="0"/>
-          </a:p>
-        </p:txBody>
-      </p:sp>
-      <p:sp>
-        <p:nvSpPr>
-          <p:cNvPr id="11" name="Google Shape;488;p49">
-            <a:extLst>
-              <a:ext uri="{FF2B5EF4-FFF2-40B4-BE49-F238E27FC236}">
-                <a16:creationId xmlns:a16="http://schemas.microsoft.com/office/drawing/2014/main" id="{A5277CFA-13B9-4A66-88C1-84E32F90ECDE}"/>
-              </a:ext>
-            </a:extLst>
-          </p:cNvPr>
-          <p:cNvSpPr/>
-          <p:nvPr/>
-        </p:nvSpPr>
-        <p:spPr>
-          <a:xfrm>
-            <a:off x="310706" y="3214184"/>
-            <a:ext cx="4318445" cy="2990851"/>
-          </a:xfrm>
-          <a:prstGeom prst="rect">
-            <a:avLst/>
-          </a:prstGeom>
-          <a:noFill/>
-          <a:ln w="12700" cap="flat" cmpd="sng">
-            <a:solidFill>
-              <a:schemeClr val="dk1"/>
-            </a:solidFill>
-            <a:prstDash val="solid"/>
-            <a:miter lim="800000"/>
-            <a:headEnd type="none" w="sm" len="sm"/>
-            <a:tailEnd type="none" w="sm" len="sm"/>
-          </a:ln>
-        </p:spPr>
-        <p:txBody>
-          <a:bodyPr spcFirstLastPara="1" wrap="square" lIns="91425" tIns="45700" rIns="91425" bIns="45700" anchor="ctr" anchorCtr="0">
-            <a:noAutofit/>
-          </a:bodyPr>
-          <a:lstStyle/>
-          <a:p>
-            <a:pPr marL="0" marR="0" lvl="0" indent="0" algn="ctr" rtl="0">
-              <a:spcBef>
-                <a:spcPts val="0"/>
-              </a:spcBef>
-              <a:spcAft>
-                <a:spcPts val="0"/>
-              </a:spcAft>
-              <a:buNone/>
-            </a:pPr>
-            <a:endParaRPr sz="1800">
-              <a:solidFill>
-                <a:schemeClr val="lt1"/>
-              </a:solidFill>
-              <a:latin typeface="Malgun Gothic"/>
-              <a:ea typeface="Malgun Gothic"/>
-              <a:cs typeface="Malgun Gothic"/>
-              <a:sym typeface="Malgun Gothic"/>
-            </a:endParaRPr>
-          </a:p>
-        </p:txBody>
-      </p:sp>
-      <p:sp>
-        <p:nvSpPr>
-          <p:cNvPr id="12" name="Google Shape;489;p49">
-            <a:extLst>
-              <a:ext uri="{FF2B5EF4-FFF2-40B4-BE49-F238E27FC236}">
-                <a16:creationId xmlns:a16="http://schemas.microsoft.com/office/drawing/2014/main" id="{AD61D089-6A4A-4971-82E0-3F90941A9B9E}"/>
-              </a:ext>
-            </a:extLst>
-          </p:cNvPr>
-          <p:cNvSpPr/>
-          <p:nvPr/>
-        </p:nvSpPr>
-        <p:spPr>
-          <a:xfrm flipH="1">
-            <a:off x="4812938" y="3214184"/>
-            <a:ext cx="7053262" cy="2990851"/>
-          </a:xfrm>
-          <a:prstGeom prst="rect">
-            <a:avLst/>
-          </a:prstGeom>
-          <a:noFill/>
-          <a:ln w="12700" cap="flat" cmpd="sng">
-            <a:solidFill>
-              <a:schemeClr val="dk1"/>
-            </a:solidFill>
-            <a:prstDash val="solid"/>
-            <a:miter lim="800000"/>
-            <a:headEnd type="none" w="sm" len="sm"/>
-            <a:tailEnd type="none" w="sm" len="sm"/>
-          </a:ln>
-        </p:spPr>
-        <p:txBody>
-          <a:bodyPr spcFirstLastPara="1" wrap="square" lIns="91425" tIns="45700" rIns="91425" bIns="45700" anchor="ctr" anchorCtr="0">
-            <a:noAutofit/>
-          </a:bodyPr>
-          <a:lstStyle/>
-          <a:p>
-            <a:pPr marL="0" marR="0" lvl="0" indent="0" algn="ctr" rtl="0">
-              <a:spcBef>
-                <a:spcPts val="0"/>
-              </a:spcBef>
-              <a:spcAft>
-                <a:spcPts val="0"/>
-              </a:spcAft>
-              <a:buNone/>
-            </a:pPr>
-            <a:endParaRPr sz="1800">
-              <a:solidFill>
-                <a:schemeClr val="lt1"/>
-              </a:solidFill>
-              <a:latin typeface="Malgun Gothic"/>
-              <a:ea typeface="Malgun Gothic"/>
-              <a:cs typeface="Malgun Gothic"/>
-              <a:sym typeface="Malgun Gothic"/>
-            </a:endParaRPr>
-          </a:p>
-        </p:txBody>
-      </p:sp>
-      <p:sp>
-        <p:nvSpPr>
-          <p:cNvPr id="13" name="Google Shape;490;p49">
-            <a:extLst>
-              <a:ext uri="{FF2B5EF4-FFF2-40B4-BE49-F238E27FC236}">
-                <a16:creationId xmlns:a16="http://schemas.microsoft.com/office/drawing/2014/main" id="{D7EF6249-698D-46A0-9DEE-FA99D0A008C9}"/>
-              </a:ext>
-            </a:extLst>
-          </p:cNvPr>
-          <p:cNvSpPr txBox="1"/>
-          <p:nvPr/>
-        </p:nvSpPr>
-        <p:spPr>
-          <a:xfrm>
-            <a:off x="385221" y="3265156"/>
-            <a:ext cx="1104846" cy="369332"/>
-          </a:xfrm>
-          <a:prstGeom prst="rect">
-            <a:avLst/>
-          </a:prstGeom>
-          <a:noFill/>
-          <a:ln>
-            <a:noFill/>
-          </a:ln>
-        </p:spPr>
-        <p:txBody>
-          <a:bodyPr spcFirstLastPara="1" wrap="square" lIns="91425" tIns="45700" rIns="91425" bIns="45700" anchor="t" anchorCtr="0">
-            <a:spAutoFit/>
-          </a:bodyPr>
-          <a:lstStyle/>
-          <a:p>
-            <a:pPr marL="0" marR="0" lvl="0" indent="0" algn="l" rtl="0">
-              <a:spcBef>
-                <a:spcPts val="0"/>
-              </a:spcBef>
-              <a:spcAft>
-                <a:spcPts val="0"/>
-              </a:spcAft>
-              <a:buNone/>
-            </a:pPr>
-            <a:r>
-              <a:rPr lang="ko-KR" sz="1800" b="1">
-                <a:solidFill>
-                  <a:schemeClr val="dk1"/>
-                </a:solidFill>
-                <a:latin typeface="Malgun Gothic"/>
-                <a:ea typeface="Malgun Gothic"/>
-                <a:cs typeface="Malgun Gothic"/>
-                <a:sym typeface="Malgun Gothic"/>
-              </a:rPr>
-              <a:t>AS-IS</a:t>
-            </a:r>
-            <a:endParaRPr sz="1800" b="1">
-              <a:solidFill>
-                <a:schemeClr val="dk1"/>
-              </a:solidFill>
-              <a:latin typeface="Malgun Gothic"/>
-              <a:ea typeface="Malgun Gothic"/>
-              <a:cs typeface="Malgun Gothic"/>
-              <a:sym typeface="Malgun Gothic"/>
-            </a:endParaRPr>
-          </a:p>
-        </p:txBody>
-      </p:sp>
-      <p:sp>
-        <p:nvSpPr>
-          <p:cNvPr id="14" name="Google Shape;491;p49">
-            <a:extLst>
-              <a:ext uri="{FF2B5EF4-FFF2-40B4-BE49-F238E27FC236}">
-                <a16:creationId xmlns:a16="http://schemas.microsoft.com/office/drawing/2014/main" id="{5F9862E9-7898-48DB-AEA7-3026F1EF4972}"/>
-              </a:ext>
-            </a:extLst>
-          </p:cNvPr>
-          <p:cNvSpPr txBox="1"/>
-          <p:nvPr/>
-        </p:nvSpPr>
-        <p:spPr>
-          <a:xfrm>
-            <a:off x="6145895" y="3265156"/>
-            <a:ext cx="1104846" cy="369332"/>
-          </a:xfrm>
-          <a:prstGeom prst="rect">
-            <a:avLst/>
-          </a:prstGeom>
-          <a:noFill/>
-          <a:ln>
-            <a:noFill/>
-          </a:ln>
-        </p:spPr>
-        <p:txBody>
-          <a:bodyPr spcFirstLastPara="1" wrap="square" lIns="91425" tIns="45700" rIns="91425" bIns="45700" anchor="t" anchorCtr="0">
-            <a:spAutoFit/>
-          </a:bodyPr>
-          <a:lstStyle/>
-          <a:p>
-            <a:pPr marL="0" marR="0" lvl="0" indent="0" algn="l" rtl="0">
-              <a:spcBef>
-                <a:spcPts val="0"/>
-              </a:spcBef>
-              <a:spcAft>
-                <a:spcPts val="0"/>
-              </a:spcAft>
-              <a:buNone/>
-            </a:pPr>
-            <a:r>
-              <a:rPr lang="ko-KR" sz="1800" b="1">
-                <a:solidFill>
-                  <a:schemeClr val="dk1"/>
-                </a:solidFill>
-                <a:latin typeface="Malgun Gothic"/>
-                <a:ea typeface="Malgun Gothic"/>
-                <a:cs typeface="Malgun Gothic"/>
-                <a:sym typeface="Malgun Gothic"/>
-              </a:rPr>
-              <a:t>TO-BE</a:t>
-            </a:r>
-            <a:endParaRPr sz="1800" b="1">
-              <a:solidFill>
-                <a:schemeClr val="dk1"/>
-              </a:solidFill>
-              <a:latin typeface="Malgun Gothic"/>
-              <a:ea typeface="Malgun Gothic"/>
-              <a:cs typeface="Malgun Gothic"/>
-              <a:sym typeface="Malgun Gothic"/>
-            </a:endParaRPr>
+              <a:t> 진행하였습니다.</a:t>
+            </a:r>
+            <a:endParaRPr sz="1800" dirty="0"/>
           </a:p>
         </p:txBody>
       </p:sp>
       <p:pic>
         <p:nvPicPr>
-          <p:cNvPr id="15" name="Google Shape;492;p49">
+          <p:cNvPr id="21" name="Google Shape;474;p48">
             <a:extLst>
               <a:ext uri="{FF2B5EF4-FFF2-40B4-BE49-F238E27FC236}">
-                <a16:creationId xmlns:a16="http://schemas.microsoft.com/office/drawing/2014/main" id="{B18BBAA7-BE47-4B66-8651-306E51B0356B}"/>
+                <a16:creationId xmlns:a16="http://schemas.microsoft.com/office/drawing/2014/main" id="{49E644CF-C8AD-4929-95F3-3AFC6E69F45D}"/>
               </a:ext>
             </a:extLst>
           </p:cNvPr>
@@ -19258,8 +18590,8 @@
         </p:blipFill>
         <p:spPr>
           <a:xfrm>
-            <a:off x="4859434" y="3685460"/>
-            <a:ext cx="7053262" cy="2322151"/>
+            <a:off x="6362633" y="4562150"/>
+            <a:ext cx="5417173" cy="1606695"/>
           </a:xfrm>
           <a:prstGeom prst="rect">
             <a:avLst/>
@@ -19272,10 +18604,10 @@
       </p:pic>
       <p:pic>
         <p:nvPicPr>
-          <p:cNvPr id="16" name="Google Shape;493;p49">
+          <p:cNvPr id="22" name="Google Shape;475;p48">
             <a:extLst>
               <a:ext uri="{FF2B5EF4-FFF2-40B4-BE49-F238E27FC236}">
-                <a16:creationId xmlns:a16="http://schemas.microsoft.com/office/drawing/2014/main" id="{6FB6E573-7A39-4E8A-91F1-0D8F45628415}"/>
+                <a16:creationId xmlns:a16="http://schemas.microsoft.com/office/drawing/2014/main" id="{87096C93-4856-4C73-B9C7-6D874CF342D3}"/>
               </a:ext>
             </a:extLst>
           </p:cNvPr>
@@ -19291,8 +18623,8 @@
         </p:blipFill>
         <p:spPr>
           <a:xfrm>
-            <a:off x="348234" y="3671325"/>
-            <a:ext cx="4243387" cy="2584682"/>
+            <a:off x="319266" y="2197720"/>
+            <a:ext cx="5698520" cy="1856506"/>
           </a:xfrm>
           <a:prstGeom prst="rect">
             <a:avLst/>
@@ -19303,10 +18635,320 @@
           </a:ln>
         </p:spPr>
       </p:pic>
+      <p:pic>
+        <p:nvPicPr>
+          <p:cNvPr id="23" name="Google Shape;476;p48">
+            <a:extLst>
+              <a:ext uri="{FF2B5EF4-FFF2-40B4-BE49-F238E27FC236}">
+                <a16:creationId xmlns:a16="http://schemas.microsoft.com/office/drawing/2014/main" id="{450CA4DD-7178-47D8-ABC8-6992C306C1E2}"/>
+              </a:ext>
+            </a:extLst>
+          </p:cNvPr>
+          <p:cNvPicPr preferRelativeResize="0"/>
+          <p:nvPr/>
+        </p:nvPicPr>
+        <p:blipFill rotWithShape="1">
+          <a:blip r:embed="rId5">
+            <a:alphaModFix/>
+          </a:blip>
+          <a:srcRect/>
+          <a:stretch/>
+        </p:blipFill>
+        <p:spPr>
+          <a:xfrm>
+            <a:off x="6362633" y="1848434"/>
+            <a:ext cx="5545161" cy="2553688"/>
+          </a:xfrm>
+          <a:prstGeom prst="rect">
+            <a:avLst/>
+          </a:prstGeom>
+          <a:noFill/>
+          <a:ln>
+            <a:noFill/>
+          </a:ln>
+        </p:spPr>
+      </p:pic>
+      <p:sp>
+        <p:nvSpPr>
+          <p:cNvPr id="24" name="Google Shape;477;p48">
+            <a:extLst>
+              <a:ext uri="{FF2B5EF4-FFF2-40B4-BE49-F238E27FC236}">
+                <a16:creationId xmlns:a16="http://schemas.microsoft.com/office/drawing/2014/main" id="{159743A0-C673-401A-A885-4183350F24E9}"/>
+              </a:ext>
+            </a:extLst>
+          </p:cNvPr>
+          <p:cNvSpPr/>
+          <p:nvPr/>
+        </p:nvSpPr>
+        <p:spPr>
+          <a:xfrm>
+            <a:off x="159000" y="1986756"/>
+            <a:ext cx="5937000" cy="3354203"/>
+          </a:xfrm>
+          <a:prstGeom prst="rect">
+            <a:avLst/>
+          </a:prstGeom>
+          <a:noFill/>
+          <a:ln w="12700" cap="flat" cmpd="sng">
+            <a:solidFill>
+              <a:schemeClr val="dk1"/>
+            </a:solidFill>
+            <a:prstDash val="solid"/>
+            <a:miter lim="800000"/>
+            <a:headEnd type="none" w="sm" len="sm"/>
+            <a:tailEnd type="none" w="sm" len="sm"/>
+          </a:ln>
+        </p:spPr>
+        <p:txBody>
+          <a:bodyPr spcFirstLastPara="1" wrap="square" lIns="91425" tIns="45700" rIns="91425" bIns="45700" anchor="ctr" anchorCtr="0">
+            <a:noAutofit/>
+          </a:bodyPr>
+          <a:lstStyle/>
+          <a:p>
+            <a:pPr marL="0" marR="0" lvl="0" indent="0" algn="ctr" rtl="0">
+              <a:spcBef>
+                <a:spcPts val="0"/>
+              </a:spcBef>
+              <a:spcAft>
+                <a:spcPts val="0"/>
+              </a:spcAft>
+              <a:buNone/>
+            </a:pPr>
+            <a:endParaRPr sz="1800">
+              <a:solidFill>
+                <a:schemeClr val="lt1"/>
+              </a:solidFill>
+              <a:latin typeface="Malgun Gothic"/>
+              <a:ea typeface="Malgun Gothic"/>
+              <a:cs typeface="Malgun Gothic"/>
+              <a:sym typeface="Malgun Gothic"/>
+            </a:endParaRPr>
+          </a:p>
+        </p:txBody>
+      </p:sp>
+      <p:sp>
+        <p:nvSpPr>
+          <p:cNvPr id="25" name="Google Shape;478;p48">
+            <a:extLst>
+              <a:ext uri="{FF2B5EF4-FFF2-40B4-BE49-F238E27FC236}">
+                <a16:creationId xmlns:a16="http://schemas.microsoft.com/office/drawing/2014/main" id="{20293A5D-3712-413F-82A8-C461DE7479BD}"/>
+              </a:ext>
+            </a:extLst>
+          </p:cNvPr>
+          <p:cNvSpPr/>
+          <p:nvPr/>
+        </p:nvSpPr>
+        <p:spPr>
+          <a:xfrm flipH="1">
+            <a:off x="6256266" y="1799339"/>
+            <a:ext cx="5760600" cy="4478717"/>
+          </a:xfrm>
+          <a:prstGeom prst="rect">
+            <a:avLst/>
+          </a:prstGeom>
+          <a:noFill/>
+          <a:ln w="12700" cap="flat" cmpd="sng">
+            <a:solidFill>
+              <a:schemeClr val="dk1"/>
+            </a:solidFill>
+            <a:prstDash val="solid"/>
+            <a:miter lim="800000"/>
+            <a:headEnd type="none" w="sm" len="sm"/>
+            <a:tailEnd type="none" w="sm" len="sm"/>
+          </a:ln>
+        </p:spPr>
+        <p:txBody>
+          <a:bodyPr spcFirstLastPara="1" wrap="square" lIns="91425" tIns="45700" rIns="91425" bIns="45700" anchor="ctr" anchorCtr="0">
+            <a:noAutofit/>
+          </a:bodyPr>
+          <a:lstStyle/>
+          <a:p>
+            <a:pPr marL="0" marR="0" lvl="0" indent="0" algn="ctr" rtl="0">
+              <a:spcBef>
+                <a:spcPts val="0"/>
+              </a:spcBef>
+              <a:spcAft>
+                <a:spcPts val="0"/>
+              </a:spcAft>
+              <a:buNone/>
+            </a:pPr>
+            <a:endParaRPr sz="1800">
+              <a:solidFill>
+                <a:schemeClr val="lt1"/>
+              </a:solidFill>
+              <a:latin typeface="Malgun Gothic"/>
+              <a:ea typeface="Malgun Gothic"/>
+              <a:cs typeface="Malgun Gothic"/>
+              <a:sym typeface="Malgun Gothic"/>
+            </a:endParaRPr>
+          </a:p>
+        </p:txBody>
+      </p:sp>
+      <p:pic>
+        <p:nvPicPr>
+          <p:cNvPr id="26" name="Google Shape;479;p48">
+            <a:extLst>
+              <a:ext uri="{FF2B5EF4-FFF2-40B4-BE49-F238E27FC236}">
+                <a16:creationId xmlns:a16="http://schemas.microsoft.com/office/drawing/2014/main" id="{A4AF6F04-67CF-47F8-A458-BCC1889FA80D}"/>
+              </a:ext>
+            </a:extLst>
+          </p:cNvPr>
+          <p:cNvPicPr preferRelativeResize="0"/>
+          <p:nvPr/>
+        </p:nvPicPr>
+        <p:blipFill rotWithShape="1">
+          <a:blip r:embed="rId6">
+            <a:alphaModFix/>
+          </a:blip>
+          <a:srcRect/>
+          <a:stretch/>
+        </p:blipFill>
+        <p:spPr>
+          <a:xfrm>
+            <a:off x="319266" y="4246308"/>
+            <a:ext cx="5592449" cy="898654"/>
+          </a:xfrm>
+          <a:prstGeom prst="rect">
+            <a:avLst/>
+          </a:prstGeom>
+          <a:noFill/>
+          <a:ln>
+            <a:noFill/>
+          </a:ln>
+        </p:spPr>
+      </p:pic>
+      <p:sp>
+        <p:nvSpPr>
+          <p:cNvPr id="27" name="Google Shape;480;p48">
+            <a:extLst>
+              <a:ext uri="{FF2B5EF4-FFF2-40B4-BE49-F238E27FC236}">
+                <a16:creationId xmlns:a16="http://schemas.microsoft.com/office/drawing/2014/main" id="{7E0AFAE6-0772-467E-92EF-0EE767D29AE0}"/>
+              </a:ext>
+            </a:extLst>
+          </p:cNvPr>
+          <p:cNvSpPr txBox="1"/>
+          <p:nvPr/>
+        </p:nvSpPr>
+        <p:spPr>
+          <a:xfrm>
+            <a:off x="2829625" y="1594106"/>
+            <a:ext cx="1104900" cy="369300"/>
+          </a:xfrm>
+          <a:prstGeom prst="rect">
+            <a:avLst/>
+          </a:prstGeom>
+          <a:noFill/>
+          <a:ln>
+            <a:noFill/>
+          </a:ln>
+        </p:spPr>
+        <p:txBody>
+          <a:bodyPr spcFirstLastPara="1" wrap="square" lIns="91425" tIns="45700" rIns="91425" bIns="45700" anchor="t" anchorCtr="0">
+            <a:spAutoFit/>
+          </a:bodyPr>
+          <a:lstStyle/>
+          <a:p>
+            <a:pPr marL="0" marR="0" lvl="0" indent="0" algn="l" rtl="0">
+              <a:spcBef>
+                <a:spcPts val="0"/>
+              </a:spcBef>
+              <a:spcAft>
+                <a:spcPts val="0"/>
+              </a:spcAft>
+              <a:buNone/>
+            </a:pPr>
+            <a:r>
+              <a:rPr lang="ko-KR" sz="1800" b="1" dirty="0">
+                <a:solidFill>
+                  <a:schemeClr val="dk1"/>
+                </a:solidFill>
+                <a:latin typeface="Malgun Gothic"/>
+                <a:ea typeface="Malgun Gothic"/>
+                <a:cs typeface="Malgun Gothic"/>
+                <a:sym typeface="Malgun Gothic"/>
+              </a:rPr>
+              <a:t>AS-IS</a:t>
+            </a:r>
+            <a:endParaRPr sz="1800" b="1" dirty="0">
+              <a:solidFill>
+                <a:schemeClr val="dk1"/>
+              </a:solidFill>
+              <a:latin typeface="Malgun Gothic"/>
+              <a:ea typeface="Malgun Gothic"/>
+              <a:cs typeface="Malgun Gothic"/>
+              <a:sym typeface="Malgun Gothic"/>
+            </a:endParaRPr>
+          </a:p>
+        </p:txBody>
+      </p:sp>
+      <p:sp>
+        <p:nvSpPr>
+          <p:cNvPr id="28" name="Google Shape;481;p48">
+            <a:extLst>
+              <a:ext uri="{FF2B5EF4-FFF2-40B4-BE49-F238E27FC236}">
+                <a16:creationId xmlns:a16="http://schemas.microsoft.com/office/drawing/2014/main" id="{055D5262-5FB7-4100-A892-401B76979394}"/>
+              </a:ext>
+            </a:extLst>
+          </p:cNvPr>
+          <p:cNvSpPr txBox="1"/>
+          <p:nvPr/>
+        </p:nvSpPr>
+        <p:spPr>
+          <a:xfrm>
+            <a:off x="8809925" y="1448469"/>
+            <a:ext cx="1104900" cy="369300"/>
+          </a:xfrm>
+          <a:prstGeom prst="rect">
+            <a:avLst/>
+          </a:prstGeom>
+          <a:noFill/>
+          <a:ln>
+            <a:noFill/>
+          </a:ln>
+        </p:spPr>
+        <p:txBody>
+          <a:bodyPr spcFirstLastPara="1" wrap="square" lIns="91425" tIns="45700" rIns="91425" bIns="45700" anchor="t" anchorCtr="0">
+            <a:spAutoFit/>
+          </a:bodyPr>
+          <a:lstStyle/>
+          <a:p>
+            <a:pPr marL="0" marR="0" lvl="0" indent="0" algn="l" rtl="0">
+              <a:spcBef>
+                <a:spcPts val="0"/>
+              </a:spcBef>
+              <a:spcAft>
+                <a:spcPts val="0"/>
+              </a:spcAft>
+              <a:buNone/>
+            </a:pPr>
+            <a:r>
+              <a:rPr lang="ko-KR" sz="1800" b="1">
+                <a:solidFill>
+                  <a:schemeClr val="dk1"/>
+                </a:solidFill>
+                <a:latin typeface="Malgun Gothic"/>
+                <a:ea typeface="Malgun Gothic"/>
+                <a:cs typeface="Malgun Gothic"/>
+                <a:sym typeface="Malgun Gothic"/>
+              </a:rPr>
+              <a:t>TO-BE</a:t>
+            </a:r>
+            <a:endParaRPr sz="1800" b="1">
+              <a:solidFill>
+                <a:schemeClr val="dk1"/>
+              </a:solidFill>
+              <a:latin typeface="Malgun Gothic"/>
+              <a:ea typeface="Malgun Gothic"/>
+              <a:cs typeface="Malgun Gothic"/>
+              <a:sym typeface="Malgun Gothic"/>
+            </a:endParaRPr>
+          </a:p>
+        </p:txBody>
+      </p:sp>
     </p:spTree>
     <p:extLst>
       <p:ext uri="{BB962C8B-B14F-4D97-AF65-F5344CB8AC3E}">
-        <p14:creationId xmlns:p14="http://schemas.microsoft.com/office/powerpoint/2010/main" val="3601911906"/>
+        <p14:creationId xmlns:p14="http://schemas.microsoft.com/office/powerpoint/2010/main" val="694202654"/>
       </p:ext>
     </p:extLst>
   </p:cSld>
@@ -21090,6 +20732,654 @@
   <p:cSld>
     <p:spTree>
       <p:nvGrpSpPr>
+        <p:cNvPr id="1" name="Shape 448"/>
+        <p:cNvGrpSpPr/>
+        <p:nvPr/>
+      </p:nvGrpSpPr>
+      <p:grpSpPr>
+        <a:xfrm>
+          <a:off x="0" y="0"/>
+          <a:ext cx="0" cy="0"/>
+          <a:chOff x="0" y="0"/>
+          <a:chExt cx="0" cy="0"/>
+        </a:xfrm>
+      </p:grpSpPr>
+      <p:sp>
+        <p:nvSpPr>
+          <p:cNvPr id="449" name="Google Shape;449;p46"/>
+          <p:cNvSpPr txBox="1">
+            <a:spLocks noGrp="1"/>
+          </p:cNvSpPr>
+          <p:nvPr>
+            <p:ph type="title"/>
+          </p:nvPr>
+        </p:nvSpPr>
+        <p:spPr>
+          <a:xfrm>
+            <a:off x="605980" y="310143"/>
+            <a:ext cx="10515600" cy="649800"/>
+          </a:xfrm>
+          <a:prstGeom prst="rect">
+            <a:avLst/>
+          </a:prstGeom>
+          <a:noFill/>
+          <a:ln>
+            <a:noFill/>
+          </a:ln>
+        </p:spPr>
+        <p:txBody>
+          <a:bodyPr spcFirstLastPara="1" wrap="square" lIns="91425" tIns="45700" rIns="91425" bIns="45700" anchor="ctr" anchorCtr="0">
+            <a:normAutofit fontScale="90000"/>
+          </a:bodyPr>
+          <a:lstStyle/>
+          <a:p>
+            <a:pPr marL="0" lvl="0" indent="0" algn="l" rtl="0">
+              <a:lnSpc>
+                <a:spcPct val="90000"/>
+              </a:lnSpc>
+              <a:spcBef>
+                <a:spcPts val="0"/>
+              </a:spcBef>
+              <a:spcAft>
+                <a:spcPts val="0"/>
+              </a:spcAft>
+              <a:buClr>
+                <a:schemeClr val="dk1"/>
+              </a:buClr>
+              <a:buSzPct val="100000"/>
+              <a:buFont typeface="Malgun Gothic"/>
+              <a:buNone/>
+            </a:pPr>
+            <a:r>
+              <a:rPr lang="ko-KR" altLang="ko-KR" dirty="0" err="1"/>
+              <a:t>리팩토링</a:t>
+            </a:r>
+            <a:r>
+              <a:rPr lang="ko-KR" altLang="ko-KR" dirty="0"/>
+              <a:t> - SRP + DIP</a:t>
+            </a:r>
+            <a:endParaRPr dirty="0"/>
+          </a:p>
+        </p:txBody>
+      </p:sp>
+      <p:sp>
+        <p:nvSpPr>
+          <p:cNvPr id="2" name="슬라이드 번호 개체 틀 1">
+            <a:extLst>
+              <a:ext uri="{FF2B5EF4-FFF2-40B4-BE49-F238E27FC236}">
+                <a16:creationId xmlns:a16="http://schemas.microsoft.com/office/drawing/2014/main" id="{CD1A36BC-F2B8-48BB-AF0A-FBCB1405402B}"/>
+              </a:ext>
+            </a:extLst>
+          </p:cNvPr>
+          <p:cNvSpPr>
+            <a:spLocks noGrp="1"/>
+          </p:cNvSpPr>
+          <p:nvPr>
+            <p:ph type="sldNum" idx="12"/>
+          </p:nvPr>
+        </p:nvSpPr>
+        <p:spPr/>
+        <p:txBody>
+          <a:bodyPr/>
+          <a:lstStyle/>
+          <a:p>
+            <a:fld id="{00000000-1234-1234-1234-123412341234}" type="slidenum">
+              <a:rPr lang="en-US" altLang="ko-KR" smtClean="0"/>
+              <a:pPr/>
+              <a:t>30</a:t>
+            </a:fld>
+            <a:r>
+              <a:rPr lang="en-US" altLang="ko-KR"/>
+              <a:t>/35</a:t>
+            </a:r>
+            <a:endParaRPr lang="ko-KR" altLang="en-US" dirty="0"/>
+          </a:p>
+        </p:txBody>
+      </p:sp>
+      <p:sp>
+        <p:nvSpPr>
+          <p:cNvPr id="10" name="Google Shape;487;p49">
+            <a:extLst>
+              <a:ext uri="{FF2B5EF4-FFF2-40B4-BE49-F238E27FC236}">
+                <a16:creationId xmlns:a16="http://schemas.microsoft.com/office/drawing/2014/main" id="{93E51423-8B1B-4BD9-802C-188924D2449C}"/>
+              </a:ext>
+            </a:extLst>
+          </p:cNvPr>
+          <p:cNvSpPr txBox="1">
+            <a:spLocks noGrp="1"/>
+          </p:cNvSpPr>
+          <p:nvPr>
+            <p:ph type="body" idx="1"/>
+          </p:nvPr>
+        </p:nvSpPr>
+        <p:spPr>
+          <a:xfrm>
+            <a:off x="605980" y="1196811"/>
+            <a:ext cx="10585895" cy="1659511"/>
+          </a:xfrm>
+          <a:prstGeom prst="rect">
+            <a:avLst/>
+          </a:prstGeom>
+          <a:noFill/>
+          <a:ln>
+            <a:noFill/>
+          </a:ln>
+        </p:spPr>
+        <p:txBody>
+          <a:bodyPr spcFirstLastPara="1" wrap="square" lIns="91425" tIns="45700" rIns="91425" bIns="45700" anchor="t" anchorCtr="0">
+            <a:normAutofit/>
+          </a:bodyPr>
+          <a:lstStyle/>
+          <a:p>
+            <a:pPr marL="635000" lvl="0" indent="-457200" algn="l" rtl="0">
+              <a:lnSpc>
+                <a:spcPct val="90000"/>
+              </a:lnSpc>
+              <a:spcBef>
+                <a:spcPts val="0"/>
+              </a:spcBef>
+              <a:spcAft>
+                <a:spcPts val="0"/>
+              </a:spcAft>
+              <a:buSzPts val="2800"/>
+              <a:buChar char="•"/>
+            </a:pPr>
+            <a:r>
+              <a:rPr lang="ko-KR" sz="1800" dirty="0"/>
+              <a:t>기존에 </a:t>
+            </a:r>
+            <a:r>
+              <a:rPr lang="ko-KR" sz="1800" dirty="0" err="1"/>
+              <a:t>Main과</a:t>
+            </a:r>
+            <a:r>
+              <a:rPr lang="ko-KR" sz="1800" dirty="0"/>
+              <a:t> </a:t>
+            </a:r>
+            <a:r>
+              <a:rPr lang="ko-KR" sz="1800" dirty="0" err="1"/>
+              <a:t>DefaultTestScenario에서</a:t>
+            </a:r>
+            <a:r>
+              <a:rPr lang="ko-KR" sz="1800" dirty="0"/>
+              <a:t> </a:t>
+            </a:r>
+            <a:r>
+              <a:rPr lang="ko-KR" sz="1800" dirty="0" err="1"/>
+              <a:t>Linux</a:t>
+            </a:r>
+            <a:r>
+              <a:rPr lang="ko-KR" sz="1800" dirty="0"/>
+              <a:t> 명령어 처리를 통해 </a:t>
+            </a:r>
+            <a:r>
+              <a:rPr lang="ko-KR" sz="1800" dirty="0" err="1"/>
+              <a:t>SSD를</a:t>
+            </a:r>
+            <a:r>
+              <a:rPr lang="ko-KR" sz="1800" dirty="0"/>
+              <a:t> 제어하는 </a:t>
+            </a:r>
+            <a:r>
+              <a:rPr lang="ko-KR" sz="1800" dirty="0" err="1"/>
+              <a:t>Processor</a:t>
+            </a:r>
+            <a:r>
+              <a:rPr lang="ko-KR" sz="1800" dirty="0"/>
+              <a:t> 클래스와 output.txt 결과를 가져오는 </a:t>
+            </a:r>
+            <a:r>
+              <a:rPr lang="ko-KR" sz="1800" dirty="0" err="1"/>
+              <a:t>Output</a:t>
+            </a:r>
+            <a:r>
+              <a:rPr lang="ko-KR" sz="1800" dirty="0"/>
+              <a:t> 클래스를 모두 참조하며 구현되어 있었으나,</a:t>
+            </a:r>
+            <a:endParaRPr dirty="0"/>
+          </a:p>
+          <a:p>
+            <a:pPr marL="635000" lvl="0" indent="-457200" algn="l" rtl="0">
+              <a:lnSpc>
+                <a:spcPct val="90000"/>
+              </a:lnSpc>
+              <a:spcBef>
+                <a:spcPts val="0"/>
+              </a:spcBef>
+              <a:spcAft>
+                <a:spcPts val="0"/>
+              </a:spcAft>
+              <a:buSzPts val="2800"/>
+              <a:buChar char="•"/>
+            </a:pPr>
+            <a:r>
+              <a:rPr lang="ko-KR" sz="1800" dirty="0" err="1"/>
+              <a:t>Main</a:t>
+            </a:r>
+            <a:r>
+              <a:rPr lang="ko-KR" sz="1800" dirty="0"/>
+              <a:t>/</a:t>
+            </a:r>
+            <a:r>
+              <a:rPr lang="ko-KR" sz="1800" dirty="0" err="1"/>
+              <a:t>DefaultTestScenario에서</a:t>
+            </a:r>
+            <a:r>
+              <a:rPr lang="ko-KR" sz="1800" dirty="0"/>
+              <a:t> 각자 동작하던 </a:t>
+            </a:r>
+            <a:r>
+              <a:rPr lang="ko-KR" sz="1800" dirty="0" err="1"/>
+              <a:t>read</a:t>
+            </a:r>
+            <a:r>
+              <a:rPr lang="ko-KR" sz="1800" dirty="0"/>
+              <a:t>/</a:t>
+            </a:r>
+            <a:r>
+              <a:rPr lang="ko-KR" sz="1800" dirty="0" err="1"/>
+              <a:t>write</a:t>
+            </a:r>
+            <a:r>
+              <a:rPr lang="ko-KR" sz="1800" dirty="0"/>
+              <a:t>/</a:t>
+            </a:r>
+            <a:r>
+              <a:rPr lang="ko-KR" sz="1800" dirty="0" err="1"/>
+              <a:t>erase</a:t>
+            </a:r>
+            <a:r>
+              <a:rPr lang="ko-KR" sz="1800" dirty="0"/>
+              <a:t> 기능 등이 해당 클래스의 책임에 알맞지 않다고 판단하여 </a:t>
+            </a:r>
+            <a:r>
+              <a:rPr lang="ko-KR" sz="1800" dirty="0" err="1"/>
+              <a:t>Manager</a:t>
+            </a:r>
+            <a:r>
+              <a:rPr lang="ko-KR" sz="1800" dirty="0"/>
+              <a:t> 클래스로 분리하였으며 </a:t>
+            </a:r>
+            <a:r>
+              <a:rPr lang="ko-KR" sz="1800" b="1" dirty="0"/>
+              <a:t>(SRP)</a:t>
+            </a:r>
+            <a:endParaRPr dirty="0"/>
+          </a:p>
+          <a:p>
+            <a:pPr marL="635000" lvl="0" indent="-457200" algn="l" rtl="0">
+              <a:lnSpc>
+                <a:spcPct val="90000"/>
+              </a:lnSpc>
+              <a:spcBef>
+                <a:spcPts val="0"/>
+              </a:spcBef>
+              <a:spcAft>
+                <a:spcPts val="0"/>
+              </a:spcAft>
+              <a:buSzPts val="2800"/>
+              <a:buChar char="•"/>
+            </a:pPr>
+            <a:r>
+              <a:rPr lang="ko-KR" sz="1800" dirty="0" err="1"/>
+              <a:t>IManager</a:t>
+            </a:r>
+            <a:r>
+              <a:rPr lang="ko-KR" sz="1800" dirty="0"/>
+              <a:t> 인터페이스를 도입하여 </a:t>
+            </a:r>
+            <a:r>
+              <a:rPr lang="ko-KR" sz="1800" dirty="0" err="1"/>
+              <a:t>Concrete</a:t>
+            </a:r>
+            <a:r>
+              <a:rPr lang="ko-KR" sz="1800" dirty="0"/>
+              <a:t> 클래스에 직접 의존하지 않고 </a:t>
+            </a:r>
+            <a:r>
+              <a:rPr lang="ko-KR" sz="1800" dirty="0" err="1"/>
+              <a:t>Imanager</a:t>
+            </a:r>
+            <a:r>
+              <a:rPr lang="ko-KR" sz="1800" dirty="0"/>
+              <a:t> 인터페이스에 의존하도록 하였습니다. </a:t>
+            </a:r>
+            <a:r>
+              <a:rPr lang="ko-KR" sz="1800" b="1" dirty="0"/>
+              <a:t>(DIP)</a:t>
+            </a:r>
+            <a:endParaRPr dirty="0"/>
+          </a:p>
+        </p:txBody>
+      </p:sp>
+      <p:sp>
+        <p:nvSpPr>
+          <p:cNvPr id="11" name="Google Shape;488;p49">
+            <a:extLst>
+              <a:ext uri="{FF2B5EF4-FFF2-40B4-BE49-F238E27FC236}">
+                <a16:creationId xmlns:a16="http://schemas.microsoft.com/office/drawing/2014/main" id="{A5277CFA-13B9-4A66-88C1-84E32F90ECDE}"/>
+              </a:ext>
+            </a:extLst>
+          </p:cNvPr>
+          <p:cNvSpPr/>
+          <p:nvPr/>
+        </p:nvSpPr>
+        <p:spPr>
+          <a:xfrm>
+            <a:off x="310706" y="3214184"/>
+            <a:ext cx="4318445" cy="2990851"/>
+          </a:xfrm>
+          <a:prstGeom prst="rect">
+            <a:avLst/>
+          </a:prstGeom>
+          <a:noFill/>
+          <a:ln w="12700" cap="flat" cmpd="sng">
+            <a:solidFill>
+              <a:schemeClr val="dk1"/>
+            </a:solidFill>
+            <a:prstDash val="solid"/>
+            <a:miter lim="800000"/>
+            <a:headEnd type="none" w="sm" len="sm"/>
+            <a:tailEnd type="none" w="sm" len="sm"/>
+          </a:ln>
+        </p:spPr>
+        <p:txBody>
+          <a:bodyPr spcFirstLastPara="1" wrap="square" lIns="91425" tIns="45700" rIns="91425" bIns="45700" anchor="ctr" anchorCtr="0">
+            <a:noAutofit/>
+          </a:bodyPr>
+          <a:lstStyle/>
+          <a:p>
+            <a:pPr marL="0" marR="0" lvl="0" indent="0" algn="ctr" rtl="0">
+              <a:spcBef>
+                <a:spcPts val="0"/>
+              </a:spcBef>
+              <a:spcAft>
+                <a:spcPts val="0"/>
+              </a:spcAft>
+              <a:buNone/>
+            </a:pPr>
+            <a:endParaRPr sz="1800">
+              <a:solidFill>
+                <a:schemeClr val="lt1"/>
+              </a:solidFill>
+              <a:latin typeface="Malgun Gothic"/>
+              <a:ea typeface="Malgun Gothic"/>
+              <a:cs typeface="Malgun Gothic"/>
+              <a:sym typeface="Malgun Gothic"/>
+            </a:endParaRPr>
+          </a:p>
+        </p:txBody>
+      </p:sp>
+      <p:sp>
+        <p:nvSpPr>
+          <p:cNvPr id="12" name="Google Shape;489;p49">
+            <a:extLst>
+              <a:ext uri="{FF2B5EF4-FFF2-40B4-BE49-F238E27FC236}">
+                <a16:creationId xmlns:a16="http://schemas.microsoft.com/office/drawing/2014/main" id="{AD61D089-6A4A-4971-82E0-3F90941A9B9E}"/>
+              </a:ext>
+            </a:extLst>
+          </p:cNvPr>
+          <p:cNvSpPr/>
+          <p:nvPr/>
+        </p:nvSpPr>
+        <p:spPr>
+          <a:xfrm flipH="1">
+            <a:off x="4812938" y="3214184"/>
+            <a:ext cx="7053262" cy="2990851"/>
+          </a:xfrm>
+          <a:prstGeom prst="rect">
+            <a:avLst/>
+          </a:prstGeom>
+          <a:noFill/>
+          <a:ln w="12700" cap="flat" cmpd="sng">
+            <a:solidFill>
+              <a:schemeClr val="dk1"/>
+            </a:solidFill>
+            <a:prstDash val="solid"/>
+            <a:miter lim="800000"/>
+            <a:headEnd type="none" w="sm" len="sm"/>
+            <a:tailEnd type="none" w="sm" len="sm"/>
+          </a:ln>
+        </p:spPr>
+        <p:txBody>
+          <a:bodyPr spcFirstLastPara="1" wrap="square" lIns="91425" tIns="45700" rIns="91425" bIns="45700" anchor="ctr" anchorCtr="0">
+            <a:noAutofit/>
+          </a:bodyPr>
+          <a:lstStyle/>
+          <a:p>
+            <a:pPr marL="0" marR="0" lvl="0" indent="0" algn="ctr" rtl="0">
+              <a:spcBef>
+                <a:spcPts val="0"/>
+              </a:spcBef>
+              <a:spcAft>
+                <a:spcPts val="0"/>
+              </a:spcAft>
+              <a:buNone/>
+            </a:pPr>
+            <a:endParaRPr sz="1800">
+              <a:solidFill>
+                <a:schemeClr val="lt1"/>
+              </a:solidFill>
+              <a:latin typeface="Malgun Gothic"/>
+              <a:ea typeface="Malgun Gothic"/>
+              <a:cs typeface="Malgun Gothic"/>
+              <a:sym typeface="Malgun Gothic"/>
+            </a:endParaRPr>
+          </a:p>
+        </p:txBody>
+      </p:sp>
+      <p:sp>
+        <p:nvSpPr>
+          <p:cNvPr id="13" name="Google Shape;490;p49">
+            <a:extLst>
+              <a:ext uri="{FF2B5EF4-FFF2-40B4-BE49-F238E27FC236}">
+                <a16:creationId xmlns:a16="http://schemas.microsoft.com/office/drawing/2014/main" id="{D7EF6249-698D-46A0-9DEE-FA99D0A008C9}"/>
+              </a:ext>
+            </a:extLst>
+          </p:cNvPr>
+          <p:cNvSpPr txBox="1"/>
+          <p:nvPr/>
+        </p:nvSpPr>
+        <p:spPr>
+          <a:xfrm>
+            <a:off x="385221" y="3265156"/>
+            <a:ext cx="1104846" cy="369332"/>
+          </a:xfrm>
+          <a:prstGeom prst="rect">
+            <a:avLst/>
+          </a:prstGeom>
+          <a:noFill/>
+          <a:ln>
+            <a:noFill/>
+          </a:ln>
+        </p:spPr>
+        <p:txBody>
+          <a:bodyPr spcFirstLastPara="1" wrap="square" lIns="91425" tIns="45700" rIns="91425" bIns="45700" anchor="t" anchorCtr="0">
+            <a:spAutoFit/>
+          </a:bodyPr>
+          <a:lstStyle/>
+          <a:p>
+            <a:pPr marL="0" marR="0" lvl="0" indent="0" algn="l" rtl="0">
+              <a:spcBef>
+                <a:spcPts val="0"/>
+              </a:spcBef>
+              <a:spcAft>
+                <a:spcPts val="0"/>
+              </a:spcAft>
+              <a:buNone/>
+            </a:pPr>
+            <a:r>
+              <a:rPr lang="ko-KR" sz="1800" b="1">
+                <a:solidFill>
+                  <a:schemeClr val="dk1"/>
+                </a:solidFill>
+                <a:latin typeface="Malgun Gothic"/>
+                <a:ea typeface="Malgun Gothic"/>
+                <a:cs typeface="Malgun Gothic"/>
+                <a:sym typeface="Malgun Gothic"/>
+              </a:rPr>
+              <a:t>AS-IS</a:t>
+            </a:r>
+            <a:endParaRPr sz="1800" b="1">
+              <a:solidFill>
+                <a:schemeClr val="dk1"/>
+              </a:solidFill>
+              <a:latin typeface="Malgun Gothic"/>
+              <a:ea typeface="Malgun Gothic"/>
+              <a:cs typeface="Malgun Gothic"/>
+              <a:sym typeface="Malgun Gothic"/>
+            </a:endParaRPr>
+          </a:p>
+        </p:txBody>
+      </p:sp>
+      <p:sp>
+        <p:nvSpPr>
+          <p:cNvPr id="14" name="Google Shape;491;p49">
+            <a:extLst>
+              <a:ext uri="{FF2B5EF4-FFF2-40B4-BE49-F238E27FC236}">
+                <a16:creationId xmlns:a16="http://schemas.microsoft.com/office/drawing/2014/main" id="{5F9862E9-7898-48DB-AEA7-3026F1EF4972}"/>
+              </a:ext>
+            </a:extLst>
+          </p:cNvPr>
+          <p:cNvSpPr txBox="1"/>
+          <p:nvPr/>
+        </p:nvSpPr>
+        <p:spPr>
+          <a:xfrm>
+            <a:off x="6145895" y="3265156"/>
+            <a:ext cx="1104846" cy="369332"/>
+          </a:xfrm>
+          <a:prstGeom prst="rect">
+            <a:avLst/>
+          </a:prstGeom>
+          <a:noFill/>
+          <a:ln>
+            <a:noFill/>
+          </a:ln>
+        </p:spPr>
+        <p:txBody>
+          <a:bodyPr spcFirstLastPara="1" wrap="square" lIns="91425" tIns="45700" rIns="91425" bIns="45700" anchor="t" anchorCtr="0">
+            <a:spAutoFit/>
+          </a:bodyPr>
+          <a:lstStyle/>
+          <a:p>
+            <a:pPr marL="0" marR="0" lvl="0" indent="0" algn="l" rtl="0">
+              <a:spcBef>
+                <a:spcPts val="0"/>
+              </a:spcBef>
+              <a:spcAft>
+                <a:spcPts val="0"/>
+              </a:spcAft>
+              <a:buNone/>
+            </a:pPr>
+            <a:r>
+              <a:rPr lang="ko-KR" sz="1800" b="1">
+                <a:solidFill>
+                  <a:schemeClr val="dk1"/>
+                </a:solidFill>
+                <a:latin typeface="Malgun Gothic"/>
+                <a:ea typeface="Malgun Gothic"/>
+                <a:cs typeface="Malgun Gothic"/>
+                <a:sym typeface="Malgun Gothic"/>
+              </a:rPr>
+              <a:t>TO-BE</a:t>
+            </a:r>
+            <a:endParaRPr sz="1800" b="1">
+              <a:solidFill>
+                <a:schemeClr val="dk1"/>
+              </a:solidFill>
+              <a:latin typeface="Malgun Gothic"/>
+              <a:ea typeface="Malgun Gothic"/>
+              <a:cs typeface="Malgun Gothic"/>
+              <a:sym typeface="Malgun Gothic"/>
+            </a:endParaRPr>
+          </a:p>
+        </p:txBody>
+      </p:sp>
+      <p:pic>
+        <p:nvPicPr>
+          <p:cNvPr id="15" name="Google Shape;492;p49">
+            <a:extLst>
+              <a:ext uri="{FF2B5EF4-FFF2-40B4-BE49-F238E27FC236}">
+                <a16:creationId xmlns:a16="http://schemas.microsoft.com/office/drawing/2014/main" id="{B18BBAA7-BE47-4B66-8651-306E51B0356B}"/>
+              </a:ext>
+            </a:extLst>
+          </p:cNvPr>
+          <p:cNvPicPr preferRelativeResize="0"/>
+          <p:nvPr/>
+        </p:nvPicPr>
+        <p:blipFill rotWithShape="1">
+          <a:blip r:embed="rId3">
+            <a:alphaModFix/>
+          </a:blip>
+          <a:srcRect/>
+          <a:stretch/>
+        </p:blipFill>
+        <p:spPr>
+          <a:xfrm>
+            <a:off x="4859434" y="3685460"/>
+            <a:ext cx="7053262" cy="2322151"/>
+          </a:xfrm>
+          <a:prstGeom prst="rect">
+            <a:avLst/>
+          </a:prstGeom>
+          <a:noFill/>
+          <a:ln>
+            <a:noFill/>
+          </a:ln>
+        </p:spPr>
+      </p:pic>
+      <p:pic>
+        <p:nvPicPr>
+          <p:cNvPr id="16" name="Google Shape;493;p49">
+            <a:extLst>
+              <a:ext uri="{FF2B5EF4-FFF2-40B4-BE49-F238E27FC236}">
+                <a16:creationId xmlns:a16="http://schemas.microsoft.com/office/drawing/2014/main" id="{6FB6E573-7A39-4E8A-91F1-0D8F45628415}"/>
+              </a:ext>
+            </a:extLst>
+          </p:cNvPr>
+          <p:cNvPicPr preferRelativeResize="0"/>
+          <p:nvPr/>
+        </p:nvPicPr>
+        <p:blipFill rotWithShape="1">
+          <a:blip r:embed="rId4">
+            <a:alphaModFix/>
+          </a:blip>
+          <a:srcRect/>
+          <a:stretch/>
+        </p:blipFill>
+        <p:spPr>
+          <a:xfrm>
+            <a:off x="348234" y="3671325"/>
+            <a:ext cx="4243387" cy="2584682"/>
+          </a:xfrm>
+          <a:prstGeom prst="rect">
+            <a:avLst/>
+          </a:prstGeom>
+          <a:noFill/>
+          <a:ln>
+            <a:noFill/>
+          </a:ln>
+        </p:spPr>
+      </p:pic>
+    </p:spTree>
+    <p:extLst>
+      <p:ext uri="{BB962C8B-B14F-4D97-AF65-F5344CB8AC3E}">
+        <p14:creationId xmlns:p14="http://schemas.microsoft.com/office/powerpoint/2010/main" val="3601911906"/>
+      </p:ext>
+    </p:extLst>
+  </p:cSld>
+  <p:clrMapOvr>
+    <a:masterClrMapping/>
+  </p:clrMapOvr>
+</p:sld>
+</file>
+
+<file path=ppt/slides/slide31.xml><?xml version="1.0" encoding="utf-8"?>
+<p:sld xmlns:a="http://schemas.openxmlformats.org/drawingml/2006/main" xmlns:r="http://schemas.openxmlformats.org/officeDocument/2006/relationships" xmlns:p="http://schemas.openxmlformats.org/presentationml/2006/main">
+  <p:cSld>
+    <p:spTree>
+      <p:nvGrpSpPr>
         <p:cNvPr id="1" name="Shape 497"/>
         <p:cNvGrpSpPr/>
         <p:nvPr/>
@@ -21148,10 +21438,14 @@
               <a:buNone/>
             </a:pPr>
             <a:r>
-              <a:rPr lang="ko-KR"/>
-              <a:t>6. 소감</a:t>
-            </a:r>
-            <a:endParaRPr/>
+              <a:rPr lang="en-US" altLang="ko-KR" dirty="0"/>
+              <a:t>7</a:t>
+            </a:r>
+            <a:r>
+              <a:rPr lang="ko-KR" dirty="0"/>
+              <a:t>. 소감</a:t>
+            </a:r>
+            <a:endParaRPr dirty="0"/>
           </a:p>
         </p:txBody>
       </p:sp>
@@ -21163,7 +21457,7 @@
 </p:sld>
 </file>
 
-<file path=ppt/slides/slide31.xml><?xml version="1.0" encoding="utf-8"?>
+<file path=ppt/slides/slide32.xml><?xml version="1.0" encoding="utf-8"?>
 <p:sld xmlns:a="http://schemas.openxmlformats.org/drawingml/2006/main" xmlns:r="http://schemas.openxmlformats.org/officeDocument/2006/relationships" xmlns:p="http://schemas.openxmlformats.org/presentationml/2006/main">
   <p:cSld>
     <p:spTree>
@@ -21407,7 +21701,7 @@
             <a:fld id="{00000000-1234-1234-1234-123412341234}" type="slidenum">
               <a:rPr lang="en-US" altLang="ko-KR" smtClean="0"/>
               <a:pPr/>
-              <a:t>31</a:t>
+              <a:t>32</a:t>
             </a:fld>
             <a:r>
               <a:rPr lang="en-US" altLang="ko-KR"/>
@@ -21425,7 +21719,7 @@
 </p:sld>
 </file>
 
-<file path=ppt/slides/slide32.xml><?xml version="1.0" encoding="utf-8"?>
+<file path=ppt/slides/slide33.xml><?xml version="1.0" encoding="utf-8"?>
 <p:sld xmlns:a="http://schemas.openxmlformats.org/drawingml/2006/main" xmlns:r="http://schemas.openxmlformats.org/officeDocument/2006/relationships" xmlns:p="http://schemas.openxmlformats.org/presentationml/2006/main">
   <p:cSld>
     <p:spTree>
@@ -21723,7 +22017,7 @@
             <a:fld id="{00000000-1234-1234-1234-123412341234}" type="slidenum">
               <a:rPr lang="en-US" altLang="ko-KR" smtClean="0"/>
               <a:pPr/>
-              <a:t>32</a:t>
+              <a:t>33</a:t>
             </a:fld>
             <a:r>
               <a:rPr lang="en-US" altLang="ko-KR"/>
@@ -22554,351 +22848,6 @@
       </p:grpSp>
       <p:sp>
         <p:nvSpPr>
-          <p:cNvPr id="215" name="Google Shape;215;p26"/>
-          <p:cNvSpPr txBox="1"/>
-          <p:nvPr/>
-        </p:nvSpPr>
-        <p:spPr>
-          <a:xfrm>
-            <a:off x="6524925" y="1245800"/>
-            <a:ext cx="5667000" cy="5139300"/>
-          </a:xfrm>
-          <a:prstGeom prst="rect">
-            <a:avLst/>
-          </a:prstGeom>
-          <a:noFill/>
-          <a:ln>
-            <a:noFill/>
-          </a:ln>
-        </p:spPr>
-        <p:txBody>
-          <a:bodyPr spcFirstLastPara="1" wrap="square" lIns="121900" tIns="121900" rIns="121900" bIns="121900" anchor="t" anchorCtr="0">
-            <a:noAutofit/>
-          </a:bodyPr>
-          <a:lstStyle/>
-          <a:p>
-            <a:pPr marL="0" lvl="0" indent="0" algn="l" rtl="0">
-              <a:lnSpc>
-                <a:spcPct val="115000"/>
-              </a:lnSpc>
-              <a:spcBef>
-                <a:spcPts val="1200"/>
-              </a:spcBef>
-              <a:spcAft>
-                <a:spcPts val="0"/>
-              </a:spcAft>
-              <a:buNone/>
-            </a:pPr>
-            <a:r>
-              <a:rPr lang="ko-KR" sz="1300" b="1">
-                <a:solidFill>
-                  <a:schemeClr val="dk1"/>
-                </a:solidFill>
-              </a:rPr>
-              <a:t>1. Builder 패턴 적용 </a:t>
-            </a:r>
-            <a:endParaRPr sz="1300" b="1">
-              <a:solidFill>
-                <a:schemeClr val="dk1"/>
-              </a:solidFill>
-            </a:endParaRPr>
-          </a:p>
-          <a:p>
-            <a:pPr marL="0" lvl="0" indent="0" algn="l" rtl="0">
-              <a:lnSpc>
-                <a:spcPct val="115000"/>
-              </a:lnSpc>
-              <a:spcBef>
-                <a:spcPts val="1200"/>
-              </a:spcBef>
-              <a:spcAft>
-                <a:spcPts val="0"/>
-              </a:spcAft>
-              <a:buNone/>
-            </a:pPr>
-            <a:r>
-              <a:rPr lang="ko-KR" sz="1300">
-                <a:solidFill>
-                  <a:schemeClr val="dk1"/>
-                </a:solidFill>
-              </a:rPr>
-              <a:t>→ InputBufferDriver, OutputBufferDriver, ReadWritable을 조합해 사용.</a:t>
-            </a:r>
-            <a:endParaRPr sz="1300">
-              <a:solidFill>
-                <a:schemeClr val="dk1"/>
-              </a:solidFill>
-            </a:endParaRPr>
-          </a:p>
-          <a:p>
-            <a:pPr marL="0" lvl="0" indent="0" algn="l" rtl="0">
-              <a:lnSpc>
-                <a:spcPct val="115000"/>
-              </a:lnSpc>
-              <a:spcBef>
-                <a:spcPts val="1200"/>
-              </a:spcBef>
-              <a:spcAft>
-                <a:spcPts val="0"/>
-              </a:spcAft>
-              <a:buNone/>
-            </a:pPr>
-            <a:endParaRPr sz="1300" b="1">
-              <a:solidFill>
-                <a:schemeClr val="dk1"/>
-              </a:solidFill>
-            </a:endParaRPr>
-          </a:p>
-          <a:p>
-            <a:pPr marL="0" lvl="0" indent="0" algn="l" rtl="0">
-              <a:lnSpc>
-                <a:spcPct val="115000"/>
-              </a:lnSpc>
-              <a:spcBef>
-                <a:spcPts val="1200"/>
-              </a:spcBef>
-              <a:spcAft>
-                <a:spcPts val="0"/>
-              </a:spcAft>
-              <a:buNone/>
-            </a:pPr>
-            <a:r>
-              <a:rPr lang="ko-KR" sz="1300" b="1">
-                <a:solidFill>
-                  <a:schemeClr val="dk1"/>
-                </a:solidFill>
-              </a:rPr>
-              <a:t>2. 입출력 인터페이스 분리</a:t>
-            </a:r>
-            <a:endParaRPr sz="1300" b="1">
-              <a:solidFill>
-                <a:schemeClr val="dk1"/>
-              </a:solidFill>
-            </a:endParaRPr>
-          </a:p>
-          <a:p>
-            <a:pPr marL="0" lvl="0" indent="0" algn="l" rtl="0">
-              <a:lnSpc>
-                <a:spcPct val="115000"/>
-              </a:lnSpc>
-              <a:spcBef>
-                <a:spcPts val="1200"/>
-              </a:spcBef>
-              <a:spcAft>
-                <a:spcPts val="0"/>
-              </a:spcAft>
-              <a:buNone/>
-            </a:pPr>
-            <a:r>
-              <a:rPr lang="ko-KR" sz="1300">
-                <a:solidFill>
-                  <a:schemeClr val="dk1"/>
-                </a:solidFill>
-              </a:rPr>
-              <a:t> → IOHandler → InputHandler, OutputHandler</a:t>
-            </a:r>
-            <a:endParaRPr sz="1300">
-              <a:solidFill>
-                <a:schemeClr val="dk1"/>
-              </a:solidFill>
-            </a:endParaRPr>
-          </a:p>
-          <a:p>
-            <a:pPr marL="0" lvl="0" indent="0" algn="l" rtl="0">
-              <a:lnSpc>
-                <a:spcPct val="115000"/>
-              </a:lnSpc>
-              <a:spcBef>
-                <a:spcPts val="1200"/>
-              </a:spcBef>
-              <a:spcAft>
-                <a:spcPts val="0"/>
-              </a:spcAft>
-              <a:buNone/>
-            </a:pPr>
-            <a:endParaRPr sz="1300">
-              <a:solidFill>
-                <a:schemeClr val="dk1"/>
-              </a:solidFill>
-            </a:endParaRPr>
-          </a:p>
-          <a:p>
-            <a:pPr marL="0" lvl="0" indent="0" algn="l" rtl="0">
-              <a:lnSpc>
-                <a:spcPct val="115000"/>
-              </a:lnSpc>
-              <a:spcBef>
-                <a:spcPts val="1200"/>
-              </a:spcBef>
-              <a:spcAft>
-                <a:spcPts val="0"/>
-              </a:spcAft>
-              <a:buNone/>
-            </a:pPr>
-            <a:r>
-              <a:rPr lang="ko-KR" sz="1300" b="1">
-                <a:solidFill>
-                  <a:schemeClr val="dk1"/>
-                </a:solidFill>
-              </a:rPr>
-              <a:t>3. 저장장치 인터페이스 분리</a:t>
-            </a:r>
-            <a:endParaRPr sz="1300" b="1">
-              <a:solidFill>
-                <a:schemeClr val="dk1"/>
-              </a:solidFill>
-            </a:endParaRPr>
-          </a:p>
-          <a:p>
-            <a:pPr marL="0" lvl="0" indent="0" algn="l" rtl="0">
-              <a:lnSpc>
-                <a:spcPct val="115000"/>
-              </a:lnSpc>
-              <a:spcBef>
-                <a:spcPts val="1200"/>
-              </a:spcBef>
-              <a:spcAft>
-                <a:spcPts val="0"/>
-              </a:spcAft>
-              <a:buNone/>
-            </a:pPr>
-            <a:r>
-              <a:rPr lang="ko-KR" sz="1300">
-                <a:solidFill>
-                  <a:schemeClr val="dk1"/>
-                </a:solidFill>
-              </a:rPr>
-              <a:t>→  ReadWritable (SSD 저장 기능), NandDriver (NAND 저장 장치용)</a:t>
-            </a:r>
-            <a:endParaRPr sz="1300">
-              <a:solidFill>
-                <a:schemeClr val="dk1"/>
-              </a:solidFill>
-            </a:endParaRPr>
-          </a:p>
-          <a:p>
-            <a:pPr marL="0" lvl="0" indent="0" algn="l" rtl="0">
-              <a:lnSpc>
-                <a:spcPct val="115000"/>
-              </a:lnSpc>
-              <a:spcBef>
-                <a:spcPts val="1200"/>
-              </a:spcBef>
-              <a:spcAft>
-                <a:spcPts val="0"/>
-              </a:spcAft>
-              <a:buNone/>
-            </a:pPr>
-            <a:endParaRPr sz="1300" b="1">
-              <a:solidFill>
-                <a:schemeClr val="dk1"/>
-              </a:solidFill>
-            </a:endParaRPr>
-          </a:p>
-          <a:p>
-            <a:pPr marL="0" lvl="0" indent="0" algn="l" rtl="0">
-              <a:lnSpc>
-                <a:spcPct val="115000"/>
-              </a:lnSpc>
-              <a:spcBef>
-                <a:spcPts val="1200"/>
-              </a:spcBef>
-              <a:spcAft>
-                <a:spcPts val="0"/>
-              </a:spcAft>
-              <a:buNone/>
-            </a:pPr>
-            <a:r>
-              <a:rPr lang="ko-KR" sz="1300" b="1">
-                <a:solidFill>
-                  <a:schemeClr val="dk1"/>
-                </a:solidFill>
-              </a:rPr>
-              <a:t>4. SSD 전체 추상화 및 DI 적용</a:t>
-            </a:r>
-            <a:endParaRPr sz="1300" b="1">
-              <a:solidFill>
-                <a:schemeClr val="dk1"/>
-              </a:solidFill>
-            </a:endParaRPr>
-          </a:p>
-          <a:p>
-            <a:pPr marL="0" lvl="0" indent="0" algn="l" rtl="0">
-              <a:lnSpc>
-                <a:spcPct val="115000"/>
-              </a:lnSpc>
-              <a:spcBef>
-                <a:spcPts val="1200"/>
-              </a:spcBef>
-              <a:spcAft>
-                <a:spcPts val="0"/>
-              </a:spcAft>
-              <a:buNone/>
-            </a:pPr>
-            <a:r>
-              <a:rPr lang="ko-KR" sz="1300">
-                <a:solidFill>
-                  <a:schemeClr val="dk1"/>
-                </a:solidFill>
-              </a:rPr>
-              <a:t>→  Abstract Class 적용, Nand Driver 주입(하드웨어 의존성 분리) </a:t>
-            </a:r>
-            <a:endParaRPr sz="1300">
-              <a:solidFill>
-                <a:schemeClr val="dk1"/>
-              </a:solidFill>
-            </a:endParaRPr>
-          </a:p>
-          <a:p>
-            <a:pPr marL="0" lvl="0" indent="0" algn="l" rtl="0">
-              <a:lnSpc>
-                <a:spcPct val="115000"/>
-              </a:lnSpc>
-              <a:spcBef>
-                <a:spcPts val="1200"/>
-              </a:spcBef>
-              <a:spcAft>
-                <a:spcPts val="0"/>
-              </a:spcAft>
-              <a:buNone/>
-            </a:pPr>
-            <a:endParaRPr sz="1300">
-              <a:solidFill>
-                <a:schemeClr val="dk1"/>
-              </a:solidFill>
-            </a:endParaRPr>
-          </a:p>
-          <a:p>
-            <a:pPr marL="0" lvl="0" indent="0" algn="l" rtl="0">
-              <a:lnSpc>
-                <a:spcPct val="115000"/>
-              </a:lnSpc>
-              <a:spcBef>
-                <a:spcPts val="1200"/>
-              </a:spcBef>
-              <a:spcAft>
-                <a:spcPts val="1200"/>
-              </a:spcAft>
-              <a:buNone/>
-            </a:pPr>
-            <a:r>
-              <a:rPr lang="ko-KR" b="1">
-                <a:solidFill>
-                  <a:srgbClr val="0000FF"/>
-                </a:solidFill>
-              </a:rPr>
-              <a:t>→ 각 계층은 해당 인터페이스 충족 시 어떤 저장 장치든 연결 가능</a:t>
-            </a:r>
-            <a:endParaRPr b="1">
-              <a:solidFill>
-                <a:srgbClr val="0000FF"/>
-              </a:solidFill>
-            </a:endParaRPr>
-          </a:p>
-        </p:txBody>
-      </p:sp>
-      <p:sp>
-        <p:nvSpPr>
           <p:cNvPr id="2" name="슬라이드 번호 개체 틀 1">
             <a:extLst>
               <a:ext uri="{FF2B5EF4-FFF2-40B4-BE49-F238E27FC236}">
@@ -22928,6 +22877,357 @@
               <a:t>/35</a:t>
             </a:r>
             <a:endParaRPr lang="ko-KR" altLang="en-US" dirty="0"/>
+          </a:p>
+        </p:txBody>
+      </p:sp>
+      <p:sp>
+        <p:nvSpPr>
+          <p:cNvPr id="16" name="Google Shape;205;p26">
+            <a:extLst>
+              <a:ext uri="{FF2B5EF4-FFF2-40B4-BE49-F238E27FC236}">
+                <a16:creationId xmlns:a16="http://schemas.microsoft.com/office/drawing/2014/main" id="{7E0ADD63-680F-4461-85C9-E27595240950}"/>
+              </a:ext>
+            </a:extLst>
+          </p:cNvPr>
+          <p:cNvSpPr txBox="1"/>
+          <p:nvPr/>
+        </p:nvSpPr>
+        <p:spPr>
+          <a:xfrm>
+            <a:off x="6524925" y="1245800"/>
+            <a:ext cx="5667000" cy="5139300"/>
+          </a:xfrm>
+          <a:prstGeom prst="rect">
+            <a:avLst/>
+          </a:prstGeom>
+          <a:noFill/>
+          <a:ln>
+            <a:noFill/>
+          </a:ln>
+        </p:spPr>
+        <p:txBody>
+          <a:bodyPr spcFirstLastPara="1" wrap="square" lIns="121900" tIns="121900" rIns="121900" bIns="121900" anchor="t" anchorCtr="0">
+            <a:noAutofit/>
+          </a:bodyPr>
+          <a:lstStyle/>
+          <a:p>
+            <a:pPr marL="0" lvl="0" indent="0" algn="l" rtl="0">
+              <a:lnSpc>
+                <a:spcPct val="115000"/>
+              </a:lnSpc>
+              <a:spcBef>
+                <a:spcPts val="1200"/>
+              </a:spcBef>
+              <a:spcAft>
+                <a:spcPts val="0"/>
+              </a:spcAft>
+              <a:buNone/>
+            </a:pPr>
+            <a:r>
+              <a:rPr lang="ko-KR" sz="1300" b="1">
+                <a:solidFill>
+                  <a:schemeClr val="dk1"/>
+                </a:solidFill>
+              </a:rPr>
+              <a:t>1. Builder 패턴 적용 </a:t>
+            </a:r>
+            <a:endParaRPr sz="1300" b="1">
+              <a:solidFill>
+                <a:schemeClr val="dk1"/>
+              </a:solidFill>
+            </a:endParaRPr>
+          </a:p>
+          <a:p>
+            <a:pPr marL="0" lvl="0" indent="0" algn="l" rtl="0">
+              <a:lnSpc>
+                <a:spcPct val="115000"/>
+              </a:lnSpc>
+              <a:spcBef>
+                <a:spcPts val="1200"/>
+              </a:spcBef>
+              <a:spcAft>
+                <a:spcPts val="0"/>
+              </a:spcAft>
+              <a:buNone/>
+            </a:pPr>
+            <a:r>
+              <a:rPr lang="ko-KR" sz="1300">
+                <a:solidFill>
+                  <a:schemeClr val="dk1"/>
+                </a:solidFill>
+              </a:rPr>
+              <a:t>→ InputHandler, OutputHandler, ReadWritable을 조합해 사용.</a:t>
+            </a:r>
+            <a:endParaRPr sz="1300">
+              <a:solidFill>
+                <a:schemeClr val="dk1"/>
+              </a:solidFill>
+            </a:endParaRPr>
+          </a:p>
+          <a:p>
+            <a:pPr marL="0" lvl="0" indent="0" algn="l" rtl="0">
+              <a:lnSpc>
+                <a:spcPct val="115000"/>
+              </a:lnSpc>
+              <a:spcBef>
+                <a:spcPts val="1200"/>
+              </a:spcBef>
+              <a:spcAft>
+                <a:spcPts val="0"/>
+              </a:spcAft>
+              <a:buNone/>
+            </a:pPr>
+            <a:endParaRPr sz="1300" b="1">
+              <a:solidFill>
+                <a:schemeClr val="dk1"/>
+              </a:solidFill>
+            </a:endParaRPr>
+          </a:p>
+          <a:p>
+            <a:pPr marL="0" lvl="0" indent="0" algn="l" rtl="0">
+              <a:lnSpc>
+                <a:spcPct val="115000"/>
+              </a:lnSpc>
+              <a:spcBef>
+                <a:spcPts val="1200"/>
+              </a:spcBef>
+              <a:spcAft>
+                <a:spcPts val="0"/>
+              </a:spcAft>
+              <a:buNone/>
+            </a:pPr>
+            <a:r>
+              <a:rPr lang="ko-KR" sz="1300" b="1">
+                <a:solidFill>
+                  <a:schemeClr val="dk1"/>
+                </a:solidFill>
+              </a:rPr>
+              <a:t>2. 입출력 인터페이스 분리</a:t>
+            </a:r>
+            <a:endParaRPr sz="1300" b="1">
+              <a:solidFill>
+                <a:schemeClr val="dk1"/>
+              </a:solidFill>
+            </a:endParaRPr>
+          </a:p>
+          <a:p>
+            <a:pPr marL="0" lvl="0" indent="0" algn="l" rtl="0">
+              <a:lnSpc>
+                <a:spcPct val="115000"/>
+              </a:lnSpc>
+              <a:spcBef>
+                <a:spcPts val="1200"/>
+              </a:spcBef>
+              <a:spcAft>
+                <a:spcPts val="0"/>
+              </a:spcAft>
+              <a:buNone/>
+            </a:pPr>
+            <a:r>
+              <a:rPr lang="ko-KR" sz="1300">
+                <a:solidFill>
+                  <a:schemeClr val="dk1"/>
+                </a:solidFill>
+              </a:rPr>
+              <a:t> → IOHandler → InputHandler, OutputHandler</a:t>
+            </a:r>
+            <a:endParaRPr sz="1300">
+              <a:solidFill>
+                <a:schemeClr val="dk1"/>
+              </a:solidFill>
+            </a:endParaRPr>
+          </a:p>
+          <a:p>
+            <a:pPr marL="0" lvl="0" indent="0" algn="l" rtl="0">
+              <a:lnSpc>
+                <a:spcPct val="115000"/>
+              </a:lnSpc>
+              <a:spcBef>
+                <a:spcPts val="1200"/>
+              </a:spcBef>
+              <a:spcAft>
+                <a:spcPts val="0"/>
+              </a:spcAft>
+              <a:buNone/>
+            </a:pPr>
+            <a:endParaRPr sz="1300">
+              <a:solidFill>
+                <a:schemeClr val="dk1"/>
+              </a:solidFill>
+            </a:endParaRPr>
+          </a:p>
+          <a:p>
+            <a:pPr marL="0" lvl="0" indent="0" algn="l" rtl="0">
+              <a:lnSpc>
+                <a:spcPct val="115000"/>
+              </a:lnSpc>
+              <a:spcBef>
+                <a:spcPts val="1200"/>
+              </a:spcBef>
+              <a:spcAft>
+                <a:spcPts val="0"/>
+              </a:spcAft>
+              <a:buNone/>
+            </a:pPr>
+            <a:r>
+              <a:rPr lang="ko-KR" sz="1300" b="1">
+                <a:solidFill>
+                  <a:schemeClr val="dk1"/>
+                </a:solidFill>
+              </a:rPr>
+              <a:t>3. 저장장치 인터페이스 분리</a:t>
+            </a:r>
+            <a:endParaRPr sz="1300" b="1">
+              <a:solidFill>
+                <a:schemeClr val="dk1"/>
+              </a:solidFill>
+            </a:endParaRPr>
+          </a:p>
+          <a:p>
+            <a:pPr marL="0" lvl="0" indent="0" algn="l" rtl="0">
+              <a:lnSpc>
+                <a:spcPct val="115000"/>
+              </a:lnSpc>
+              <a:spcBef>
+                <a:spcPts val="1200"/>
+              </a:spcBef>
+              <a:spcAft>
+                <a:spcPts val="0"/>
+              </a:spcAft>
+              <a:buNone/>
+            </a:pPr>
+            <a:r>
+              <a:rPr lang="ko-KR" sz="1300">
+                <a:solidFill>
+                  <a:schemeClr val="dk1"/>
+                </a:solidFill>
+              </a:rPr>
+              <a:t>→  ReadWritable (SSD 저장 기능), NandDriver (NAND 저장 장치용)</a:t>
+            </a:r>
+            <a:endParaRPr sz="1300">
+              <a:solidFill>
+                <a:schemeClr val="dk1"/>
+              </a:solidFill>
+            </a:endParaRPr>
+          </a:p>
+          <a:p>
+            <a:pPr marL="0" lvl="0" indent="0" algn="l" rtl="0">
+              <a:lnSpc>
+                <a:spcPct val="115000"/>
+              </a:lnSpc>
+              <a:spcBef>
+                <a:spcPts val="1200"/>
+              </a:spcBef>
+              <a:spcAft>
+                <a:spcPts val="0"/>
+              </a:spcAft>
+              <a:buNone/>
+            </a:pPr>
+            <a:endParaRPr sz="1300" b="1">
+              <a:solidFill>
+                <a:schemeClr val="dk1"/>
+              </a:solidFill>
+            </a:endParaRPr>
+          </a:p>
+          <a:p>
+            <a:pPr marL="0" lvl="0" indent="0" algn="l" rtl="0">
+              <a:lnSpc>
+                <a:spcPct val="115000"/>
+              </a:lnSpc>
+              <a:spcBef>
+                <a:spcPts val="1200"/>
+              </a:spcBef>
+              <a:spcAft>
+                <a:spcPts val="0"/>
+              </a:spcAft>
+              <a:buNone/>
+            </a:pPr>
+            <a:r>
+              <a:rPr lang="ko-KR" sz="1300" b="1">
+                <a:solidFill>
+                  <a:schemeClr val="dk1"/>
+                </a:solidFill>
+              </a:rPr>
+              <a:t>4. SSD 전체 추상화 및 DI 적용</a:t>
+            </a:r>
+            <a:endParaRPr sz="1300" b="1">
+              <a:solidFill>
+                <a:schemeClr val="dk1"/>
+              </a:solidFill>
+            </a:endParaRPr>
+          </a:p>
+          <a:p>
+            <a:pPr marL="0" lvl="0" indent="0" algn="l" rtl="0">
+              <a:lnSpc>
+                <a:spcPct val="115000"/>
+              </a:lnSpc>
+              <a:spcBef>
+                <a:spcPts val="1200"/>
+              </a:spcBef>
+              <a:spcAft>
+                <a:spcPts val="0"/>
+              </a:spcAft>
+              <a:buNone/>
+            </a:pPr>
+            <a:r>
+              <a:rPr lang="ko-KR" sz="1300">
+                <a:solidFill>
+                  <a:schemeClr val="dk1"/>
+                </a:solidFill>
+              </a:rPr>
+              <a:t>→  Abstract Class 적용, Nand Driver 주입(하드웨어 의존성 분리) </a:t>
+            </a:r>
+            <a:endParaRPr sz="1300">
+              <a:solidFill>
+                <a:schemeClr val="dk1"/>
+              </a:solidFill>
+            </a:endParaRPr>
+          </a:p>
+          <a:p>
+            <a:pPr marL="0" lvl="0" indent="0" algn="l" rtl="0">
+              <a:lnSpc>
+                <a:spcPct val="115000"/>
+              </a:lnSpc>
+              <a:spcBef>
+                <a:spcPts val="1200"/>
+              </a:spcBef>
+              <a:spcAft>
+                <a:spcPts val="0"/>
+              </a:spcAft>
+              <a:buNone/>
+            </a:pPr>
+            <a:endParaRPr sz="1300">
+              <a:solidFill>
+                <a:schemeClr val="dk1"/>
+              </a:solidFill>
+            </a:endParaRPr>
+          </a:p>
+          <a:p>
+            <a:pPr marL="0" lvl="0" indent="0" algn="l" rtl="0">
+              <a:lnSpc>
+                <a:spcPct val="115000"/>
+              </a:lnSpc>
+              <a:spcBef>
+                <a:spcPts val="1200"/>
+              </a:spcBef>
+              <a:spcAft>
+                <a:spcPts val="1200"/>
+              </a:spcAft>
+              <a:buNone/>
+            </a:pPr>
+            <a:r>
+              <a:rPr lang="ko-KR" b="1">
+                <a:solidFill>
+                  <a:srgbClr val="0000FF"/>
+                </a:solidFill>
+              </a:rPr>
+              <a:t>→ 각 계층은 해당 인터페이스 충족 시 어떤 저장 장치든 연결 가능</a:t>
+            </a:r>
+            <a:endParaRPr b="1">
+              <a:solidFill>
+                <a:srgbClr val="0000FF"/>
+              </a:solidFill>
+            </a:endParaRPr>
           </a:p>
         </p:txBody>
       </p:sp>
@@ -25545,1135 +25845,6 @@
           </a:p>
         </p:txBody>
       </p:sp>
-      <p:pic>
-        <p:nvPicPr>
-          <p:cNvPr id="266" name="Google Shape;266;p29"/>
-          <p:cNvPicPr preferRelativeResize="0"/>
-          <p:nvPr/>
-        </p:nvPicPr>
-        <p:blipFill>
-          <a:blip r:embed="rId3">
-            <a:alphaModFix/>
-          </a:blip>
-          <a:stretch>
-            <a:fillRect/>
-          </a:stretch>
-        </p:blipFill>
-        <p:spPr>
-          <a:xfrm>
-            <a:off x="152400" y="1112343"/>
-            <a:ext cx="2257425" cy="1590675"/>
-          </a:xfrm>
-          <a:prstGeom prst="rect">
-            <a:avLst/>
-          </a:prstGeom>
-          <a:noFill/>
-          <a:ln>
-            <a:noFill/>
-          </a:ln>
-        </p:spPr>
-      </p:pic>
-      <p:sp>
-        <p:nvSpPr>
-          <p:cNvPr id="267" name="Google Shape;267;p29"/>
-          <p:cNvSpPr txBox="1"/>
-          <p:nvPr/>
-        </p:nvSpPr>
-        <p:spPr>
-          <a:xfrm>
-            <a:off x="2409813" y="1112350"/>
-            <a:ext cx="2018400" cy="487500"/>
-          </a:xfrm>
-          <a:prstGeom prst="rect">
-            <a:avLst/>
-          </a:prstGeom>
-          <a:noFill/>
-          <a:ln>
-            <a:noFill/>
-          </a:ln>
-        </p:spPr>
-        <p:txBody>
-          <a:bodyPr spcFirstLastPara="1" wrap="square" lIns="91425" tIns="91425" rIns="91425" bIns="91425" anchor="t" anchorCtr="0">
-            <a:noAutofit/>
-          </a:bodyPr>
-          <a:lstStyle/>
-          <a:p>
-            <a:pPr marL="0" lvl="0" indent="0" algn="l" rtl="0">
-              <a:spcBef>
-                <a:spcPts val="0"/>
-              </a:spcBef>
-              <a:spcAft>
-                <a:spcPts val="0"/>
-              </a:spcAft>
-              <a:buNone/>
-            </a:pPr>
-            <a:r>
-              <a:rPr lang="ko-KR">
-                <a:solidFill>
-                  <a:schemeClr val="dk1"/>
-                </a:solidFill>
-                <a:latin typeface="Malgun Gothic"/>
-                <a:ea typeface="Malgun Gothic"/>
-                <a:cs typeface="Malgun Gothic"/>
-                <a:sym typeface="Malgun Gothic"/>
-              </a:rPr>
-              <a:t>명령을 클래스로 관리</a:t>
-            </a:r>
-            <a:endParaRPr>
-              <a:solidFill>
-                <a:schemeClr val="dk1"/>
-              </a:solidFill>
-              <a:latin typeface="Malgun Gothic"/>
-              <a:ea typeface="Malgun Gothic"/>
-              <a:cs typeface="Malgun Gothic"/>
-              <a:sym typeface="Malgun Gothic"/>
-            </a:endParaRPr>
-          </a:p>
-        </p:txBody>
-      </p:sp>
-      <p:pic>
-        <p:nvPicPr>
-          <p:cNvPr id="268" name="Google Shape;268;p29"/>
-          <p:cNvPicPr preferRelativeResize="0"/>
-          <p:nvPr/>
-        </p:nvPicPr>
-        <p:blipFill>
-          <a:blip r:embed="rId4">
-            <a:alphaModFix/>
-          </a:blip>
-          <a:stretch>
-            <a:fillRect/>
-          </a:stretch>
-        </p:blipFill>
-        <p:spPr>
-          <a:xfrm>
-            <a:off x="132725" y="2839906"/>
-            <a:ext cx="5133975" cy="200025"/>
-          </a:xfrm>
-          <a:prstGeom prst="rect">
-            <a:avLst/>
-          </a:prstGeom>
-          <a:noFill/>
-          <a:ln>
-            <a:noFill/>
-          </a:ln>
-        </p:spPr>
-      </p:pic>
-      <p:sp>
-        <p:nvSpPr>
-          <p:cNvPr id="269" name="Google Shape;269;p29"/>
-          <p:cNvSpPr txBox="1"/>
-          <p:nvPr/>
-        </p:nvSpPr>
-        <p:spPr>
-          <a:xfrm>
-            <a:off x="65150" y="3039938"/>
-            <a:ext cx="6315900" cy="1726500"/>
-          </a:xfrm>
-          <a:prstGeom prst="rect">
-            <a:avLst/>
-          </a:prstGeom>
-          <a:noFill/>
-          <a:ln>
-            <a:noFill/>
-          </a:ln>
-        </p:spPr>
-        <p:txBody>
-          <a:bodyPr spcFirstLastPara="1" wrap="square" lIns="91425" tIns="91425" rIns="91425" bIns="91425" anchor="t" anchorCtr="0">
-            <a:noAutofit/>
-          </a:bodyPr>
-          <a:lstStyle/>
-          <a:p>
-            <a:pPr marL="457200" lvl="0" indent="-317500" algn="l" rtl="0">
-              <a:spcBef>
-                <a:spcPts val="0"/>
-              </a:spcBef>
-              <a:spcAft>
-                <a:spcPts val="0"/>
-              </a:spcAft>
-              <a:buClr>
-                <a:schemeClr val="dk1"/>
-              </a:buClr>
-              <a:buSzPts val="1400"/>
-              <a:buFont typeface="Malgun Gothic"/>
-              <a:buAutoNum type="arabicPeriod"/>
-            </a:pPr>
-            <a:r>
-              <a:rPr lang="ko-KR">
-                <a:solidFill>
-                  <a:schemeClr val="dk1"/>
-                </a:solidFill>
-                <a:latin typeface="Malgun Gothic"/>
-                <a:ea typeface="Malgun Gothic"/>
-                <a:cs typeface="Malgun Gothic"/>
-                <a:sym typeface="Malgun Gothic"/>
-              </a:rPr>
-              <a:t>기존과 </a:t>
-            </a:r>
-            <a:r>
-              <a:rPr lang="ko-KR">
-                <a:solidFill>
-                  <a:schemeClr val="dk1"/>
-                </a:solidFill>
-                <a:highlight>
-                  <a:srgbClr val="FFFF00"/>
-                </a:highlight>
-                <a:latin typeface="Malgun Gothic"/>
-                <a:ea typeface="Malgun Gothic"/>
-                <a:cs typeface="Malgun Gothic"/>
-                <a:sym typeface="Malgun Gothic"/>
-              </a:rPr>
-              <a:t>동일 주소에 write 하는 명령이 있으면 삭제</a:t>
-            </a:r>
-            <a:r>
-              <a:rPr lang="ko-KR">
-                <a:solidFill>
-                  <a:schemeClr val="dk1"/>
-                </a:solidFill>
-                <a:latin typeface="Malgun Gothic"/>
-                <a:ea typeface="Malgun Gothic"/>
-                <a:cs typeface="Malgun Gothic"/>
-                <a:sym typeface="Malgun Gothic"/>
-              </a:rPr>
-              <a:t>한다</a:t>
-            </a:r>
-            <a:endParaRPr>
-              <a:solidFill>
-                <a:schemeClr val="dk1"/>
-              </a:solidFill>
-              <a:latin typeface="Malgun Gothic"/>
-              <a:ea typeface="Malgun Gothic"/>
-              <a:cs typeface="Malgun Gothic"/>
-              <a:sym typeface="Malgun Gothic"/>
-            </a:endParaRPr>
-          </a:p>
-          <a:p>
-            <a:pPr marL="457200" lvl="0" indent="-317500" algn="l" rtl="0">
-              <a:spcBef>
-                <a:spcPts val="0"/>
-              </a:spcBef>
-              <a:spcAft>
-                <a:spcPts val="0"/>
-              </a:spcAft>
-              <a:buClr>
-                <a:schemeClr val="dk1"/>
-              </a:buClr>
-              <a:buSzPts val="1400"/>
-              <a:buFont typeface="Malgun Gothic"/>
-              <a:buAutoNum type="arabicPeriod"/>
-            </a:pPr>
-            <a:r>
-              <a:rPr lang="ko-KR">
-                <a:solidFill>
-                  <a:schemeClr val="dk1"/>
-                </a:solidFill>
-                <a:latin typeface="Malgun Gothic"/>
-                <a:ea typeface="Malgun Gothic"/>
-                <a:cs typeface="Malgun Gothic"/>
-                <a:sym typeface="Malgun Gothic"/>
-              </a:rPr>
-              <a:t>기존 Erase 범위 </a:t>
-            </a:r>
-            <a:r>
-              <a:rPr lang="ko-KR">
-                <a:solidFill>
-                  <a:schemeClr val="dk1"/>
-                </a:solidFill>
-                <a:highlight>
-                  <a:srgbClr val="FFFF00"/>
-                </a:highlight>
-                <a:latin typeface="Malgun Gothic"/>
-                <a:ea typeface="Malgun Gothic"/>
-                <a:cs typeface="Malgun Gothic"/>
-                <a:sym typeface="Malgun Gothic"/>
-              </a:rPr>
-              <a:t>양쪽에 write 명령이 포함되면 범위를 재설정</a:t>
-            </a:r>
-            <a:r>
-              <a:rPr lang="ko-KR">
-                <a:solidFill>
-                  <a:schemeClr val="dk1"/>
-                </a:solidFill>
-                <a:latin typeface="Malgun Gothic"/>
-                <a:ea typeface="Malgun Gothic"/>
-                <a:cs typeface="Malgun Gothic"/>
-                <a:sym typeface="Malgun Gothic"/>
-              </a:rPr>
-              <a:t>한다</a:t>
-            </a:r>
-            <a:endParaRPr>
-              <a:solidFill>
-                <a:schemeClr val="dk1"/>
-              </a:solidFill>
-              <a:latin typeface="Malgun Gothic"/>
-              <a:ea typeface="Malgun Gothic"/>
-              <a:cs typeface="Malgun Gothic"/>
-              <a:sym typeface="Malgun Gothic"/>
-            </a:endParaRPr>
-          </a:p>
-          <a:p>
-            <a:pPr marL="914400" lvl="1" indent="-317500" algn="l" rtl="0">
-              <a:spcBef>
-                <a:spcPts val="0"/>
-              </a:spcBef>
-              <a:spcAft>
-                <a:spcPts val="0"/>
-              </a:spcAft>
-              <a:buClr>
-                <a:schemeClr val="dk1"/>
-              </a:buClr>
-              <a:buSzPts val="1400"/>
-              <a:buFont typeface="Malgun Gothic"/>
-              <a:buAutoNum type="alphaLcPeriod"/>
-            </a:pPr>
-            <a:r>
-              <a:rPr lang="ko-KR">
-                <a:solidFill>
-                  <a:schemeClr val="dk1"/>
-                </a:solidFill>
-                <a:latin typeface="Malgun Gothic"/>
-                <a:ea typeface="Malgun Gothic"/>
-                <a:cs typeface="Malgun Gothic"/>
-                <a:sym typeface="Malgun Gothic"/>
-              </a:rPr>
-              <a:t>E  0 3, W 0 0x… -&gt; E 1 2</a:t>
-            </a:r>
-            <a:endParaRPr>
-              <a:solidFill>
-                <a:schemeClr val="dk1"/>
-              </a:solidFill>
-              <a:latin typeface="Malgun Gothic"/>
-              <a:ea typeface="Malgun Gothic"/>
-              <a:cs typeface="Malgun Gothic"/>
-              <a:sym typeface="Malgun Gothic"/>
-            </a:endParaRPr>
-          </a:p>
-          <a:p>
-            <a:pPr marL="457200" lvl="0" indent="-317500" algn="l" rtl="0">
-              <a:spcBef>
-                <a:spcPts val="0"/>
-              </a:spcBef>
-              <a:spcAft>
-                <a:spcPts val="0"/>
-              </a:spcAft>
-              <a:buClr>
-                <a:schemeClr val="dk1"/>
-              </a:buClr>
-              <a:buSzPts val="1400"/>
-              <a:buFont typeface="Malgun Gothic"/>
-              <a:buAutoNum type="arabicPeriod"/>
-            </a:pPr>
-            <a:r>
-              <a:rPr lang="ko-KR">
-                <a:solidFill>
-                  <a:schemeClr val="dk1"/>
-                </a:solidFill>
-                <a:latin typeface="Malgun Gothic"/>
-                <a:ea typeface="Malgun Gothic"/>
-                <a:cs typeface="Malgun Gothic"/>
-                <a:sym typeface="Malgun Gothic"/>
-              </a:rPr>
-              <a:t>명령어를 삽입</a:t>
-            </a:r>
-            <a:endParaRPr>
-              <a:solidFill>
-                <a:schemeClr val="dk1"/>
-              </a:solidFill>
-              <a:latin typeface="Malgun Gothic"/>
-              <a:ea typeface="Malgun Gothic"/>
-              <a:cs typeface="Malgun Gothic"/>
-              <a:sym typeface="Malgun Gothic"/>
-            </a:endParaRPr>
-          </a:p>
-          <a:p>
-            <a:pPr marL="457200" lvl="0" indent="-317500" algn="l" rtl="0">
-              <a:spcBef>
-                <a:spcPts val="0"/>
-              </a:spcBef>
-              <a:spcAft>
-                <a:spcPts val="0"/>
-              </a:spcAft>
-              <a:buClr>
-                <a:schemeClr val="dk1"/>
-              </a:buClr>
-              <a:buSzPts val="1400"/>
-              <a:buFont typeface="Malgun Gothic"/>
-              <a:buAutoNum type="arabicPeriod"/>
-            </a:pPr>
-            <a:r>
-              <a:rPr lang="ko-KR">
-                <a:solidFill>
-                  <a:schemeClr val="dk1"/>
-                </a:solidFill>
-                <a:latin typeface="Malgun Gothic"/>
-                <a:ea typeface="Malgun Gothic"/>
-                <a:cs typeface="Malgun Gothic"/>
-                <a:sym typeface="Malgun Gothic"/>
-              </a:rPr>
-              <a:t>버퍼 내 Erase 명령 이후 나온 W 명령의 범위가 </a:t>
-            </a:r>
-            <a:r>
-              <a:rPr lang="ko-KR">
-                <a:solidFill>
-                  <a:schemeClr val="dk1"/>
-                </a:solidFill>
-                <a:highlight>
-                  <a:srgbClr val="FFFF00"/>
-                </a:highlight>
-                <a:latin typeface="Malgun Gothic"/>
-                <a:ea typeface="Malgun Gothic"/>
-                <a:cs typeface="Malgun Gothic"/>
-                <a:sym typeface="Malgun Gothic"/>
-              </a:rPr>
-              <a:t>해당 Erase 명령의 범위를 모두 커버하면 해당 Erase 명령을 삭제</a:t>
-            </a:r>
-            <a:r>
-              <a:rPr lang="ko-KR">
-                <a:solidFill>
-                  <a:schemeClr val="dk1"/>
-                </a:solidFill>
-                <a:latin typeface="Malgun Gothic"/>
-                <a:ea typeface="Malgun Gothic"/>
-                <a:cs typeface="Malgun Gothic"/>
-                <a:sym typeface="Malgun Gothic"/>
-              </a:rPr>
-              <a:t>한다.</a:t>
-            </a:r>
-            <a:endParaRPr>
-              <a:solidFill>
-                <a:schemeClr val="dk1"/>
-              </a:solidFill>
-              <a:latin typeface="Malgun Gothic"/>
-              <a:ea typeface="Malgun Gothic"/>
-              <a:cs typeface="Malgun Gothic"/>
-              <a:sym typeface="Malgun Gothic"/>
-            </a:endParaRPr>
-          </a:p>
-          <a:p>
-            <a:pPr marL="914400" lvl="1" indent="-317500" algn="l" rtl="0">
-              <a:spcBef>
-                <a:spcPts val="0"/>
-              </a:spcBef>
-              <a:spcAft>
-                <a:spcPts val="0"/>
-              </a:spcAft>
-              <a:buClr>
-                <a:schemeClr val="dk1"/>
-              </a:buClr>
-              <a:buSzPts val="1400"/>
-              <a:buFont typeface="Malgun Gothic"/>
-              <a:buAutoNum type="alphaLcPeriod"/>
-            </a:pPr>
-            <a:r>
-              <a:rPr lang="ko-KR">
-                <a:solidFill>
-                  <a:schemeClr val="dk1"/>
-                </a:solidFill>
-                <a:latin typeface="Malgun Gothic"/>
-                <a:ea typeface="Malgun Gothic"/>
-                <a:cs typeface="Malgun Gothic"/>
-                <a:sym typeface="Malgun Gothic"/>
-              </a:rPr>
-              <a:t>E 0 3, W 1 0x…, W 2 0x…, W 3 0x… -&gt; E 0 3을 삭제</a:t>
-            </a:r>
-            <a:endParaRPr>
-              <a:solidFill>
-                <a:schemeClr val="dk1"/>
-              </a:solidFill>
-              <a:latin typeface="Malgun Gothic"/>
-              <a:ea typeface="Malgun Gothic"/>
-              <a:cs typeface="Malgun Gothic"/>
-              <a:sym typeface="Malgun Gothic"/>
-            </a:endParaRPr>
-          </a:p>
-        </p:txBody>
-      </p:sp>
-      <p:pic>
-        <p:nvPicPr>
-          <p:cNvPr id="270" name="Google Shape;270;p29"/>
-          <p:cNvPicPr preferRelativeResize="0"/>
-          <p:nvPr/>
-        </p:nvPicPr>
-        <p:blipFill>
-          <a:blip r:embed="rId5">
-            <a:alphaModFix/>
-          </a:blip>
-          <a:stretch>
-            <a:fillRect/>
-          </a:stretch>
-        </p:blipFill>
-        <p:spPr>
-          <a:xfrm>
-            <a:off x="132725" y="4852675"/>
-            <a:ext cx="4633690" cy="219075"/>
-          </a:xfrm>
-          <a:prstGeom prst="rect">
-            <a:avLst/>
-          </a:prstGeom>
-          <a:noFill/>
-          <a:ln>
-            <a:noFill/>
-          </a:ln>
-        </p:spPr>
-      </p:pic>
-      <p:sp>
-        <p:nvSpPr>
-          <p:cNvPr id="271" name="Google Shape;271;p29"/>
-          <p:cNvSpPr txBox="1"/>
-          <p:nvPr/>
-        </p:nvSpPr>
-        <p:spPr>
-          <a:xfrm>
-            <a:off x="132725" y="5133400"/>
-            <a:ext cx="5987700" cy="848400"/>
-          </a:xfrm>
-          <a:prstGeom prst="rect">
-            <a:avLst/>
-          </a:prstGeom>
-          <a:noFill/>
-          <a:ln>
-            <a:noFill/>
-          </a:ln>
-        </p:spPr>
-        <p:txBody>
-          <a:bodyPr spcFirstLastPara="1" wrap="square" lIns="91425" tIns="91425" rIns="91425" bIns="91425" anchor="t" anchorCtr="0">
-            <a:noAutofit/>
-          </a:bodyPr>
-          <a:lstStyle/>
-          <a:p>
-            <a:pPr marL="457200" lvl="0" indent="-317500" algn="l" rtl="0">
-              <a:spcBef>
-                <a:spcPts val="0"/>
-              </a:spcBef>
-              <a:spcAft>
-                <a:spcPts val="0"/>
-              </a:spcAft>
-              <a:buClr>
-                <a:schemeClr val="dk1"/>
-              </a:buClr>
-              <a:buSzPts val="1400"/>
-              <a:buFont typeface="Malgun Gothic"/>
-              <a:buAutoNum type="arabicPeriod"/>
-            </a:pPr>
-            <a:r>
-              <a:rPr lang="ko-KR">
-                <a:solidFill>
-                  <a:schemeClr val="dk1"/>
-                </a:solidFill>
-                <a:latin typeface="Malgun Gothic"/>
-                <a:ea typeface="Malgun Gothic"/>
-                <a:cs typeface="Malgun Gothic"/>
-                <a:sym typeface="Malgun Gothic"/>
-              </a:rPr>
-              <a:t>Write 명령이 현재 Erase 명령 범위 안에 속하면 Write 명령어를 삭제</a:t>
-            </a:r>
-            <a:endParaRPr>
-              <a:solidFill>
-                <a:schemeClr val="dk1"/>
-              </a:solidFill>
-              <a:latin typeface="Malgun Gothic"/>
-              <a:ea typeface="Malgun Gothic"/>
-              <a:cs typeface="Malgun Gothic"/>
-              <a:sym typeface="Malgun Gothic"/>
-            </a:endParaRPr>
-          </a:p>
-          <a:p>
-            <a:pPr marL="457200" lvl="0" indent="-317500" algn="l" rtl="0">
-              <a:spcBef>
-                <a:spcPts val="0"/>
-              </a:spcBef>
-              <a:spcAft>
-                <a:spcPts val="0"/>
-              </a:spcAft>
-              <a:buClr>
-                <a:schemeClr val="dk1"/>
-              </a:buClr>
-              <a:buSzPts val="1400"/>
-              <a:buFont typeface="Malgun Gothic"/>
-              <a:buAutoNum type="arabicPeriod"/>
-            </a:pPr>
-            <a:r>
-              <a:rPr lang="ko-KR">
-                <a:solidFill>
-                  <a:schemeClr val="dk1"/>
-                </a:solidFill>
-                <a:latin typeface="Malgun Gothic"/>
-                <a:ea typeface="Malgun Gothic"/>
-                <a:cs typeface="Malgun Gothic"/>
-                <a:sym typeface="Malgun Gothic"/>
-              </a:rPr>
-              <a:t>Erase 명령이 현재 Erase 명령 범위 안에 속하면 해당 Erase 명령어를 삭제</a:t>
-            </a:r>
-            <a:endParaRPr>
-              <a:solidFill>
-                <a:schemeClr val="dk1"/>
-              </a:solidFill>
-              <a:latin typeface="Malgun Gothic"/>
-              <a:ea typeface="Malgun Gothic"/>
-              <a:cs typeface="Malgun Gothic"/>
-              <a:sym typeface="Malgun Gothic"/>
-            </a:endParaRPr>
-          </a:p>
-          <a:p>
-            <a:pPr marL="457200" lvl="0" indent="-317500" algn="l" rtl="0">
-              <a:spcBef>
-                <a:spcPts val="0"/>
-              </a:spcBef>
-              <a:spcAft>
-                <a:spcPts val="0"/>
-              </a:spcAft>
-              <a:buClr>
-                <a:schemeClr val="dk1"/>
-              </a:buClr>
-              <a:buSzPts val="1400"/>
-              <a:buFont typeface="Malgun Gothic"/>
-              <a:buAutoNum type="arabicPeriod"/>
-            </a:pPr>
-            <a:r>
-              <a:rPr lang="ko-KR">
-                <a:solidFill>
-                  <a:schemeClr val="dk1"/>
-                </a:solidFill>
-                <a:latin typeface="Malgun Gothic"/>
-                <a:ea typeface="Malgun Gothic"/>
-                <a:cs typeface="Malgun Gothic"/>
-                <a:sym typeface="Malgun Gothic"/>
-              </a:rPr>
-              <a:t>2와 반대로 현재 Erase 명령이 기존 Erase 명령 범위에 속하면 삽입 미진행</a:t>
-            </a:r>
-            <a:endParaRPr>
-              <a:solidFill>
-                <a:schemeClr val="dk1"/>
-              </a:solidFill>
-              <a:latin typeface="Malgun Gothic"/>
-              <a:ea typeface="Malgun Gothic"/>
-              <a:cs typeface="Malgun Gothic"/>
-              <a:sym typeface="Malgun Gothic"/>
-            </a:endParaRPr>
-          </a:p>
-          <a:p>
-            <a:pPr marL="0" lvl="0" indent="0" algn="l" rtl="0">
-              <a:spcBef>
-                <a:spcPts val="0"/>
-              </a:spcBef>
-              <a:spcAft>
-                <a:spcPts val="0"/>
-              </a:spcAft>
-              <a:buNone/>
-            </a:pPr>
-            <a:endParaRPr>
-              <a:solidFill>
-                <a:schemeClr val="dk1"/>
-              </a:solidFill>
-              <a:latin typeface="Malgun Gothic"/>
-              <a:ea typeface="Malgun Gothic"/>
-              <a:cs typeface="Malgun Gothic"/>
-              <a:sym typeface="Malgun Gothic"/>
-            </a:endParaRPr>
-          </a:p>
-          <a:p>
-            <a:pPr marL="0" lvl="0" indent="0" algn="l" rtl="0">
-              <a:spcBef>
-                <a:spcPts val="0"/>
-              </a:spcBef>
-              <a:spcAft>
-                <a:spcPts val="0"/>
-              </a:spcAft>
-              <a:buNone/>
-            </a:pPr>
-            <a:endParaRPr>
-              <a:solidFill>
-                <a:schemeClr val="dk1"/>
-              </a:solidFill>
-              <a:latin typeface="Malgun Gothic"/>
-              <a:ea typeface="Malgun Gothic"/>
-              <a:cs typeface="Malgun Gothic"/>
-              <a:sym typeface="Malgun Gothic"/>
-            </a:endParaRPr>
-          </a:p>
-        </p:txBody>
-      </p:sp>
-      <p:pic>
-        <p:nvPicPr>
-          <p:cNvPr id="272" name="Google Shape;272;p29"/>
-          <p:cNvPicPr preferRelativeResize="0"/>
-          <p:nvPr/>
-        </p:nvPicPr>
-        <p:blipFill>
-          <a:blip r:embed="rId6">
-            <a:alphaModFix/>
-          </a:blip>
-          <a:stretch>
-            <a:fillRect/>
-          </a:stretch>
-        </p:blipFill>
-        <p:spPr>
-          <a:xfrm>
-            <a:off x="6315900" y="1445175"/>
-            <a:ext cx="4305300" cy="219075"/>
-          </a:xfrm>
-          <a:prstGeom prst="rect">
-            <a:avLst/>
-          </a:prstGeom>
-          <a:noFill/>
-          <a:ln>
-            <a:noFill/>
-          </a:ln>
-        </p:spPr>
-      </p:pic>
-      <p:sp>
-        <p:nvSpPr>
-          <p:cNvPr id="273" name="Google Shape;273;p29"/>
-          <p:cNvSpPr txBox="1"/>
-          <p:nvPr/>
-        </p:nvSpPr>
-        <p:spPr>
-          <a:xfrm>
-            <a:off x="6168475" y="1793975"/>
-            <a:ext cx="6157200" cy="1993500"/>
-          </a:xfrm>
-          <a:prstGeom prst="rect">
-            <a:avLst/>
-          </a:prstGeom>
-          <a:noFill/>
-          <a:ln>
-            <a:noFill/>
-          </a:ln>
-        </p:spPr>
-        <p:txBody>
-          <a:bodyPr spcFirstLastPara="1" wrap="square" lIns="91425" tIns="91425" rIns="91425" bIns="91425" anchor="t" anchorCtr="0">
-            <a:noAutofit/>
-          </a:bodyPr>
-          <a:lstStyle/>
-          <a:p>
-            <a:pPr marL="457200" lvl="0" indent="-317500" algn="l" rtl="0">
-              <a:spcBef>
-                <a:spcPts val="0"/>
-              </a:spcBef>
-              <a:spcAft>
-                <a:spcPts val="0"/>
-              </a:spcAft>
-              <a:buClr>
-                <a:schemeClr val="dk1"/>
-              </a:buClr>
-              <a:buSzPts val="1400"/>
-              <a:buFont typeface="Malgun Gothic"/>
-              <a:buChar char="-"/>
-            </a:pPr>
-            <a:r>
-              <a:rPr lang="ko-KR">
-                <a:solidFill>
-                  <a:schemeClr val="dk1"/>
-                </a:solidFill>
-                <a:latin typeface="Malgun Gothic"/>
-                <a:ea typeface="Malgun Gothic"/>
-                <a:cs typeface="Malgun Gothic"/>
-                <a:sym typeface="Malgun Gothic"/>
-              </a:rPr>
-              <a:t>버퍼의 맨 마지막부터 연속된 E들을 모아서 재조립 후 다시 넣는다.</a:t>
-            </a:r>
-            <a:endParaRPr>
-              <a:solidFill>
-                <a:schemeClr val="dk1"/>
-              </a:solidFill>
-              <a:latin typeface="Malgun Gothic"/>
-              <a:ea typeface="Malgun Gothic"/>
-              <a:cs typeface="Malgun Gothic"/>
-              <a:sym typeface="Malgun Gothic"/>
-            </a:endParaRPr>
-          </a:p>
-          <a:p>
-            <a:pPr marL="457200" lvl="0" indent="-317500" algn="l" rtl="0">
-              <a:spcBef>
-                <a:spcPts val="0"/>
-              </a:spcBef>
-              <a:spcAft>
-                <a:spcPts val="0"/>
-              </a:spcAft>
-              <a:buClr>
-                <a:schemeClr val="dk1"/>
-              </a:buClr>
-              <a:buSzPts val="1400"/>
-              <a:buFont typeface="Malgun Gothic"/>
-              <a:buChar char="-"/>
-            </a:pPr>
-            <a:r>
-              <a:rPr lang="ko-KR">
-                <a:solidFill>
-                  <a:schemeClr val="dk1"/>
-                </a:solidFill>
-                <a:latin typeface="Malgun Gothic"/>
-                <a:ea typeface="Malgun Gothic"/>
-                <a:cs typeface="Malgun Gothic"/>
-                <a:sym typeface="Malgun Gothic"/>
-              </a:rPr>
-              <a:t>Erase 명령들이 적용되는 범위를 확인할 수 있는 boolean[100]을 사용</a:t>
-            </a:r>
-            <a:endParaRPr>
-              <a:solidFill>
-                <a:schemeClr val="dk1"/>
-              </a:solidFill>
-              <a:latin typeface="Malgun Gothic"/>
-              <a:ea typeface="Malgun Gothic"/>
-              <a:cs typeface="Malgun Gothic"/>
-              <a:sym typeface="Malgun Gothic"/>
-            </a:endParaRPr>
-          </a:p>
-          <a:p>
-            <a:pPr marL="457200" lvl="0" indent="-317500" algn="l" rtl="0">
-              <a:spcBef>
-                <a:spcPts val="0"/>
-              </a:spcBef>
-              <a:spcAft>
-                <a:spcPts val="0"/>
-              </a:spcAft>
-              <a:buClr>
-                <a:schemeClr val="dk1"/>
-              </a:buClr>
-              <a:buSzPts val="1400"/>
-              <a:buFont typeface="Malgun Gothic"/>
-              <a:buAutoNum type="arabicPeriod"/>
-            </a:pPr>
-            <a:r>
-              <a:rPr lang="ko-KR">
-                <a:solidFill>
-                  <a:schemeClr val="dk1"/>
-                </a:solidFill>
-                <a:latin typeface="Malgun Gothic"/>
-                <a:ea typeface="Malgun Gothic"/>
-                <a:cs typeface="Malgun Gothic"/>
-                <a:sym typeface="Malgun Gothic"/>
-              </a:rPr>
-              <a:t>연속된 E들을 모은다.</a:t>
-            </a:r>
-            <a:endParaRPr>
-              <a:solidFill>
-                <a:schemeClr val="dk1"/>
-              </a:solidFill>
-              <a:latin typeface="Malgun Gothic"/>
-              <a:ea typeface="Malgun Gothic"/>
-              <a:cs typeface="Malgun Gothic"/>
-              <a:sym typeface="Malgun Gothic"/>
-            </a:endParaRPr>
-          </a:p>
-          <a:p>
-            <a:pPr marL="457200" lvl="0" indent="-317500" algn="l" rtl="0">
-              <a:spcBef>
-                <a:spcPts val="0"/>
-              </a:spcBef>
-              <a:spcAft>
-                <a:spcPts val="0"/>
-              </a:spcAft>
-              <a:buClr>
-                <a:schemeClr val="dk1"/>
-              </a:buClr>
-              <a:buSzPts val="1400"/>
-              <a:buFont typeface="Malgun Gothic"/>
-              <a:buAutoNum type="arabicPeriod"/>
-            </a:pPr>
-            <a:r>
-              <a:rPr lang="ko-KR">
-                <a:solidFill>
-                  <a:schemeClr val="dk1"/>
-                </a:solidFill>
-                <a:latin typeface="Malgun Gothic"/>
-                <a:ea typeface="Malgun Gothic"/>
-                <a:cs typeface="Malgun Gothic"/>
-                <a:sym typeface="Malgun Gothic"/>
-              </a:rPr>
-              <a:t>boolean[100]에 Erase 명령의 범위일 경우 true로 설정한다.</a:t>
-            </a:r>
-            <a:endParaRPr>
-              <a:solidFill>
-                <a:schemeClr val="dk1"/>
-              </a:solidFill>
-              <a:latin typeface="Malgun Gothic"/>
-              <a:ea typeface="Malgun Gothic"/>
-              <a:cs typeface="Malgun Gothic"/>
-              <a:sym typeface="Malgun Gothic"/>
-            </a:endParaRPr>
-          </a:p>
-          <a:p>
-            <a:pPr marL="457200" lvl="0" indent="-317500" algn="l" rtl="0">
-              <a:spcBef>
-                <a:spcPts val="0"/>
-              </a:spcBef>
-              <a:spcAft>
-                <a:spcPts val="0"/>
-              </a:spcAft>
-              <a:buClr>
-                <a:schemeClr val="dk1"/>
-              </a:buClr>
-              <a:buSzPts val="1400"/>
-              <a:buFont typeface="Malgun Gothic"/>
-              <a:buAutoNum type="arabicPeriod"/>
-            </a:pPr>
-            <a:r>
-              <a:rPr lang="ko-KR">
-                <a:solidFill>
-                  <a:schemeClr val="dk1"/>
-                </a:solidFill>
-                <a:latin typeface="Malgun Gothic"/>
-                <a:ea typeface="Malgun Gothic"/>
-                <a:cs typeface="Malgun Gothic"/>
-                <a:sym typeface="Malgun Gothic"/>
-              </a:rPr>
-              <a:t>0~99까지 순회를 하면서 합칠 수 있는 범위는 합친다 </a:t>
-            </a:r>
-            <a:endParaRPr>
-              <a:solidFill>
-                <a:schemeClr val="dk1"/>
-              </a:solidFill>
-              <a:latin typeface="Malgun Gothic"/>
-              <a:ea typeface="Malgun Gothic"/>
-              <a:cs typeface="Malgun Gothic"/>
-              <a:sym typeface="Malgun Gothic"/>
-            </a:endParaRPr>
-          </a:p>
-        </p:txBody>
-      </p:sp>
-      <p:pic>
-        <p:nvPicPr>
-          <p:cNvPr id="274" name="Google Shape;274;p29"/>
-          <p:cNvPicPr preferRelativeResize="0"/>
-          <p:nvPr/>
-        </p:nvPicPr>
-        <p:blipFill>
-          <a:blip r:embed="rId7">
-            <a:alphaModFix/>
-          </a:blip>
-          <a:stretch>
-            <a:fillRect/>
-          </a:stretch>
-        </p:blipFill>
-        <p:spPr>
-          <a:xfrm>
-            <a:off x="6590875" y="3401275"/>
-            <a:ext cx="5476401" cy="2823225"/>
-          </a:xfrm>
-          <a:prstGeom prst="rect">
-            <a:avLst/>
-          </a:prstGeom>
-          <a:noFill/>
-          <a:ln>
-            <a:noFill/>
-          </a:ln>
-        </p:spPr>
-      </p:pic>
-      <p:sp>
-        <p:nvSpPr>
-          <p:cNvPr id="275" name="Google Shape;275;p29"/>
-          <p:cNvSpPr/>
-          <p:nvPr/>
-        </p:nvSpPr>
-        <p:spPr>
-          <a:xfrm>
-            <a:off x="132725" y="2738375"/>
-            <a:ext cx="5885700" cy="3754500"/>
-          </a:xfrm>
-          <a:prstGeom prst="rect">
-            <a:avLst/>
-          </a:prstGeom>
-          <a:noFill/>
-          <a:ln w="9525" cap="flat" cmpd="sng">
-            <a:solidFill>
-              <a:srgbClr val="0000FF"/>
-            </a:solidFill>
-            <a:prstDash val="solid"/>
-            <a:round/>
-            <a:headEnd type="none" w="sm" len="sm"/>
-            <a:tailEnd type="none" w="sm" len="sm"/>
-          </a:ln>
-        </p:spPr>
-        <p:txBody>
-          <a:bodyPr spcFirstLastPara="1" wrap="square" lIns="91425" tIns="91425" rIns="91425" bIns="91425" anchor="ctr" anchorCtr="0">
-            <a:noAutofit/>
-          </a:bodyPr>
-          <a:lstStyle/>
-          <a:p>
-            <a:pPr marL="0" lvl="0" indent="0" algn="ctr" rtl="0">
-              <a:spcBef>
-                <a:spcPts val="0"/>
-              </a:spcBef>
-              <a:spcAft>
-                <a:spcPts val="0"/>
-              </a:spcAft>
-              <a:buNone/>
-            </a:pPr>
-            <a:endParaRPr>
-              <a:latin typeface="Malgun Gothic"/>
-              <a:ea typeface="Malgun Gothic"/>
-              <a:cs typeface="Malgun Gothic"/>
-              <a:sym typeface="Malgun Gothic"/>
-            </a:endParaRPr>
-          </a:p>
-        </p:txBody>
-      </p:sp>
-      <p:sp>
-        <p:nvSpPr>
-          <p:cNvPr id="276" name="Google Shape;276;p29"/>
-          <p:cNvSpPr txBox="1"/>
-          <p:nvPr/>
-        </p:nvSpPr>
-        <p:spPr>
-          <a:xfrm>
-            <a:off x="4170125" y="2413800"/>
-            <a:ext cx="1848300" cy="363000"/>
-          </a:xfrm>
-          <a:prstGeom prst="rect">
-            <a:avLst/>
-          </a:prstGeom>
-          <a:noFill/>
-          <a:ln>
-            <a:noFill/>
-          </a:ln>
-        </p:spPr>
-        <p:txBody>
-          <a:bodyPr spcFirstLastPara="1" wrap="square" lIns="91425" tIns="91425" rIns="91425" bIns="91425" anchor="t" anchorCtr="0">
-            <a:noAutofit/>
-          </a:bodyPr>
-          <a:lstStyle/>
-          <a:p>
-            <a:pPr marL="0" lvl="0" indent="0" algn="l" rtl="0">
-              <a:spcBef>
-                <a:spcPts val="0"/>
-              </a:spcBef>
-              <a:spcAft>
-                <a:spcPts val="0"/>
-              </a:spcAft>
-              <a:buNone/>
-            </a:pPr>
-            <a:r>
-              <a:rPr lang="ko-KR" b="1">
-                <a:solidFill>
-                  <a:schemeClr val="dk1"/>
-                </a:solidFill>
-                <a:latin typeface="Malgun Gothic"/>
-                <a:ea typeface="Malgun Gothic"/>
-                <a:cs typeface="Malgun Gothic"/>
-                <a:sym typeface="Malgun Gothic"/>
-              </a:rPr>
-              <a:t>Ignore Command</a:t>
-            </a:r>
-            <a:endParaRPr b="1">
-              <a:solidFill>
-                <a:schemeClr val="dk1"/>
-              </a:solidFill>
-              <a:latin typeface="Malgun Gothic"/>
-              <a:ea typeface="Malgun Gothic"/>
-              <a:cs typeface="Malgun Gothic"/>
-              <a:sym typeface="Malgun Gothic"/>
-            </a:endParaRPr>
-          </a:p>
-        </p:txBody>
-      </p:sp>
-      <p:sp>
-        <p:nvSpPr>
-          <p:cNvPr id="277" name="Google Shape;277;p29"/>
-          <p:cNvSpPr/>
-          <p:nvPr/>
-        </p:nvSpPr>
-        <p:spPr>
-          <a:xfrm>
-            <a:off x="6241150" y="1383900"/>
-            <a:ext cx="5885700" cy="5108975"/>
-          </a:xfrm>
-          <a:prstGeom prst="rect">
-            <a:avLst/>
-          </a:prstGeom>
-          <a:noFill/>
-          <a:ln w="9525" cap="flat" cmpd="sng">
-            <a:solidFill>
-              <a:srgbClr val="0000FF"/>
-            </a:solidFill>
-            <a:prstDash val="solid"/>
-            <a:round/>
-            <a:headEnd type="none" w="sm" len="sm"/>
-            <a:tailEnd type="none" w="sm" len="sm"/>
-          </a:ln>
-        </p:spPr>
-        <p:txBody>
-          <a:bodyPr spcFirstLastPara="1" wrap="square" lIns="91425" tIns="91425" rIns="91425" bIns="91425" anchor="ctr" anchorCtr="0">
-            <a:noAutofit/>
-          </a:bodyPr>
-          <a:lstStyle/>
-          <a:p>
-            <a:pPr marL="0" lvl="0" indent="0" algn="ctr" rtl="0">
-              <a:spcBef>
-                <a:spcPts val="0"/>
-              </a:spcBef>
-              <a:spcAft>
-                <a:spcPts val="0"/>
-              </a:spcAft>
-              <a:buNone/>
-            </a:pPr>
-            <a:endParaRPr>
-              <a:latin typeface="Malgun Gothic"/>
-              <a:ea typeface="Malgun Gothic"/>
-              <a:cs typeface="Malgun Gothic"/>
-              <a:sym typeface="Malgun Gothic"/>
-            </a:endParaRPr>
-          </a:p>
-        </p:txBody>
-      </p:sp>
-      <p:sp>
-        <p:nvSpPr>
-          <p:cNvPr id="278" name="Google Shape;278;p29"/>
-          <p:cNvSpPr txBox="1"/>
-          <p:nvPr/>
-        </p:nvSpPr>
-        <p:spPr>
-          <a:xfrm>
-            <a:off x="6241150" y="1021075"/>
-            <a:ext cx="2308800" cy="363000"/>
-          </a:xfrm>
-          <a:prstGeom prst="rect">
-            <a:avLst/>
-          </a:prstGeom>
-          <a:noFill/>
-          <a:ln>
-            <a:noFill/>
-          </a:ln>
-        </p:spPr>
-        <p:txBody>
-          <a:bodyPr spcFirstLastPara="1" wrap="square" lIns="91425" tIns="91425" rIns="91425" bIns="91425" anchor="t" anchorCtr="0">
-            <a:noAutofit/>
-          </a:bodyPr>
-          <a:lstStyle/>
-          <a:p>
-            <a:pPr marL="0" lvl="0" indent="0" algn="l" rtl="0">
-              <a:spcBef>
-                <a:spcPts val="0"/>
-              </a:spcBef>
-              <a:spcAft>
-                <a:spcPts val="0"/>
-              </a:spcAft>
-              <a:buNone/>
-            </a:pPr>
-            <a:r>
-              <a:rPr lang="ko-KR" b="1">
-                <a:solidFill>
-                  <a:schemeClr val="dk1"/>
-                </a:solidFill>
-                <a:latin typeface="Malgun Gothic"/>
-                <a:ea typeface="Malgun Gothic"/>
-                <a:cs typeface="Malgun Gothic"/>
-                <a:sym typeface="Malgun Gothic"/>
-              </a:rPr>
-              <a:t>Merge Erase Command</a:t>
-            </a:r>
-            <a:endParaRPr b="1">
-              <a:solidFill>
-                <a:schemeClr val="dk1"/>
-              </a:solidFill>
-              <a:latin typeface="Malgun Gothic"/>
-              <a:ea typeface="Malgun Gothic"/>
-              <a:cs typeface="Malgun Gothic"/>
-              <a:sym typeface="Malgun Gothic"/>
-            </a:endParaRPr>
-          </a:p>
-        </p:txBody>
-      </p:sp>
       <p:sp>
         <p:nvSpPr>
           <p:cNvPr id="2" name="슬라이드 번호 개체 틀 1">
@@ -26705,6 +25876,1442 @@
               <a:t>/35</a:t>
             </a:r>
             <a:endParaRPr lang="ko-KR" altLang="en-US" dirty="0"/>
+          </a:p>
+        </p:txBody>
+      </p:sp>
+      <p:pic>
+        <p:nvPicPr>
+          <p:cNvPr id="19" name="Google Shape;266;p29">
+            <a:extLst>
+              <a:ext uri="{FF2B5EF4-FFF2-40B4-BE49-F238E27FC236}">
+                <a16:creationId xmlns:a16="http://schemas.microsoft.com/office/drawing/2014/main" id="{803DBCA6-6093-4814-B431-7B7CFA198B86}"/>
+              </a:ext>
+            </a:extLst>
+          </p:cNvPr>
+          <p:cNvPicPr preferRelativeResize="0"/>
+          <p:nvPr/>
+        </p:nvPicPr>
+        <p:blipFill>
+          <a:blip r:embed="rId3">
+            <a:alphaModFix/>
+          </a:blip>
+          <a:stretch>
+            <a:fillRect/>
+          </a:stretch>
+        </p:blipFill>
+        <p:spPr>
+          <a:xfrm>
+            <a:off x="152400" y="1036149"/>
+            <a:ext cx="1848300" cy="1302389"/>
+          </a:xfrm>
+          <a:prstGeom prst="rect">
+            <a:avLst/>
+          </a:prstGeom>
+          <a:noFill/>
+          <a:ln>
+            <a:noFill/>
+          </a:ln>
+        </p:spPr>
+      </p:pic>
+      <p:sp>
+        <p:nvSpPr>
+          <p:cNvPr id="20" name="Google Shape;267;p29">
+            <a:extLst>
+              <a:ext uri="{FF2B5EF4-FFF2-40B4-BE49-F238E27FC236}">
+                <a16:creationId xmlns:a16="http://schemas.microsoft.com/office/drawing/2014/main" id="{CC630E34-759D-4419-8DFC-0318D1DF0E60}"/>
+              </a:ext>
+            </a:extLst>
+          </p:cNvPr>
+          <p:cNvSpPr txBox="1"/>
+          <p:nvPr/>
+        </p:nvSpPr>
+        <p:spPr>
+          <a:xfrm>
+            <a:off x="2069638" y="1036150"/>
+            <a:ext cx="2018400" cy="487500"/>
+          </a:xfrm>
+          <a:prstGeom prst="rect">
+            <a:avLst/>
+          </a:prstGeom>
+          <a:noFill/>
+          <a:ln>
+            <a:noFill/>
+          </a:ln>
+        </p:spPr>
+        <p:txBody>
+          <a:bodyPr spcFirstLastPara="1" wrap="square" lIns="91425" tIns="91425" rIns="91425" bIns="91425" anchor="t" anchorCtr="0">
+            <a:noAutofit/>
+          </a:bodyPr>
+          <a:lstStyle/>
+          <a:p>
+            <a:pPr marL="0" lvl="0" indent="0" algn="l" rtl="0">
+              <a:spcBef>
+                <a:spcPts val="0"/>
+              </a:spcBef>
+              <a:spcAft>
+                <a:spcPts val="0"/>
+              </a:spcAft>
+              <a:buNone/>
+            </a:pPr>
+            <a:r>
+              <a:rPr lang="ko-KR">
+                <a:solidFill>
+                  <a:schemeClr val="dk1"/>
+                </a:solidFill>
+                <a:latin typeface="Malgun Gothic"/>
+                <a:ea typeface="Malgun Gothic"/>
+                <a:cs typeface="Malgun Gothic"/>
+                <a:sym typeface="Malgun Gothic"/>
+              </a:rPr>
+              <a:t>명령을 클래스로 관리</a:t>
+            </a:r>
+            <a:endParaRPr>
+              <a:solidFill>
+                <a:schemeClr val="dk1"/>
+              </a:solidFill>
+              <a:latin typeface="Malgun Gothic"/>
+              <a:ea typeface="Malgun Gothic"/>
+              <a:cs typeface="Malgun Gothic"/>
+              <a:sym typeface="Malgun Gothic"/>
+            </a:endParaRPr>
+          </a:p>
+        </p:txBody>
+      </p:sp>
+      <p:pic>
+        <p:nvPicPr>
+          <p:cNvPr id="21" name="Google Shape;268;p29">
+            <a:extLst>
+              <a:ext uri="{FF2B5EF4-FFF2-40B4-BE49-F238E27FC236}">
+                <a16:creationId xmlns:a16="http://schemas.microsoft.com/office/drawing/2014/main" id="{EABA0B46-E537-4453-AF99-6E501482CE38}"/>
+              </a:ext>
+            </a:extLst>
+          </p:cNvPr>
+          <p:cNvPicPr preferRelativeResize="0"/>
+          <p:nvPr/>
+        </p:nvPicPr>
+        <p:blipFill>
+          <a:blip r:embed="rId4">
+            <a:alphaModFix/>
+          </a:blip>
+          <a:stretch>
+            <a:fillRect/>
+          </a:stretch>
+        </p:blipFill>
+        <p:spPr>
+          <a:xfrm>
+            <a:off x="146950" y="2509578"/>
+            <a:ext cx="5133975" cy="200025"/>
+          </a:xfrm>
+          <a:prstGeom prst="rect">
+            <a:avLst/>
+          </a:prstGeom>
+          <a:noFill/>
+          <a:ln>
+            <a:noFill/>
+          </a:ln>
+        </p:spPr>
+      </p:pic>
+      <p:sp>
+        <p:nvSpPr>
+          <p:cNvPr id="22" name="Google Shape;269;p29">
+            <a:extLst>
+              <a:ext uri="{FF2B5EF4-FFF2-40B4-BE49-F238E27FC236}">
+                <a16:creationId xmlns:a16="http://schemas.microsoft.com/office/drawing/2014/main" id="{B75D0EF3-9FD8-4E84-9A9C-4C0B7074DA86}"/>
+              </a:ext>
+            </a:extLst>
+          </p:cNvPr>
+          <p:cNvSpPr txBox="1"/>
+          <p:nvPr/>
+        </p:nvSpPr>
+        <p:spPr>
+          <a:xfrm>
+            <a:off x="79375" y="2775599"/>
+            <a:ext cx="6315900" cy="1726500"/>
+          </a:xfrm>
+          <a:prstGeom prst="rect">
+            <a:avLst/>
+          </a:prstGeom>
+          <a:noFill/>
+          <a:ln>
+            <a:noFill/>
+          </a:ln>
+        </p:spPr>
+        <p:txBody>
+          <a:bodyPr spcFirstLastPara="1" wrap="square" lIns="91425" tIns="91425" rIns="91425" bIns="91425" anchor="t" anchorCtr="0">
+            <a:noAutofit/>
+          </a:bodyPr>
+          <a:lstStyle/>
+          <a:p>
+            <a:pPr marL="457200" lvl="0" indent="-317500" algn="l" rtl="0">
+              <a:spcBef>
+                <a:spcPts val="0"/>
+              </a:spcBef>
+              <a:spcAft>
+                <a:spcPts val="0"/>
+              </a:spcAft>
+              <a:buClr>
+                <a:schemeClr val="dk1"/>
+              </a:buClr>
+              <a:buSzPts val="1400"/>
+              <a:buFont typeface="Malgun Gothic"/>
+              <a:buAutoNum type="arabicPeriod"/>
+            </a:pPr>
+            <a:r>
+              <a:rPr lang="ko-KR">
+                <a:solidFill>
+                  <a:schemeClr val="dk1"/>
+                </a:solidFill>
+                <a:latin typeface="Malgun Gothic"/>
+                <a:ea typeface="Malgun Gothic"/>
+                <a:cs typeface="Malgun Gothic"/>
+                <a:sym typeface="Malgun Gothic"/>
+              </a:rPr>
+              <a:t>기존과 </a:t>
+            </a:r>
+            <a:r>
+              <a:rPr lang="ko-KR">
+                <a:solidFill>
+                  <a:schemeClr val="dk1"/>
+                </a:solidFill>
+                <a:highlight>
+                  <a:srgbClr val="FFFF00"/>
+                </a:highlight>
+                <a:latin typeface="Malgun Gothic"/>
+                <a:ea typeface="Malgun Gothic"/>
+                <a:cs typeface="Malgun Gothic"/>
+                <a:sym typeface="Malgun Gothic"/>
+              </a:rPr>
+              <a:t>동일 주소에 write 하는 명령이 있으면 삭제</a:t>
+            </a:r>
+            <a:r>
+              <a:rPr lang="ko-KR">
+                <a:solidFill>
+                  <a:schemeClr val="dk1"/>
+                </a:solidFill>
+                <a:latin typeface="Malgun Gothic"/>
+                <a:ea typeface="Malgun Gothic"/>
+                <a:cs typeface="Malgun Gothic"/>
+                <a:sym typeface="Malgun Gothic"/>
+              </a:rPr>
+              <a:t>한다</a:t>
+            </a:r>
+            <a:endParaRPr>
+              <a:solidFill>
+                <a:schemeClr val="dk1"/>
+              </a:solidFill>
+              <a:latin typeface="Malgun Gothic"/>
+              <a:ea typeface="Malgun Gothic"/>
+              <a:cs typeface="Malgun Gothic"/>
+              <a:sym typeface="Malgun Gothic"/>
+            </a:endParaRPr>
+          </a:p>
+          <a:p>
+            <a:pPr marL="457200" lvl="0" indent="-317500" algn="l" rtl="0">
+              <a:spcBef>
+                <a:spcPts val="0"/>
+              </a:spcBef>
+              <a:spcAft>
+                <a:spcPts val="0"/>
+              </a:spcAft>
+              <a:buClr>
+                <a:schemeClr val="dk1"/>
+              </a:buClr>
+              <a:buSzPts val="1400"/>
+              <a:buFont typeface="Malgun Gothic"/>
+              <a:buAutoNum type="arabicPeriod"/>
+            </a:pPr>
+            <a:r>
+              <a:rPr lang="ko-KR">
+                <a:solidFill>
+                  <a:schemeClr val="dk1"/>
+                </a:solidFill>
+                <a:latin typeface="Malgun Gothic"/>
+                <a:ea typeface="Malgun Gothic"/>
+                <a:cs typeface="Malgun Gothic"/>
+                <a:sym typeface="Malgun Gothic"/>
+              </a:rPr>
+              <a:t>기존 Erase 범위 </a:t>
+            </a:r>
+            <a:r>
+              <a:rPr lang="ko-KR">
+                <a:solidFill>
+                  <a:schemeClr val="dk1"/>
+                </a:solidFill>
+                <a:highlight>
+                  <a:srgbClr val="FFFF00"/>
+                </a:highlight>
+                <a:latin typeface="Malgun Gothic"/>
+                <a:ea typeface="Malgun Gothic"/>
+                <a:cs typeface="Malgun Gothic"/>
+                <a:sym typeface="Malgun Gothic"/>
+              </a:rPr>
+              <a:t>양쪽에 write 명령이 포함되면 범위를 재설정</a:t>
+            </a:r>
+            <a:r>
+              <a:rPr lang="ko-KR">
+                <a:solidFill>
+                  <a:schemeClr val="dk1"/>
+                </a:solidFill>
+                <a:latin typeface="Malgun Gothic"/>
+                <a:ea typeface="Malgun Gothic"/>
+                <a:cs typeface="Malgun Gothic"/>
+                <a:sym typeface="Malgun Gothic"/>
+              </a:rPr>
+              <a:t>한다</a:t>
+            </a:r>
+            <a:endParaRPr>
+              <a:solidFill>
+                <a:schemeClr val="dk1"/>
+              </a:solidFill>
+              <a:latin typeface="Malgun Gothic"/>
+              <a:ea typeface="Malgun Gothic"/>
+              <a:cs typeface="Malgun Gothic"/>
+              <a:sym typeface="Malgun Gothic"/>
+            </a:endParaRPr>
+          </a:p>
+          <a:p>
+            <a:pPr marL="914400" lvl="1" indent="-317500" algn="l" rtl="0">
+              <a:spcBef>
+                <a:spcPts val="0"/>
+              </a:spcBef>
+              <a:spcAft>
+                <a:spcPts val="0"/>
+              </a:spcAft>
+              <a:buClr>
+                <a:schemeClr val="dk1"/>
+              </a:buClr>
+              <a:buSzPts val="1400"/>
+              <a:buFont typeface="Malgun Gothic"/>
+              <a:buAutoNum type="alphaLcPeriod"/>
+            </a:pPr>
+            <a:r>
+              <a:rPr lang="ko-KR">
+                <a:solidFill>
+                  <a:schemeClr val="dk1"/>
+                </a:solidFill>
+                <a:latin typeface="Malgun Gothic"/>
+                <a:ea typeface="Malgun Gothic"/>
+                <a:cs typeface="Malgun Gothic"/>
+                <a:sym typeface="Malgun Gothic"/>
+              </a:rPr>
+              <a:t>E  0 3, W 0 0x… -&gt; E 1 2</a:t>
+            </a:r>
+            <a:endParaRPr>
+              <a:solidFill>
+                <a:schemeClr val="dk1"/>
+              </a:solidFill>
+              <a:latin typeface="Malgun Gothic"/>
+              <a:ea typeface="Malgun Gothic"/>
+              <a:cs typeface="Malgun Gothic"/>
+              <a:sym typeface="Malgun Gothic"/>
+            </a:endParaRPr>
+          </a:p>
+          <a:p>
+            <a:pPr marL="457200" lvl="0" indent="-317500" algn="l" rtl="0">
+              <a:spcBef>
+                <a:spcPts val="0"/>
+              </a:spcBef>
+              <a:spcAft>
+                <a:spcPts val="0"/>
+              </a:spcAft>
+              <a:buClr>
+                <a:schemeClr val="dk1"/>
+              </a:buClr>
+              <a:buSzPts val="1400"/>
+              <a:buFont typeface="Malgun Gothic"/>
+              <a:buAutoNum type="arabicPeriod"/>
+            </a:pPr>
+            <a:r>
+              <a:rPr lang="ko-KR">
+                <a:solidFill>
+                  <a:schemeClr val="dk1"/>
+                </a:solidFill>
+                <a:latin typeface="Malgun Gothic"/>
+                <a:ea typeface="Malgun Gothic"/>
+                <a:cs typeface="Malgun Gothic"/>
+                <a:sym typeface="Malgun Gothic"/>
+              </a:rPr>
+              <a:t>명령어를 삽입</a:t>
+            </a:r>
+            <a:endParaRPr>
+              <a:solidFill>
+                <a:schemeClr val="dk1"/>
+              </a:solidFill>
+              <a:latin typeface="Malgun Gothic"/>
+              <a:ea typeface="Malgun Gothic"/>
+              <a:cs typeface="Malgun Gothic"/>
+              <a:sym typeface="Malgun Gothic"/>
+            </a:endParaRPr>
+          </a:p>
+          <a:p>
+            <a:pPr marL="457200" lvl="0" indent="-317500" algn="l" rtl="0">
+              <a:spcBef>
+                <a:spcPts val="0"/>
+              </a:spcBef>
+              <a:spcAft>
+                <a:spcPts val="0"/>
+              </a:spcAft>
+              <a:buClr>
+                <a:schemeClr val="dk1"/>
+              </a:buClr>
+              <a:buSzPts val="1400"/>
+              <a:buFont typeface="Malgun Gothic"/>
+              <a:buAutoNum type="arabicPeriod"/>
+            </a:pPr>
+            <a:r>
+              <a:rPr lang="ko-KR">
+                <a:solidFill>
+                  <a:schemeClr val="dk1"/>
+                </a:solidFill>
+                <a:latin typeface="Malgun Gothic"/>
+                <a:ea typeface="Malgun Gothic"/>
+                <a:cs typeface="Malgun Gothic"/>
+                <a:sym typeface="Malgun Gothic"/>
+              </a:rPr>
+              <a:t>버퍼 내 Erase 명령 이후 나온 W 명령의 범위가 </a:t>
+            </a:r>
+            <a:r>
+              <a:rPr lang="ko-KR">
+                <a:solidFill>
+                  <a:schemeClr val="dk1"/>
+                </a:solidFill>
+                <a:highlight>
+                  <a:srgbClr val="FFFF00"/>
+                </a:highlight>
+                <a:latin typeface="Malgun Gothic"/>
+                <a:ea typeface="Malgun Gothic"/>
+                <a:cs typeface="Malgun Gothic"/>
+                <a:sym typeface="Malgun Gothic"/>
+              </a:rPr>
+              <a:t>해당 Erase 명령의 범위를 모두 커버하면 해당 Erase 명령을 삭제</a:t>
+            </a:r>
+            <a:r>
+              <a:rPr lang="ko-KR">
+                <a:solidFill>
+                  <a:schemeClr val="dk1"/>
+                </a:solidFill>
+                <a:latin typeface="Malgun Gothic"/>
+                <a:ea typeface="Malgun Gothic"/>
+                <a:cs typeface="Malgun Gothic"/>
+                <a:sym typeface="Malgun Gothic"/>
+              </a:rPr>
+              <a:t>한다.</a:t>
+            </a:r>
+            <a:endParaRPr>
+              <a:solidFill>
+                <a:schemeClr val="dk1"/>
+              </a:solidFill>
+              <a:latin typeface="Malgun Gothic"/>
+              <a:ea typeface="Malgun Gothic"/>
+              <a:cs typeface="Malgun Gothic"/>
+              <a:sym typeface="Malgun Gothic"/>
+            </a:endParaRPr>
+          </a:p>
+          <a:p>
+            <a:pPr marL="914400" lvl="1" indent="-317500" algn="l" rtl="0">
+              <a:spcBef>
+                <a:spcPts val="0"/>
+              </a:spcBef>
+              <a:spcAft>
+                <a:spcPts val="0"/>
+              </a:spcAft>
+              <a:buClr>
+                <a:schemeClr val="dk1"/>
+              </a:buClr>
+              <a:buSzPts val="1400"/>
+              <a:buFont typeface="Malgun Gothic"/>
+              <a:buAutoNum type="alphaLcPeriod"/>
+            </a:pPr>
+            <a:r>
+              <a:rPr lang="ko-KR">
+                <a:solidFill>
+                  <a:schemeClr val="dk1"/>
+                </a:solidFill>
+                <a:latin typeface="Malgun Gothic"/>
+                <a:ea typeface="Malgun Gothic"/>
+                <a:cs typeface="Malgun Gothic"/>
+                <a:sym typeface="Malgun Gothic"/>
+              </a:rPr>
+              <a:t>E 0 3, W 1 0x…, W 2 0x…, W 3 0x… -&gt; E 0 3을 삭제</a:t>
+            </a:r>
+            <a:endParaRPr>
+              <a:solidFill>
+                <a:schemeClr val="dk1"/>
+              </a:solidFill>
+              <a:latin typeface="Malgun Gothic"/>
+              <a:ea typeface="Malgun Gothic"/>
+              <a:cs typeface="Malgun Gothic"/>
+              <a:sym typeface="Malgun Gothic"/>
+            </a:endParaRPr>
+          </a:p>
+        </p:txBody>
+      </p:sp>
+      <p:pic>
+        <p:nvPicPr>
+          <p:cNvPr id="23" name="Google Shape;270;p29">
+            <a:extLst>
+              <a:ext uri="{FF2B5EF4-FFF2-40B4-BE49-F238E27FC236}">
+                <a16:creationId xmlns:a16="http://schemas.microsoft.com/office/drawing/2014/main" id="{4FB3E7BC-3D0D-4355-9AE6-647C099589A1}"/>
+              </a:ext>
+            </a:extLst>
+          </p:cNvPr>
+          <p:cNvPicPr preferRelativeResize="0"/>
+          <p:nvPr/>
+        </p:nvPicPr>
+        <p:blipFill>
+          <a:blip r:embed="rId5">
+            <a:alphaModFix/>
+          </a:blip>
+          <a:stretch>
+            <a:fillRect/>
+          </a:stretch>
+        </p:blipFill>
+        <p:spPr>
+          <a:xfrm>
+            <a:off x="146950" y="4522347"/>
+            <a:ext cx="4633690" cy="219075"/>
+          </a:xfrm>
+          <a:prstGeom prst="rect">
+            <a:avLst/>
+          </a:prstGeom>
+          <a:noFill/>
+          <a:ln>
+            <a:noFill/>
+          </a:ln>
+        </p:spPr>
+      </p:pic>
+      <p:sp>
+        <p:nvSpPr>
+          <p:cNvPr id="24" name="Google Shape;271;p29">
+            <a:extLst>
+              <a:ext uri="{FF2B5EF4-FFF2-40B4-BE49-F238E27FC236}">
+                <a16:creationId xmlns:a16="http://schemas.microsoft.com/office/drawing/2014/main" id="{76608955-78E6-4421-AE09-4582926C0CE0}"/>
+              </a:ext>
+            </a:extLst>
+          </p:cNvPr>
+          <p:cNvSpPr txBox="1"/>
+          <p:nvPr/>
+        </p:nvSpPr>
+        <p:spPr>
+          <a:xfrm>
+            <a:off x="146950" y="4803072"/>
+            <a:ext cx="5987700" cy="1435500"/>
+          </a:xfrm>
+          <a:prstGeom prst="rect">
+            <a:avLst/>
+          </a:prstGeom>
+          <a:noFill/>
+          <a:ln>
+            <a:noFill/>
+          </a:ln>
+        </p:spPr>
+        <p:txBody>
+          <a:bodyPr spcFirstLastPara="1" wrap="square" lIns="91425" tIns="91425" rIns="91425" bIns="91425" anchor="t" anchorCtr="0">
+            <a:noAutofit/>
+          </a:bodyPr>
+          <a:lstStyle/>
+          <a:p>
+            <a:pPr marL="457200" lvl="0" indent="-317500" algn="l" rtl="0">
+              <a:spcBef>
+                <a:spcPts val="0"/>
+              </a:spcBef>
+              <a:spcAft>
+                <a:spcPts val="0"/>
+              </a:spcAft>
+              <a:buClr>
+                <a:schemeClr val="dk1"/>
+              </a:buClr>
+              <a:buSzPts val="1400"/>
+              <a:buFont typeface="Malgun Gothic"/>
+              <a:buAutoNum type="arabicPeriod"/>
+            </a:pPr>
+            <a:r>
+              <a:rPr lang="ko-KR">
+                <a:solidFill>
+                  <a:schemeClr val="dk1"/>
+                </a:solidFill>
+                <a:latin typeface="Malgun Gothic"/>
+                <a:ea typeface="Malgun Gothic"/>
+                <a:cs typeface="Malgun Gothic"/>
+                <a:sym typeface="Malgun Gothic"/>
+              </a:rPr>
+              <a:t>Write 명령이 현재 Erase 명령 범위 안에 속하면 Write 명령어를 삭제</a:t>
+            </a:r>
+            <a:endParaRPr>
+              <a:solidFill>
+                <a:schemeClr val="dk1"/>
+              </a:solidFill>
+              <a:latin typeface="Malgun Gothic"/>
+              <a:ea typeface="Malgun Gothic"/>
+              <a:cs typeface="Malgun Gothic"/>
+              <a:sym typeface="Malgun Gothic"/>
+            </a:endParaRPr>
+          </a:p>
+          <a:p>
+            <a:pPr marL="457200" lvl="0" indent="-317500" algn="l" rtl="0">
+              <a:spcBef>
+                <a:spcPts val="0"/>
+              </a:spcBef>
+              <a:spcAft>
+                <a:spcPts val="0"/>
+              </a:spcAft>
+              <a:buClr>
+                <a:schemeClr val="dk1"/>
+              </a:buClr>
+              <a:buSzPts val="1400"/>
+              <a:buFont typeface="Malgun Gothic"/>
+              <a:buAutoNum type="arabicPeriod"/>
+            </a:pPr>
+            <a:r>
+              <a:rPr lang="ko-KR">
+                <a:solidFill>
+                  <a:schemeClr val="dk1"/>
+                </a:solidFill>
+                <a:latin typeface="Malgun Gothic"/>
+                <a:ea typeface="Malgun Gothic"/>
+                <a:cs typeface="Malgun Gothic"/>
+                <a:sym typeface="Malgun Gothic"/>
+              </a:rPr>
+              <a:t>Erase 명령이 현재 Erase 명령 범위 안에 속하면 해당 Erase 명령어를 삭제</a:t>
+            </a:r>
+            <a:endParaRPr>
+              <a:solidFill>
+                <a:schemeClr val="dk1"/>
+              </a:solidFill>
+              <a:latin typeface="Malgun Gothic"/>
+              <a:ea typeface="Malgun Gothic"/>
+              <a:cs typeface="Malgun Gothic"/>
+              <a:sym typeface="Malgun Gothic"/>
+            </a:endParaRPr>
+          </a:p>
+          <a:p>
+            <a:pPr marL="457200" lvl="0" indent="-317500" algn="l" rtl="0">
+              <a:spcBef>
+                <a:spcPts val="0"/>
+              </a:spcBef>
+              <a:spcAft>
+                <a:spcPts val="0"/>
+              </a:spcAft>
+              <a:buClr>
+                <a:schemeClr val="dk1"/>
+              </a:buClr>
+              <a:buSzPts val="1400"/>
+              <a:buFont typeface="Malgun Gothic"/>
+              <a:buAutoNum type="arabicPeriod"/>
+            </a:pPr>
+            <a:r>
+              <a:rPr lang="ko-KR">
+                <a:solidFill>
+                  <a:schemeClr val="dk1"/>
+                </a:solidFill>
+                <a:latin typeface="Malgun Gothic"/>
+                <a:ea typeface="Malgun Gothic"/>
+                <a:cs typeface="Malgun Gothic"/>
+                <a:sym typeface="Malgun Gothic"/>
+              </a:rPr>
+              <a:t>2와 반대로 현재 Erase 명령이 기존 Erase 명령 범위에 속하면 삽입 미진행</a:t>
+            </a:r>
+            <a:endParaRPr>
+              <a:solidFill>
+                <a:schemeClr val="dk1"/>
+              </a:solidFill>
+              <a:latin typeface="Malgun Gothic"/>
+              <a:ea typeface="Malgun Gothic"/>
+              <a:cs typeface="Malgun Gothic"/>
+              <a:sym typeface="Malgun Gothic"/>
+            </a:endParaRPr>
+          </a:p>
+          <a:p>
+            <a:pPr marL="457200" lvl="0" indent="-317500" algn="l" rtl="0">
+              <a:spcBef>
+                <a:spcPts val="0"/>
+              </a:spcBef>
+              <a:spcAft>
+                <a:spcPts val="0"/>
+              </a:spcAft>
+              <a:buClr>
+                <a:schemeClr val="dk1"/>
+              </a:buClr>
+              <a:buSzPts val="1400"/>
+              <a:buFont typeface="Malgun Gothic"/>
+              <a:buAutoNum type="arabicPeriod"/>
+            </a:pPr>
+            <a:r>
+              <a:rPr lang="ko-KR">
+                <a:solidFill>
+                  <a:schemeClr val="dk1"/>
+                </a:solidFill>
+                <a:latin typeface="Malgun Gothic"/>
+                <a:ea typeface="Malgun Gothic"/>
+                <a:cs typeface="Malgun Gothic"/>
+                <a:sym typeface="Malgun Gothic"/>
+              </a:rPr>
+              <a:t>기존 Erase 명령들을 합친 범위가 현재 Erase 명령을 포함한다면 삽입 미진행</a:t>
+            </a:r>
+            <a:endParaRPr>
+              <a:solidFill>
+                <a:schemeClr val="dk1"/>
+              </a:solidFill>
+              <a:latin typeface="Malgun Gothic"/>
+              <a:ea typeface="Malgun Gothic"/>
+              <a:cs typeface="Malgun Gothic"/>
+              <a:sym typeface="Malgun Gothic"/>
+            </a:endParaRPr>
+          </a:p>
+          <a:p>
+            <a:pPr marL="0" lvl="0" indent="0" algn="l" rtl="0">
+              <a:spcBef>
+                <a:spcPts val="0"/>
+              </a:spcBef>
+              <a:spcAft>
+                <a:spcPts val="0"/>
+              </a:spcAft>
+              <a:buNone/>
+            </a:pPr>
+            <a:endParaRPr>
+              <a:solidFill>
+                <a:schemeClr val="dk1"/>
+              </a:solidFill>
+              <a:latin typeface="Malgun Gothic"/>
+              <a:ea typeface="Malgun Gothic"/>
+              <a:cs typeface="Malgun Gothic"/>
+              <a:sym typeface="Malgun Gothic"/>
+            </a:endParaRPr>
+          </a:p>
+          <a:p>
+            <a:pPr marL="0" lvl="0" indent="0" algn="l" rtl="0">
+              <a:spcBef>
+                <a:spcPts val="0"/>
+              </a:spcBef>
+              <a:spcAft>
+                <a:spcPts val="0"/>
+              </a:spcAft>
+              <a:buNone/>
+            </a:pPr>
+            <a:endParaRPr>
+              <a:solidFill>
+                <a:schemeClr val="dk1"/>
+              </a:solidFill>
+              <a:latin typeface="Malgun Gothic"/>
+              <a:ea typeface="Malgun Gothic"/>
+              <a:cs typeface="Malgun Gothic"/>
+              <a:sym typeface="Malgun Gothic"/>
+            </a:endParaRPr>
+          </a:p>
+        </p:txBody>
+      </p:sp>
+      <p:pic>
+        <p:nvPicPr>
+          <p:cNvPr id="25" name="Google Shape;272;p29">
+            <a:extLst>
+              <a:ext uri="{FF2B5EF4-FFF2-40B4-BE49-F238E27FC236}">
+                <a16:creationId xmlns:a16="http://schemas.microsoft.com/office/drawing/2014/main" id="{3A017D23-4078-4CCA-A2D8-C52BE52A69C7}"/>
+              </a:ext>
+            </a:extLst>
+          </p:cNvPr>
+          <p:cNvPicPr preferRelativeResize="0"/>
+          <p:nvPr/>
+        </p:nvPicPr>
+        <p:blipFill>
+          <a:blip r:embed="rId6">
+            <a:alphaModFix/>
+          </a:blip>
+          <a:stretch>
+            <a:fillRect/>
+          </a:stretch>
+        </p:blipFill>
+        <p:spPr>
+          <a:xfrm>
+            <a:off x="6315900" y="1445175"/>
+            <a:ext cx="4305300" cy="219075"/>
+          </a:xfrm>
+          <a:prstGeom prst="rect">
+            <a:avLst/>
+          </a:prstGeom>
+          <a:noFill/>
+          <a:ln>
+            <a:noFill/>
+          </a:ln>
+        </p:spPr>
+      </p:pic>
+      <p:pic>
+        <p:nvPicPr>
+          <p:cNvPr id="26" name="Google Shape;274;p29">
+            <a:extLst>
+              <a:ext uri="{FF2B5EF4-FFF2-40B4-BE49-F238E27FC236}">
+                <a16:creationId xmlns:a16="http://schemas.microsoft.com/office/drawing/2014/main" id="{F0A06DED-4FA0-42BA-8240-8EA0F4213FF6}"/>
+              </a:ext>
+            </a:extLst>
+          </p:cNvPr>
+          <p:cNvPicPr preferRelativeResize="0"/>
+          <p:nvPr/>
+        </p:nvPicPr>
+        <p:blipFill>
+          <a:blip r:embed="rId7">
+            <a:alphaModFix/>
+          </a:blip>
+          <a:stretch>
+            <a:fillRect/>
+          </a:stretch>
+        </p:blipFill>
+        <p:spPr>
+          <a:xfrm>
+            <a:off x="6590875" y="3401275"/>
+            <a:ext cx="5476401" cy="2823225"/>
+          </a:xfrm>
+          <a:prstGeom prst="rect">
+            <a:avLst/>
+          </a:prstGeom>
+          <a:noFill/>
+          <a:ln>
+            <a:noFill/>
+          </a:ln>
+        </p:spPr>
+      </p:pic>
+      <p:sp>
+        <p:nvSpPr>
+          <p:cNvPr id="27" name="Google Shape;275;p29">
+            <a:extLst>
+              <a:ext uri="{FF2B5EF4-FFF2-40B4-BE49-F238E27FC236}">
+                <a16:creationId xmlns:a16="http://schemas.microsoft.com/office/drawing/2014/main" id="{890F9061-4635-4FFD-926E-00C90A380A27}"/>
+              </a:ext>
+            </a:extLst>
+          </p:cNvPr>
+          <p:cNvSpPr/>
+          <p:nvPr/>
+        </p:nvSpPr>
+        <p:spPr>
+          <a:xfrm>
+            <a:off x="79375" y="2396022"/>
+            <a:ext cx="5885700" cy="4254000"/>
+          </a:xfrm>
+          <a:prstGeom prst="rect">
+            <a:avLst/>
+          </a:prstGeom>
+          <a:noFill/>
+          <a:ln w="9525" cap="flat" cmpd="sng">
+            <a:solidFill>
+              <a:srgbClr val="0000FF"/>
+            </a:solidFill>
+            <a:prstDash val="solid"/>
+            <a:round/>
+            <a:headEnd type="none" w="sm" len="sm"/>
+            <a:tailEnd type="none" w="sm" len="sm"/>
+          </a:ln>
+        </p:spPr>
+        <p:txBody>
+          <a:bodyPr spcFirstLastPara="1" wrap="square" lIns="91425" tIns="91425" rIns="91425" bIns="91425" anchor="ctr" anchorCtr="0">
+            <a:noAutofit/>
+          </a:bodyPr>
+          <a:lstStyle/>
+          <a:p>
+            <a:pPr marL="0" lvl="0" indent="0" algn="ctr" rtl="0">
+              <a:spcBef>
+                <a:spcPts val="0"/>
+              </a:spcBef>
+              <a:spcAft>
+                <a:spcPts val="0"/>
+              </a:spcAft>
+              <a:buNone/>
+            </a:pPr>
+            <a:endParaRPr>
+              <a:latin typeface="Malgun Gothic"/>
+              <a:ea typeface="Malgun Gothic"/>
+              <a:cs typeface="Malgun Gothic"/>
+              <a:sym typeface="Malgun Gothic"/>
+            </a:endParaRPr>
+          </a:p>
+        </p:txBody>
+      </p:sp>
+      <p:sp>
+        <p:nvSpPr>
+          <p:cNvPr id="28" name="Google Shape;276;p29">
+            <a:extLst>
+              <a:ext uri="{FF2B5EF4-FFF2-40B4-BE49-F238E27FC236}">
+                <a16:creationId xmlns:a16="http://schemas.microsoft.com/office/drawing/2014/main" id="{11992D0E-71BF-4E67-A639-5086317BCF03}"/>
+              </a:ext>
+            </a:extLst>
+          </p:cNvPr>
+          <p:cNvSpPr txBox="1"/>
+          <p:nvPr/>
+        </p:nvSpPr>
+        <p:spPr>
+          <a:xfrm>
+            <a:off x="4184350" y="2083472"/>
+            <a:ext cx="1848300" cy="363000"/>
+          </a:xfrm>
+          <a:prstGeom prst="rect">
+            <a:avLst/>
+          </a:prstGeom>
+          <a:noFill/>
+          <a:ln>
+            <a:noFill/>
+          </a:ln>
+        </p:spPr>
+        <p:txBody>
+          <a:bodyPr spcFirstLastPara="1" wrap="square" lIns="91425" tIns="91425" rIns="91425" bIns="91425" anchor="t" anchorCtr="0">
+            <a:noAutofit/>
+          </a:bodyPr>
+          <a:lstStyle/>
+          <a:p>
+            <a:pPr marL="0" lvl="0" indent="0" algn="l" rtl="0">
+              <a:spcBef>
+                <a:spcPts val="0"/>
+              </a:spcBef>
+              <a:spcAft>
+                <a:spcPts val="0"/>
+              </a:spcAft>
+              <a:buNone/>
+            </a:pPr>
+            <a:r>
+              <a:rPr lang="ko-KR" b="1" dirty="0" err="1">
+                <a:solidFill>
+                  <a:schemeClr val="dk1"/>
+                </a:solidFill>
+                <a:latin typeface="Malgun Gothic"/>
+                <a:ea typeface="Malgun Gothic"/>
+                <a:cs typeface="Malgun Gothic"/>
+                <a:sym typeface="Malgun Gothic"/>
+              </a:rPr>
+              <a:t>Ignore</a:t>
+            </a:r>
+            <a:r>
+              <a:rPr lang="ko-KR" b="1" dirty="0">
+                <a:solidFill>
+                  <a:schemeClr val="dk1"/>
+                </a:solidFill>
+                <a:latin typeface="Malgun Gothic"/>
+                <a:ea typeface="Malgun Gothic"/>
+                <a:cs typeface="Malgun Gothic"/>
+                <a:sym typeface="Malgun Gothic"/>
+              </a:rPr>
+              <a:t> </a:t>
+            </a:r>
+            <a:r>
+              <a:rPr lang="ko-KR" b="1" dirty="0" err="1">
+                <a:solidFill>
+                  <a:schemeClr val="dk1"/>
+                </a:solidFill>
+                <a:latin typeface="Malgun Gothic"/>
+                <a:ea typeface="Malgun Gothic"/>
+                <a:cs typeface="Malgun Gothic"/>
+                <a:sym typeface="Malgun Gothic"/>
+              </a:rPr>
+              <a:t>Command</a:t>
+            </a:r>
+            <a:endParaRPr b="1" dirty="0">
+              <a:solidFill>
+                <a:schemeClr val="dk1"/>
+              </a:solidFill>
+              <a:latin typeface="Malgun Gothic"/>
+              <a:ea typeface="Malgun Gothic"/>
+              <a:cs typeface="Malgun Gothic"/>
+              <a:sym typeface="Malgun Gothic"/>
+            </a:endParaRPr>
+          </a:p>
+        </p:txBody>
+      </p:sp>
+      <p:sp>
+        <p:nvSpPr>
+          <p:cNvPr id="29" name="Google Shape;277;p29">
+            <a:extLst>
+              <a:ext uri="{FF2B5EF4-FFF2-40B4-BE49-F238E27FC236}">
+                <a16:creationId xmlns:a16="http://schemas.microsoft.com/office/drawing/2014/main" id="{75257C2D-33F9-4B48-9F33-20B2314C0624}"/>
+              </a:ext>
+            </a:extLst>
+          </p:cNvPr>
+          <p:cNvSpPr/>
+          <p:nvPr/>
+        </p:nvSpPr>
+        <p:spPr>
+          <a:xfrm>
+            <a:off x="6241150" y="1021075"/>
+            <a:ext cx="5885700" cy="5471800"/>
+          </a:xfrm>
+          <a:prstGeom prst="rect">
+            <a:avLst/>
+          </a:prstGeom>
+          <a:noFill/>
+          <a:ln w="9525" cap="flat" cmpd="sng">
+            <a:solidFill>
+              <a:srgbClr val="0000FF"/>
+            </a:solidFill>
+            <a:prstDash val="solid"/>
+            <a:round/>
+            <a:headEnd type="none" w="sm" len="sm"/>
+            <a:tailEnd type="none" w="sm" len="sm"/>
+          </a:ln>
+        </p:spPr>
+        <p:txBody>
+          <a:bodyPr spcFirstLastPara="1" wrap="square" lIns="91425" tIns="91425" rIns="91425" bIns="91425" anchor="ctr" anchorCtr="0">
+            <a:noAutofit/>
+          </a:bodyPr>
+          <a:lstStyle/>
+          <a:p>
+            <a:pPr marL="0" lvl="0" indent="0" algn="ctr" rtl="0">
+              <a:spcBef>
+                <a:spcPts val="0"/>
+              </a:spcBef>
+              <a:spcAft>
+                <a:spcPts val="0"/>
+              </a:spcAft>
+              <a:buNone/>
+            </a:pPr>
+            <a:endParaRPr>
+              <a:latin typeface="Malgun Gothic"/>
+              <a:ea typeface="Malgun Gothic"/>
+              <a:cs typeface="Malgun Gothic"/>
+              <a:sym typeface="Malgun Gothic"/>
+            </a:endParaRPr>
+          </a:p>
+        </p:txBody>
+      </p:sp>
+      <p:sp>
+        <p:nvSpPr>
+          <p:cNvPr id="30" name="Google Shape;278;p29">
+            <a:extLst>
+              <a:ext uri="{FF2B5EF4-FFF2-40B4-BE49-F238E27FC236}">
+                <a16:creationId xmlns:a16="http://schemas.microsoft.com/office/drawing/2014/main" id="{A7AF5327-39FA-4012-88D1-143F0EAE4F2B}"/>
+              </a:ext>
+            </a:extLst>
+          </p:cNvPr>
+          <p:cNvSpPr txBox="1"/>
+          <p:nvPr/>
+        </p:nvSpPr>
+        <p:spPr>
+          <a:xfrm>
+            <a:off x="6241150" y="1021075"/>
+            <a:ext cx="2308800" cy="363000"/>
+          </a:xfrm>
+          <a:prstGeom prst="rect">
+            <a:avLst/>
+          </a:prstGeom>
+          <a:noFill/>
+          <a:ln>
+            <a:noFill/>
+          </a:ln>
+        </p:spPr>
+        <p:txBody>
+          <a:bodyPr spcFirstLastPara="1" wrap="square" lIns="91425" tIns="91425" rIns="91425" bIns="91425" anchor="t" anchorCtr="0">
+            <a:noAutofit/>
+          </a:bodyPr>
+          <a:lstStyle/>
+          <a:p>
+            <a:pPr marL="0" lvl="0" indent="0" algn="l" rtl="0">
+              <a:spcBef>
+                <a:spcPts val="0"/>
+              </a:spcBef>
+              <a:spcAft>
+                <a:spcPts val="0"/>
+              </a:spcAft>
+              <a:buNone/>
+            </a:pPr>
+            <a:r>
+              <a:rPr lang="ko-KR" b="1">
+                <a:solidFill>
+                  <a:schemeClr val="dk1"/>
+                </a:solidFill>
+                <a:latin typeface="Malgun Gothic"/>
+                <a:ea typeface="Malgun Gothic"/>
+                <a:cs typeface="Malgun Gothic"/>
+                <a:sym typeface="Malgun Gothic"/>
+              </a:rPr>
+              <a:t>Merge Erase Command</a:t>
+            </a:r>
+            <a:endParaRPr b="1">
+              <a:solidFill>
+                <a:schemeClr val="dk1"/>
+              </a:solidFill>
+              <a:latin typeface="Malgun Gothic"/>
+              <a:ea typeface="Malgun Gothic"/>
+              <a:cs typeface="Malgun Gothic"/>
+              <a:sym typeface="Malgun Gothic"/>
+            </a:endParaRPr>
+          </a:p>
+        </p:txBody>
+      </p:sp>
+      <p:sp>
+        <p:nvSpPr>
+          <p:cNvPr id="31" name="Google Shape;273;p29">
+            <a:extLst>
+              <a:ext uri="{FF2B5EF4-FFF2-40B4-BE49-F238E27FC236}">
+                <a16:creationId xmlns:a16="http://schemas.microsoft.com/office/drawing/2014/main" id="{455CC459-5860-4E27-A4F8-123E5BCE4BA7}"/>
+              </a:ext>
+            </a:extLst>
+          </p:cNvPr>
+          <p:cNvSpPr txBox="1"/>
+          <p:nvPr/>
+        </p:nvSpPr>
+        <p:spPr>
+          <a:xfrm>
+            <a:off x="6168475" y="1793975"/>
+            <a:ext cx="6157200" cy="1993500"/>
+          </a:xfrm>
+          <a:prstGeom prst="rect">
+            <a:avLst/>
+          </a:prstGeom>
+          <a:noFill/>
+          <a:ln>
+            <a:noFill/>
+          </a:ln>
+        </p:spPr>
+        <p:txBody>
+          <a:bodyPr spcFirstLastPara="1" wrap="square" lIns="91425" tIns="91425" rIns="91425" bIns="91425" anchor="t" anchorCtr="0">
+            <a:noAutofit/>
+          </a:bodyPr>
+          <a:lstStyle/>
+          <a:p>
+            <a:pPr marL="457200" lvl="0" indent="-317500" algn="l" rtl="0">
+              <a:spcBef>
+                <a:spcPts val="0"/>
+              </a:spcBef>
+              <a:spcAft>
+                <a:spcPts val="0"/>
+              </a:spcAft>
+              <a:buClr>
+                <a:schemeClr val="dk1"/>
+              </a:buClr>
+              <a:buSzPts val="1400"/>
+              <a:buFont typeface="Malgun Gothic"/>
+              <a:buChar char="-"/>
+            </a:pPr>
+            <a:r>
+              <a:rPr lang="ko-KR" dirty="0">
+                <a:solidFill>
+                  <a:schemeClr val="dk1"/>
+                </a:solidFill>
+                <a:latin typeface="Malgun Gothic"/>
+                <a:ea typeface="Malgun Gothic"/>
+                <a:cs typeface="Malgun Gothic"/>
+                <a:sym typeface="Malgun Gothic"/>
+              </a:rPr>
+              <a:t>버퍼의 맨 마지막부터 연속된 </a:t>
+            </a:r>
+            <a:r>
+              <a:rPr lang="ko-KR" dirty="0" err="1">
+                <a:solidFill>
+                  <a:schemeClr val="dk1"/>
+                </a:solidFill>
+                <a:latin typeface="Malgun Gothic"/>
+                <a:ea typeface="Malgun Gothic"/>
+                <a:cs typeface="Malgun Gothic"/>
+                <a:sym typeface="Malgun Gothic"/>
+              </a:rPr>
+              <a:t>E들을</a:t>
+            </a:r>
+            <a:r>
+              <a:rPr lang="ko-KR" dirty="0">
+                <a:solidFill>
+                  <a:schemeClr val="dk1"/>
+                </a:solidFill>
+                <a:latin typeface="Malgun Gothic"/>
+                <a:ea typeface="Malgun Gothic"/>
+                <a:cs typeface="Malgun Gothic"/>
+                <a:sym typeface="Malgun Gothic"/>
+              </a:rPr>
+              <a:t> 모아서 </a:t>
+            </a:r>
+            <a:r>
+              <a:rPr lang="ko-KR" dirty="0" err="1">
+                <a:solidFill>
+                  <a:schemeClr val="dk1"/>
+                </a:solidFill>
+                <a:latin typeface="Malgun Gothic"/>
+                <a:ea typeface="Malgun Gothic"/>
+                <a:cs typeface="Malgun Gothic"/>
+                <a:sym typeface="Malgun Gothic"/>
+              </a:rPr>
+              <a:t>재조립</a:t>
+            </a:r>
+            <a:r>
+              <a:rPr lang="ko-KR" dirty="0">
+                <a:solidFill>
+                  <a:schemeClr val="dk1"/>
+                </a:solidFill>
+                <a:latin typeface="Malgun Gothic"/>
+                <a:ea typeface="Malgun Gothic"/>
+                <a:cs typeface="Malgun Gothic"/>
+                <a:sym typeface="Malgun Gothic"/>
+              </a:rPr>
+              <a:t> 후 다시 넣는다.</a:t>
+            </a:r>
+            <a:endParaRPr dirty="0">
+              <a:solidFill>
+                <a:schemeClr val="dk1"/>
+              </a:solidFill>
+              <a:latin typeface="Malgun Gothic"/>
+              <a:ea typeface="Malgun Gothic"/>
+              <a:cs typeface="Malgun Gothic"/>
+              <a:sym typeface="Malgun Gothic"/>
+            </a:endParaRPr>
+          </a:p>
+          <a:p>
+            <a:pPr marL="457200" lvl="0" indent="-317500" algn="l" rtl="0">
+              <a:spcBef>
+                <a:spcPts val="0"/>
+              </a:spcBef>
+              <a:spcAft>
+                <a:spcPts val="0"/>
+              </a:spcAft>
+              <a:buClr>
+                <a:schemeClr val="dk1"/>
+              </a:buClr>
+              <a:buSzPts val="1400"/>
+              <a:buFont typeface="Malgun Gothic"/>
+              <a:buChar char="-"/>
+            </a:pPr>
+            <a:r>
+              <a:rPr lang="ko-KR" dirty="0" err="1">
+                <a:solidFill>
+                  <a:schemeClr val="dk1"/>
+                </a:solidFill>
+                <a:latin typeface="Malgun Gothic"/>
+                <a:ea typeface="Malgun Gothic"/>
+                <a:cs typeface="Malgun Gothic"/>
+                <a:sym typeface="Malgun Gothic"/>
+              </a:rPr>
+              <a:t>Erase</a:t>
+            </a:r>
+            <a:r>
+              <a:rPr lang="ko-KR" dirty="0">
+                <a:solidFill>
+                  <a:schemeClr val="dk1"/>
+                </a:solidFill>
+                <a:latin typeface="Malgun Gothic"/>
+                <a:ea typeface="Malgun Gothic"/>
+                <a:cs typeface="Malgun Gothic"/>
+                <a:sym typeface="Malgun Gothic"/>
+              </a:rPr>
+              <a:t> 명령들이 적용되는 범위를 확인할 수 있는 </a:t>
+            </a:r>
+            <a:r>
+              <a:rPr lang="ko-KR" dirty="0" err="1">
+                <a:solidFill>
+                  <a:schemeClr val="dk1"/>
+                </a:solidFill>
+                <a:latin typeface="Malgun Gothic"/>
+                <a:ea typeface="Malgun Gothic"/>
+                <a:cs typeface="Malgun Gothic"/>
+                <a:sym typeface="Malgun Gothic"/>
+              </a:rPr>
+              <a:t>boolean</a:t>
+            </a:r>
+            <a:r>
+              <a:rPr lang="ko-KR" dirty="0">
+                <a:solidFill>
+                  <a:schemeClr val="dk1"/>
+                </a:solidFill>
+                <a:latin typeface="Malgun Gothic"/>
+                <a:ea typeface="Malgun Gothic"/>
+                <a:cs typeface="Malgun Gothic"/>
+                <a:sym typeface="Malgun Gothic"/>
+              </a:rPr>
+              <a:t>[100]을 사용</a:t>
+            </a:r>
+            <a:endParaRPr dirty="0">
+              <a:solidFill>
+                <a:schemeClr val="dk1"/>
+              </a:solidFill>
+              <a:latin typeface="Malgun Gothic"/>
+              <a:ea typeface="Malgun Gothic"/>
+              <a:cs typeface="Malgun Gothic"/>
+              <a:sym typeface="Malgun Gothic"/>
+            </a:endParaRPr>
+          </a:p>
+          <a:p>
+            <a:pPr marL="457200" lvl="0" indent="-317500" algn="l" rtl="0">
+              <a:spcBef>
+                <a:spcPts val="0"/>
+              </a:spcBef>
+              <a:spcAft>
+                <a:spcPts val="0"/>
+              </a:spcAft>
+              <a:buClr>
+                <a:schemeClr val="dk1"/>
+              </a:buClr>
+              <a:buSzPts val="1400"/>
+              <a:buFont typeface="Malgun Gothic"/>
+              <a:buAutoNum type="arabicPeriod"/>
+            </a:pPr>
+            <a:r>
+              <a:rPr lang="ko-KR" dirty="0">
+                <a:solidFill>
+                  <a:schemeClr val="dk1"/>
+                </a:solidFill>
+                <a:latin typeface="Malgun Gothic"/>
+                <a:ea typeface="Malgun Gothic"/>
+                <a:cs typeface="Malgun Gothic"/>
+                <a:sym typeface="Malgun Gothic"/>
+              </a:rPr>
+              <a:t>연속된 </a:t>
+            </a:r>
+            <a:r>
+              <a:rPr lang="ko-KR" dirty="0" err="1">
+                <a:solidFill>
+                  <a:schemeClr val="dk1"/>
+                </a:solidFill>
+                <a:latin typeface="Malgun Gothic"/>
+                <a:ea typeface="Malgun Gothic"/>
+                <a:cs typeface="Malgun Gothic"/>
+                <a:sym typeface="Malgun Gothic"/>
+              </a:rPr>
+              <a:t>E들을</a:t>
+            </a:r>
+            <a:r>
+              <a:rPr lang="ko-KR" dirty="0">
+                <a:solidFill>
+                  <a:schemeClr val="dk1"/>
+                </a:solidFill>
+                <a:latin typeface="Malgun Gothic"/>
+                <a:ea typeface="Malgun Gothic"/>
+                <a:cs typeface="Malgun Gothic"/>
+                <a:sym typeface="Malgun Gothic"/>
+              </a:rPr>
+              <a:t> 모은다.</a:t>
+            </a:r>
+            <a:endParaRPr dirty="0">
+              <a:solidFill>
+                <a:schemeClr val="dk1"/>
+              </a:solidFill>
+              <a:latin typeface="Malgun Gothic"/>
+              <a:ea typeface="Malgun Gothic"/>
+              <a:cs typeface="Malgun Gothic"/>
+              <a:sym typeface="Malgun Gothic"/>
+            </a:endParaRPr>
+          </a:p>
+          <a:p>
+            <a:pPr marL="457200" lvl="0" indent="-317500" algn="l" rtl="0">
+              <a:spcBef>
+                <a:spcPts val="0"/>
+              </a:spcBef>
+              <a:spcAft>
+                <a:spcPts val="0"/>
+              </a:spcAft>
+              <a:buClr>
+                <a:schemeClr val="dk1"/>
+              </a:buClr>
+              <a:buSzPts val="1400"/>
+              <a:buFont typeface="Malgun Gothic"/>
+              <a:buAutoNum type="arabicPeriod"/>
+            </a:pPr>
+            <a:r>
+              <a:rPr lang="ko-KR" dirty="0" err="1">
+                <a:solidFill>
+                  <a:schemeClr val="dk1"/>
+                </a:solidFill>
+                <a:latin typeface="Malgun Gothic"/>
+                <a:ea typeface="Malgun Gothic"/>
+                <a:cs typeface="Malgun Gothic"/>
+                <a:sym typeface="Malgun Gothic"/>
+              </a:rPr>
+              <a:t>boolean</a:t>
+            </a:r>
+            <a:r>
+              <a:rPr lang="ko-KR" dirty="0">
+                <a:solidFill>
+                  <a:schemeClr val="dk1"/>
+                </a:solidFill>
+                <a:latin typeface="Malgun Gothic"/>
+                <a:ea typeface="Malgun Gothic"/>
+                <a:cs typeface="Malgun Gothic"/>
+                <a:sym typeface="Malgun Gothic"/>
+              </a:rPr>
+              <a:t>[100]에 </a:t>
+            </a:r>
+            <a:r>
+              <a:rPr lang="ko-KR" dirty="0" err="1">
+                <a:solidFill>
+                  <a:schemeClr val="dk1"/>
+                </a:solidFill>
+                <a:latin typeface="Malgun Gothic"/>
+                <a:ea typeface="Malgun Gothic"/>
+                <a:cs typeface="Malgun Gothic"/>
+                <a:sym typeface="Malgun Gothic"/>
+              </a:rPr>
+              <a:t>Erase</a:t>
+            </a:r>
+            <a:r>
+              <a:rPr lang="ko-KR" dirty="0">
+                <a:solidFill>
+                  <a:schemeClr val="dk1"/>
+                </a:solidFill>
+                <a:latin typeface="Malgun Gothic"/>
+                <a:ea typeface="Malgun Gothic"/>
+                <a:cs typeface="Malgun Gothic"/>
+                <a:sym typeface="Malgun Gothic"/>
+              </a:rPr>
+              <a:t> 명령의 범위일 경우 </a:t>
+            </a:r>
+            <a:r>
+              <a:rPr lang="ko-KR" dirty="0" err="1">
+                <a:solidFill>
+                  <a:schemeClr val="dk1"/>
+                </a:solidFill>
+                <a:latin typeface="Malgun Gothic"/>
+                <a:ea typeface="Malgun Gothic"/>
+                <a:cs typeface="Malgun Gothic"/>
+                <a:sym typeface="Malgun Gothic"/>
+              </a:rPr>
+              <a:t>true로</a:t>
+            </a:r>
+            <a:r>
+              <a:rPr lang="ko-KR" dirty="0">
+                <a:solidFill>
+                  <a:schemeClr val="dk1"/>
+                </a:solidFill>
+                <a:latin typeface="Malgun Gothic"/>
+                <a:ea typeface="Malgun Gothic"/>
+                <a:cs typeface="Malgun Gothic"/>
+                <a:sym typeface="Malgun Gothic"/>
+              </a:rPr>
+              <a:t> 설정한다.</a:t>
+            </a:r>
+            <a:endParaRPr dirty="0">
+              <a:solidFill>
+                <a:schemeClr val="dk1"/>
+              </a:solidFill>
+              <a:latin typeface="Malgun Gothic"/>
+              <a:ea typeface="Malgun Gothic"/>
+              <a:cs typeface="Malgun Gothic"/>
+              <a:sym typeface="Malgun Gothic"/>
+            </a:endParaRPr>
+          </a:p>
+          <a:p>
+            <a:pPr marL="457200" lvl="0" indent="-317500" algn="l" rtl="0">
+              <a:spcBef>
+                <a:spcPts val="0"/>
+              </a:spcBef>
+              <a:spcAft>
+                <a:spcPts val="0"/>
+              </a:spcAft>
+              <a:buClr>
+                <a:schemeClr val="dk1"/>
+              </a:buClr>
+              <a:buSzPts val="1400"/>
+              <a:buFont typeface="Malgun Gothic"/>
+              <a:buAutoNum type="arabicPeriod"/>
+            </a:pPr>
+            <a:r>
+              <a:rPr lang="ko-KR" dirty="0">
+                <a:solidFill>
+                  <a:schemeClr val="dk1"/>
+                </a:solidFill>
+                <a:latin typeface="Malgun Gothic"/>
+                <a:ea typeface="Malgun Gothic"/>
+                <a:cs typeface="Malgun Gothic"/>
+                <a:sym typeface="Malgun Gothic"/>
+              </a:rPr>
+              <a:t>0~99까지 순회를 하면서 합칠 수 있는 범위는 합친다 </a:t>
+            </a:r>
+            <a:endParaRPr dirty="0">
+              <a:solidFill>
+                <a:schemeClr val="dk1"/>
+              </a:solidFill>
+              <a:latin typeface="Malgun Gothic"/>
+              <a:ea typeface="Malgun Gothic"/>
+              <a:cs typeface="Malgun Gothic"/>
+              <a:sym typeface="Malgun Gothic"/>
+            </a:endParaRPr>
           </a:p>
         </p:txBody>
       </p:sp>
